--- a/70 Praesentation/40 StarGreg Fredrik.pptx
+++ b/70 Praesentation/40 StarGreg Fredrik.pptx
@@ -2845,7 +2845,7 @@
           <a:p>
             <a:fld id="{27667466-E0D7-FD4B-BBEF-602BF6B185FF}" type="datetimeFigureOut">
               <a:rPr lang="de-DE" smtClean="0"/>
-              <a:t>28.10.11</a:t>
+              <a:t>03.11.2011</a:t>
             </a:fld>
             <a:endParaRPr lang="de-DE"/>
           </a:p>
@@ -3011,7 +3011,7 @@
           <a:p>
             <a:fld id="{358CF69D-E791-E447-927B-A50D3ED4596D}" type="datetimeFigureOut">
               <a:rPr lang="de-DE" smtClean="0"/>
-              <a:t>28.10.11</a:t>
+              <a:t>03.11.2011</a:t>
             </a:fld>
             <a:endParaRPr lang="de-DE"/>
           </a:p>
@@ -3355,6 +3355,117 @@
     <p:extLst>
       <p:ext uri="{BB962C8B-B14F-4D97-AF65-F5344CB8AC3E}">
         <p14:creationId xmlns:p14="http://schemas.microsoft.com/office/powerpoint/2010/main" val="279481230"/>
+      </p:ext>
+    </p:extLst>
+  </p:cSld>
+  <p:clrMapOvr>
+    <a:masterClrMapping/>
+  </p:clrMapOvr>
+</p:notes>
+</file>
+
+<file path=ppt/notesSlides/notesSlide2.xml><?xml version="1.0" encoding="utf-8"?>
+<p:notes xmlns:a="http://schemas.openxmlformats.org/drawingml/2006/main" xmlns:r="http://schemas.openxmlformats.org/officeDocument/2006/relationships" xmlns:p="http://schemas.openxmlformats.org/presentationml/2006/main">
+  <p:cSld>
+    <p:spTree>
+      <p:nvGrpSpPr>
+        <p:cNvPr id="1" name=""/>
+        <p:cNvGrpSpPr/>
+        <p:nvPr/>
+      </p:nvGrpSpPr>
+      <p:grpSpPr>
+        <a:xfrm>
+          <a:off x="0" y="0"/>
+          <a:ext cx="0" cy="0"/>
+          <a:chOff x="0" y="0"/>
+          <a:chExt cx="0" cy="0"/>
+        </a:xfrm>
+      </p:grpSpPr>
+      <p:sp>
+        <p:nvSpPr>
+          <p:cNvPr id="2" name="Folienbildplatzhalter 1"/>
+          <p:cNvSpPr>
+            <a:spLocks noGrp="1" noRot="1" noChangeAspect="1"/>
+          </p:cNvSpPr>
+          <p:nvPr>
+            <p:ph type="sldImg"/>
+          </p:nvPr>
+        </p:nvSpPr>
+        <p:spPr/>
+      </p:sp>
+      <p:sp>
+        <p:nvSpPr>
+          <p:cNvPr id="3" name="Notizenplatzhalter 2"/>
+          <p:cNvSpPr>
+            <a:spLocks noGrp="1"/>
+          </p:cNvSpPr>
+          <p:nvPr>
+            <p:ph type="body" idx="1"/>
+          </p:nvPr>
+        </p:nvSpPr>
+        <p:spPr/>
+        <p:txBody>
+          <a:bodyPr/>
+          <a:lstStyle/>
+          <a:p>
+            <a:r>
+              <a:rPr lang="de-DE" dirty="0" smtClean="0"/>
+              <a:t>Fachkonzept</a:t>
+            </a:r>
+            <a:r>
+              <a:rPr lang="en-US" baseline="0" dirty="0" smtClean="0"/>
+              <a:t> </a:t>
+            </a:r>
+            <a:r>
+              <a:rPr lang="en-US" baseline="0" dirty="0" err="1" smtClean="0"/>
+              <a:t>anhand</a:t>
+            </a:r>
+            <a:r>
+              <a:rPr lang="en-US" baseline="0" dirty="0" smtClean="0"/>
+              <a:t> von </a:t>
+            </a:r>
+            <a:r>
+              <a:rPr lang="en-US" baseline="0" dirty="0" err="1" smtClean="0"/>
+              <a:t>Klassendiagramm</a:t>
+            </a:r>
+            <a:endParaRPr lang="en-US" baseline="0" dirty="0" smtClean="0"/>
+          </a:p>
+          <a:p>
+            <a:r>
+              <a:rPr lang="de-DE" baseline="0" dirty="0" smtClean="0"/>
+              <a:t>Spielablauf als Test-Case</a:t>
+            </a:r>
+            <a:endParaRPr lang="de-DE" dirty="0" smtClean="0"/>
+          </a:p>
+        </p:txBody>
+      </p:sp>
+      <p:sp>
+        <p:nvSpPr>
+          <p:cNvPr id="4" name="Foliennummernplatzhalter 3"/>
+          <p:cNvSpPr>
+            <a:spLocks noGrp="1"/>
+          </p:cNvSpPr>
+          <p:nvPr>
+            <p:ph type="sldNum" sz="quarter" idx="10"/>
+          </p:nvPr>
+        </p:nvSpPr>
+        <p:spPr/>
+        <p:txBody>
+          <a:bodyPr/>
+          <a:lstStyle/>
+          <a:p>
+            <a:fld id="{31B766F0-CE08-5549-8B9A-6DE57C03B1D9}" type="slidenum">
+              <a:rPr lang="de-DE" smtClean="0"/>
+              <a:t>7</a:t>
+            </a:fld>
+            <a:endParaRPr lang="de-DE"/>
+          </a:p>
+        </p:txBody>
+      </p:sp>
+    </p:spTree>
+    <p:extLst>
+      <p:ext uri="{BB962C8B-B14F-4D97-AF65-F5344CB8AC3E}">
+        <p14:creationId xmlns:p14="http://schemas.microsoft.com/office/powerpoint/2010/main" val="2318757660"/>
       </p:ext>
     </p:extLst>
   </p:cSld>
@@ -9245,26 +9356,11 @@
           <a:bodyPr/>
           <a:lstStyle/>
           <a:p>
-            <a:endParaRPr lang="de-DE"/>
-          </a:p>
-        </p:txBody>
-      </p:sp>
-      <p:sp>
-        <p:nvSpPr>
-          <p:cNvPr id="3" name="Inhaltsplatzhalter 2"/>
-          <p:cNvSpPr>
-            <a:spLocks noGrp="1"/>
-          </p:cNvSpPr>
-          <p:nvPr>
-            <p:ph idx="1"/>
-          </p:nvPr>
-        </p:nvSpPr>
-        <p:spPr/>
-        <p:txBody>
-          <a:bodyPr/>
-          <a:lstStyle/>
-          <a:p>
-            <a:endParaRPr lang="de-DE"/>
+            <a:r>
+              <a:rPr lang="de-DE" dirty="0" smtClean="0"/>
+              <a:t>Fachkonzept</a:t>
+            </a:r>
+            <a:endParaRPr lang="de-DE" dirty="0"/>
           </a:p>
         </p:txBody>
       </p:sp>
@@ -9337,6 +9433,1104 @@
           </a:p>
         </p:txBody>
       </p:sp>
+      <p:sp>
+        <p:nvSpPr>
+          <p:cNvPr id="7" name="Rechteck 6"/>
+          <p:cNvSpPr/>
+          <p:nvPr/>
+        </p:nvSpPr>
+        <p:spPr>
+          <a:xfrm>
+            <a:off x="3606833" y="2509288"/>
+            <a:ext cx="1800000" cy="720000"/>
+          </a:xfrm>
+          <a:prstGeom prst="rect">
+            <a:avLst/>
+          </a:prstGeom>
+        </p:spPr>
+        <p:style>
+          <a:lnRef idx="1">
+            <a:schemeClr val="accent1"/>
+          </a:lnRef>
+          <a:fillRef idx="3">
+            <a:schemeClr val="accent1"/>
+          </a:fillRef>
+          <a:effectRef idx="2">
+            <a:schemeClr val="accent1"/>
+          </a:effectRef>
+          <a:fontRef idx="minor">
+            <a:schemeClr val="lt1"/>
+          </a:fontRef>
+        </p:style>
+        <p:txBody>
+          <a:bodyPr rtlCol="0" anchor="ctr"/>
+          <a:lstStyle/>
+          <a:p>
+            <a:pPr algn="ctr"/>
+            <a:r>
+              <a:rPr lang="de-DE" dirty="0" smtClean="0"/>
+              <a:t>Spiel</a:t>
+            </a:r>
+            <a:endParaRPr lang="en-US" dirty="0"/>
+          </a:p>
+        </p:txBody>
+      </p:sp>
+      <p:sp>
+        <p:nvSpPr>
+          <p:cNvPr id="9" name="Rechteck 8"/>
+          <p:cNvSpPr/>
+          <p:nvPr/>
+        </p:nvSpPr>
+        <p:spPr>
+          <a:xfrm>
+            <a:off x="220588" y="2509288"/>
+            <a:ext cx="1800000" cy="720000"/>
+          </a:xfrm>
+          <a:prstGeom prst="rect">
+            <a:avLst/>
+          </a:prstGeom>
+        </p:spPr>
+        <p:style>
+          <a:lnRef idx="1">
+            <a:schemeClr val="accent1"/>
+          </a:lnRef>
+          <a:fillRef idx="3">
+            <a:schemeClr val="accent1"/>
+          </a:fillRef>
+          <a:effectRef idx="2">
+            <a:schemeClr val="accent1"/>
+          </a:effectRef>
+          <a:fontRef idx="minor">
+            <a:schemeClr val="lt1"/>
+          </a:fontRef>
+        </p:style>
+        <p:txBody>
+          <a:bodyPr rtlCol="0" anchor="ctr"/>
+          <a:lstStyle/>
+          <a:p>
+            <a:pPr algn="ctr"/>
+            <a:r>
+              <a:rPr lang="de-DE" dirty="0" smtClean="0"/>
+              <a:t>Unternehmen</a:t>
+            </a:r>
+            <a:endParaRPr lang="en-US" dirty="0"/>
+          </a:p>
+        </p:txBody>
+      </p:sp>
+      <p:sp>
+        <p:nvSpPr>
+          <p:cNvPr id="10" name="Rechteck 9"/>
+          <p:cNvSpPr/>
+          <p:nvPr/>
+        </p:nvSpPr>
+        <p:spPr>
+          <a:xfrm>
+            <a:off x="7113813" y="2509288"/>
+            <a:ext cx="1800000" cy="720000"/>
+          </a:xfrm>
+          <a:prstGeom prst="rect">
+            <a:avLst/>
+          </a:prstGeom>
+        </p:spPr>
+        <p:style>
+          <a:lnRef idx="1">
+            <a:schemeClr val="accent1"/>
+          </a:lnRef>
+          <a:fillRef idx="3">
+            <a:schemeClr val="accent1"/>
+          </a:fillRef>
+          <a:effectRef idx="2">
+            <a:schemeClr val="accent1"/>
+          </a:effectRef>
+          <a:fontRef idx="minor">
+            <a:schemeClr val="lt1"/>
+          </a:fontRef>
+        </p:style>
+        <p:txBody>
+          <a:bodyPr rtlCol="0" anchor="ctr"/>
+          <a:lstStyle/>
+          <a:p>
+            <a:pPr algn="ctr"/>
+            <a:r>
+              <a:rPr lang="de-DE" dirty="0" smtClean="0"/>
+              <a:t>Markt</a:t>
+            </a:r>
+          </a:p>
+        </p:txBody>
+      </p:sp>
+      <p:sp>
+        <p:nvSpPr>
+          <p:cNvPr id="11" name="Rechteck 10"/>
+          <p:cNvSpPr/>
+          <p:nvPr/>
+        </p:nvSpPr>
+        <p:spPr>
+          <a:xfrm>
+            <a:off x="3606833" y="3997844"/>
+            <a:ext cx="1800000" cy="720000"/>
+          </a:xfrm>
+          <a:prstGeom prst="rect">
+            <a:avLst/>
+          </a:prstGeom>
+        </p:spPr>
+        <p:style>
+          <a:lnRef idx="1">
+            <a:schemeClr val="accent1"/>
+          </a:lnRef>
+          <a:fillRef idx="3">
+            <a:schemeClr val="accent1"/>
+          </a:fillRef>
+          <a:effectRef idx="2">
+            <a:schemeClr val="accent1"/>
+          </a:effectRef>
+          <a:fontRef idx="minor">
+            <a:schemeClr val="lt1"/>
+          </a:fontRef>
+        </p:style>
+        <p:txBody>
+          <a:bodyPr rtlCol="0" anchor="ctr"/>
+          <a:lstStyle/>
+          <a:p>
+            <a:pPr algn="ctr"/>
+            <a:r>
+              <a:rPr lang="de-DE" dirty="0" err="1" smtClean="0"/>
+              <a:t>SpielRunde</a:t>
+            </a:r>
+            <a:endParaRPr lang="en-US" dirty="0"/>
+          </a:p>
+        </p:txBody>
+      </p:sp>
+      <p:sp>
+        <p:nvSpPr>
+          <p:cNvPr id="12" name="Rechteck 11"/>
+          <p:cNvSpPr/>
+          <p:nvPr/>
+        </p:nvSpPr>
+        <p:spPr>
+          <a:xfrm>
+            <a:off x="3606833" y="5560831"/>
+            <a:ext cx="1800000" cy="720000"/>
+          </a:xfrm>
+          <a:prstGeom prst="rect">
+            <a:avLst/>
+          </a:prstGeom>
+        </p:spPr>
+        <p:style>
+          <a:lnRef idx="1">
+            <a:schemeClr val="accent1"/>
+          </a:lnRef>
+          <a:fillRef idx="3">
+            <a:schemeClr val="accent1"/>
+          </a:fillRef>
+          <a:effectRef idx="2">
+            <a:schemeClr val="accent1"/>
+          </a:effectRef>
+          <a:fontRef idx="minor">
+            <a:schemeClr val="lt1"/>
+          </a:fontRef>
+        </p:style>
+        <p:txBody>
+          <a:bodyPr rtlCol="0" anchor="ctr"/>
+          <a:lstStyle/>
+          <a:p>
+            <a:pPr algn="ctr"/>
+            <a:r>
+              <a:rPr lang="de-DE" dirty="0" err="1" smtClean="0"/>
+              <a:t>RaumschiffTyp</a:t>
+            </a:r>
+            <a:endParaRPr lang="en-US" dirty="0"/>
+          </a:p>
+        </p:txBody>
+      </p:sp>
+      <p:sp>
+        <p:nvSpPr>
+          <p:cNvPr id="13" name="Rechteck 12"/>
+          <p:cNvSpPr/>
+          <p:nvPr/>
+        </p:nvSpPr>
+        <p:spPr>
+          <a:xfrm>
+            <a:off x="7113813" y="5560831"/>
+            <a:ext cx="1800000" cy="720000"/>
+          </a:xfrm>
+          <a:prstGeom prst="rect">
+            <a:avLst/>
+          </a:prstGeom>
+        </p:spPr>
+        <p:style>
+          <a:lnRef idx="1">
+            <a:schemeClr val="accent1"/>
+          </a:lnRef>
+          <a:fillRef idx="3">
+            <a:schemeClr val="accent1"/>
+          </a:fillRef>
+          <a:effectRef idx="2">
+            <a:schemeClr val="accent1"/>
+          </a:effectRef>
+          <a:fontRef idx="minor">
+            <a:schemeClr val="lt1"/>
+          </a:fontRef>
+        </p:style>
+        <p:txBody>
+          <a:bodyPr rtlCol="0" anchor="ctr"/>
+          <a:lstStyle/>
+          <a:p>
+            <a:pPr algn="ctr"/>
+            <a:r>
+              <a:rPr lang="de-DE" dirty="0" err="1" smtClean="0"/>
+              <a:t>BauteilTyp</a:t>
+            </a:r>
+            <a:endParaRPr lang="en-US" dirty="0"/>
+          </a:p>
+        </p:txBody>
+      </p:sp>
+      <p:sp>
+        <p:nvSpPr>
+          <p:cNvPr id="14" name="Rechteck 13"/>
+          <p:cNvSpPr/>
+          <p:nvPr/>
+        </p:nvSpPr>
+        <p:spPr>
+          <a:xfrm>
+            <a:off x="182571" y="5560831"/>
+            <a:ext cx="1800000" cy="720000"/>
+          </a:xfrm>
+          <a:prstGeom prst="rect">
+            <a:avLst/>
+          </a:prstGeom>
+        </p:spPr>
+        <p:style>
+          <a:lnRef idx="1">
+            <a:schemeClr val="accent1"/>
+          </a:lnRef>
+          <a:fillRef idx="3">
+            <a:schemeClr val="accent1"/>
+          </a:fillRef>
+          <a:effectRef idx="2">
+            <a:schemeClr val="accent1"/>
+          </a:effectRef>
+          <a:fontRef idx="minor">
+            <a:schemeClr val="lt1"/>
+          </a:fontRef>
+        </p:style>
+        <p:txBody>
+          <a:bodyPr rtlCol="0" anchor="ctr"/>
+          <a:lstStyle/>
+          <a:p>
+            <a:pPr algn="ctr"/>
+            <a:r>
+              <a:rPr lang="de-DE" dirty="0" err="1" smtClean="0"/>
+              <a:t>PersonalTyp</a:t>
+            </a:r>
+            <a:endParaRPr lang="en-US" dirty="0"/>
+          </a:p>
+        </p:txBody>
+      </p:sp>
+      <p:grpSp>
+        <p:nvGrpSpPr>
+          <p:cNvPr id="18" name="Gruppieren 17"/>
+          <p:cNvGrpSpPr/>
+          <p:nvPr/>
+        </p:nvGrpSpPr>
+        <p:grpSpPr>
+          <a:xfrm>
+            <a:off x="5406833" y="2553123"/>
+            <a:ext cx="1706980" cy="369332"/>
+            <a:chOff x="5406833" y="2553123"/>
+            <a:chExt cx="1706980" cy="369332"/>
+          </a:xfrm>
+        </p:grpSpPr>
+        <p:cxnSp>
+          <p:nvCxnSpPr>
+            <p:cNvPr id="16" name="Gerade Verbindung mit Pfeil 15"/>
+            <p:cNvCxnSpPr>
+              <a:stCxn id="7" idx="3"/>
+              <a:endCxn id="10" idx="1"/>
+            </p:cNvCxnSpPr>
+            <p:nvPr/>
+          </p:nvCxnSpPr>
+          <p:spPr>
+            <a:xfrm>
+              <a:off x="5406833" y="2869288"/>
+              <a:ext cx="1706980" cy="0"/>
+            </a:xfrm>
+            <a:prstGeom prst="straightConnector1">
+              <a:avLst/>
+            </a:prstGeom>
+            <a:ln>
+              <a:tailEnd type="arrow"/>
+            </a:ln>
+          </p:spPr>
+          <p:style>
+            <a:lnRef idx="2">
+              <a:schemeClr val="accent1"/>
+            </a:lnRef>
+            <a:fillRef idx="0">
+              <a:schemeClr val="accent1"/>
+            </a:fillRef>
+            <a:effectRef idx="1">
+              <a:schemeClr val="accent1"/>
+            </a:effectRef>
+            <a:fontRef idx="minor">
+              <a:schemeClr val="tx1"/>
+            </a:fontRef>
+          </p:style>
+        </p:cxnSp>
+        <p:sp>
+          <p:nvSpPr>
+            <p:cNvPr id="17" name="Textfeld 16"/>
+            <p:cNvSpPr txBox="1"/>
+            <p:nvPr/>
+          </p:nvSpPr>
+          <p:spPr>
+            <a:xfrm>
+              <a:off x="6772940" y="2553123"/>
+              <a:ext cx="276447" cy="369332"/>
+            </a:xfrm>
+            <a:prstGeom prst="rect">
+              <a:avLst/>
+            </a:prstGeom>
+            <a:noFill/>
+          </p:spPr>
+          <p:txBody>
+            <a:bodyPr wrap="square" rtlCol="0">
+              <a:spAutoFit/>
+            </a:bodyPr>
+            <a:lstStyle/>
+            <a:p>
+              <a:r>
+                <a:rPr lang="de-DE" dirty="0">
+                  <a:solidFill>
+                    <a:schemeClr val="accent1"/>
+                  </a:solidFill>
+                </a:rPr>
+                <a:t>*</a:t>
+              </a:r>
+              <a:endParaRPr lang="en-US" dirty="0">
+                <a:solidFill>
+                  <a:schemeClr val="accent1"/>
+                </a:solidFill>
+              </a:endParaRPr>
+            </a:p>
+          </p:txBody>
+        </p:sp>
+      </p:grpSp>
+      <p:grpSp>
+        <p:nvGrpSpPr>
+          <p:cNvPr id="19" name="Gruppieren 18"/>
+          <p:cNvGrpSpPr/>
+          <p:nvPr/>
+        </p:nvGrpSpPr>
+        <p:grpSpPr>
+          <a:xfrm flipH="1">
+            <a:off x="2020587" y="2576794"/>
+            <a:ext cx="1586245" cy="369332"/>
+            <a:chOff x="5406833" y="2553123"/>
+            <a:chExt cx="1706980" cy="369332"/>
+          </a:xfrm>
+        </p:grpSpPr>
+        <p:cxnSp>
+          <p:nvCxnSpPr>
+            <p:cNvPr id="20" name="Gerade Verbindung mit Pfeil 19"/>
+            <p:cNvCxnSpPr/>
+            <p:nvPr/>
+          </p:nvCxnSpPr>
+          <p:spPr>
+            <a:xfrm>
+              <a:off x="5406833" y="2869288"/>
+              <a:ext cx="1706980" cy="0"/>
+            </a:xfrm>
+            <a:prstGeom prst="straightConnector1">
+              <a:avLst/>
+            </a:prstGeom>
+            <a:ln>
+              <a:tailEnd type="arrow"/>
+            </a:ln>
+          </p:spPr>
+          <p:style>
+            <a:lnRef idx="2">
+              <a:schemeClr val="accent1"/>
+            </a:lnRef>
+            <a:fillRef idx="0">
+              <a:schemeClr val="accent1"/>
+            </a:fillRef>
+            <a:effectRef idx="1">
+              <a:schemeClr val="accent1"/>
+            </a:effectRef>
+            <a:fontRef idx="minor">
+              <a:schemeClr val="tx1"/>
+            </a:fontRef>
+          </p:style>
+        </p:cxnSp>
+        <p:sp>
+          <p:nvSpPr>
+            <p:cNvPr id="21" name="Textfeld 20"/>
+            <p:cNvSpPr txBox="1"/>
+            <p:nvPr/>
+          </p:nvSpPr>
+          <p:spPr>
+            <a:xfrm>
+              <a:off x="6772940" y="2553123"/>
+              <a:ext cx="276447" cy="369332"/>
+            </a:xfrm>
+            <a:prstGeom prst="rect">
+              <a:avLst/>
+            </a:prstGeom>
+            <a:noFill/>
+          </p:spPr>
+          <p:txBody>
+            <a:bodyPr wrap="square" rtlCol="0">
+              <a:spAutoFit/>
+            </a:bodyPr>
+            <a:lstStyle/>
+            <a:p>
+              <a:r>
+                <a:rPr lang="de-DE" dirty="0">
+                  <a:solidFill>
+                    <a:schemeClr val="accent1"/>
+                  </a:solidFill>
+                </a:rPr>
+                <a:t>*</a:t>
+              </a:r>
+              <a:endParaRPr lang="en-US" dirty="0">
+                <a:solidFill>
+                  <a:schemeClr val="accent1"/>
+                </a:solidFill>
+              </a:endParaRPr>
+            </a:p>
+          </p:txBody>
+        </p:sp>
+      </p:grpSp>
+      <p:sp>
+        <p:nvSpPr>
+          <p:cNvPr id="22" name="Rechteck 21"/>
+          <p:cNvSpPr/>
+          <p:nvPr/>
+        </p:nvSpPr>
+        <p:spPr>
+          <a:xfrm>
+            <a:off x="220587" y="3997841"/>
+            <a:ext cx="1800000" cy="720000"/>
+          </a:xfrm>
+          <a:prstGeom prst="rect">
+            <a:avLst/>
+          </a:prstGeom>
+        </p:spPr>
+        <p:style>
+          <a:lnRef idx="1">
+            <a:schemeClr val="accent1"/>
+          </a:lnRef>
+          <a:fillRef idx="3">
+            <a:schemeClr val="accent1"/>
+          </a:fillRef>
+          <a:effectRef idx="2">
+            <a:schemeClr val="accent1"/>
+          </a:effectRef>
+          <a:fontRef idx="minor">
+            <a:schemeClr val="lt1"/>
+          </a:fontRef>
+        </p:style>
+        <p:txBody>
+          <a:bodyPr rtlCol="0" anchor="ctr"/>
+          <a:lstStyle/>
+          <a:p>
+            <a:pPr algn="ctr"/>
+            <a:r>
+              <a:rPr lang="de-DE" dirty="0" smtClean="0"/>
+              <a:t>Abteilung</a:t>
+            </a:r>
+            <a:endParaRPr lang="en-US" dirty="0"/>
+          </a:p>
+        </p:txBody>
+      </p:sp>
+      <p:grpSp>
+        <p:nvGrpSpPr>
+          <p:cNvPr id="23" name="Gruppieren 22"/>
+          <p:cNvGrpSpPr/>
+          <p:nvPr/>
+        </p:nvGrpSpPr>
+        <p:grpSpPr>
+          <a:xfrm rot="16200000" flipH="1">
+            <a:off x="698294" y="3387159"/>
+            <a:ext cx="768554" cy="452816"/>
+            <a:chOff x="5406833" y="2553123"/>
+            <a:chExt cx="1706980" cy="369332"/>
+          </a:xfrm>
+        </p:grpSpPr>
+        <p:cxnSp>
+          <p:nvCxnSpPr>
+            <p:cNvPr id="24" name="Gerade Verbindung mit Pfeil 23"/>
+            <p:cNvCxnSpPr/>
+            <p:nvPr/>
+          </p:nvCxnSpPr>
+          <p:spPr>
+            <a:xfrm>
+              <a:off x="5406833" y="2869288"/>
+              <a:ext cx="1706980" cy="0"/>
+            </a:xfrm>
+            <a:prstGeom prst="straightConnector1">
+              <a:avLst/>
+            </a:prstGeom>
+            <a:ln>
+              <a:tailEnd type="arrow"/>
+            </a:ln>
+          </p:spPr>
+          <p:style>
+            <a:lnRef idx="2">
+              <a:schemeClr val="accent1"/>
+            </a:lnRef>
+            <a:fillRef idx="0">
+              <a:schemeClr val="accent1"/>
+            </a:fillRef>
+            <a:effectRef idx="1">
+              <a:schemeClr val="accent1"/>
+            </a:effectRef>
+            <a:fontRef idx="minor">
+              <a:schemeClr val="tx1"/>
+            </a:fontRef>
+          </p:style>
+        </p:cxnSp>
+        <p:sp>
+          <p:nvSpPr>
+            <p:cNvPr id="25" name="Textfeld 24"/>
+            <p:cNvSpPr txBox="1"/>
+            <p:nvPr/>
+          </p:nvSpPr>
+          <p:spPr>
+            <a:xfrm>
+              <a:off x="6772940" y="2553123"/>
+              <a:ext cx="276447" cy="369332"/>
+            </a:xfrm>
+            <a:prstGeom prst="rect">
+              <a:avLst/>
+            </a:prstGeom>
+            <a:noFill/>
+          </p:spPr>
+          <p:txBody>
+            <a:bodyPr wrap="square" rtlCol="0">
+              <a:spAutoFit/>
+            </a:bodyPr>
+            <a:lstStyle/>
+            <a:p>
+              <a:r>
+                <a:rPr lang="de-DE" dirty="0">
+                  <a:solidFill>
+                    <a:schemeClr val="accent1"/>
+                  </a:solidFill>
+                </a:rPr>
+                <a:t>*</a:t>
+              </a:r>
+              <a:endParaRPr lang="en-US" dirty="0">
+                <a:solidFill>
+                  <a:schemeClr val="accent1"/>
+                </a:solidFill>
+              </a:endParaRPr>
+            </a:p>
+          </p:txBody>
+        </p:sp>
+      </p:grpSp>
+      <p:grpSp>
+        <p:nvGrpSpPr>
+          <p:cNvPr id="26" name="Gruppieren 25"/>
+          <p:cNvGrpSpPr/>
+          <p:nvPr/>
+        </p:nvGrpSpPr>
+        <p:grpSpPr>
+          <a:xfrm rot="16200000" flipH="1">
+            <a:off x="4122556" y="3387159"/>
+            <a:ext cx="768554" cy="452816"/>
+            <a:chOff x="5406833" y="2553123"/>
+            <a:chExt cx="1706980" cy="369332"/>
+          </a:xfrm>
+        </p:grpSpPr>
+        <p:cxnSp>
+          <p:nvCxnSpPr>
+            <p:cNvPr id="27" name="Gerade Verbindung mit Pfeil 26"/>
+            <p:cNvCxnSpPr/>
+            <p:nvPr/>
+          </p:nvCxnSpPr>
+          <p:spPr>
+            <a:xfrm>
+              <a:off x="5406833" y="2869288"/>
+              <a:ext cx="1706980" cy="0"/>
+            </a:xfrm>
+            <a:prstGeom prst="straightConnector1">
+              <a:avLst/>
+            </a:prstGeom>
+            <a:ln>
+              <a:tailEnd type="arrow"/>
+            </a:ln>
+          </p:spPr>
+          <p:style>
+            <a:lnRef idx="2">
+              <a:schemeClr val="accent1"/>
+            </a:lnRef>
+            <a:fillRef idx="0">
+              <a:schemeClr val="accent1"/>
+            </a:fillRef>
+            <a:effectRef idx="1">
+              <a:schemeClr val="accent1"/>
+            </a:effectRef>
+            <a:fontRef idx="minor">
+              <a:schemeClr val="tx1"/>
+            </a:fontRef>
+          </p:style>
+        </p:cxnSp>
+        <p:sp>
+          <p:nvSpPr>
+            <p:cNvPr id="28" name="Textfeld 27"/>
+            <p:cNvSpPr txBox="1"/>
+            <p:nvPr/>
+          </p:nvSpPr>
+          <p:spPr>
+            <a:xfrm>
+              <a:off x="6772940" y="2553123"/>
+              <a:ext cx="276447" cy="369332"/>
+            </a:xfrm>
+            <a:prstGeom prst="rect">
+              <a:avLst/>
+            </a:prstGeom>
+            <a:noFill/>
+          </p:spPr>
+          <p:txBody>
+            <a:bodyPr wrap="square" rtlCol="0">
+              <a:spAutoFit/>
+            </a:bodyPr>
+            <a:lstStyle/>
+            <a:p>
+              <a:r>
+                <a:rPr lang="de-DE" dirty="0">
+                  <a:solidFill>
+                    <a:schemeClr val="accent1"/>
+                  </a:solidFill>
+                </a:rPr>
+                <a:t>*</a:t>
+              </a:r>
+              <a:endParaRPr lang="en-US" dirty="0">
+                <a:solidFill>
+                  <a:schemeClr val="accent1"/>
+                </a:solidFill>
+              </a:endParaRPr>
+            </a:p>
+          </p:txBody>
+        </p:sp>
+      </p:grpSp>
+      <p:sp>
+        <p:nvSpPr>
+          <p:cNvPr id="29" name="Rechteck 28"/>
+          <p:cNvSpPr/>
+          <p:nvPr/>
+        </p:nvSpPr>
+        <p:spPr>
+          <a:xfrm>
+            <a:off x="7113813" y="3997844"/>
+            <a:ext cx="1800000" cy="720000"/>
+          </a:xfrm>
+          <a:prstGeom prst="rect">
+            <a:avLst/>
+          </a:prstGeom>
+        </p:spPr>
+        <p:style>
+          <a:lnRef idx="1">
+            <a:schemeClr val="accent1"/>
+          </a:lnRef>
+          <a:fillRef idx="3">
+            <a:schemeClr val="accent1"/>
+          </a:fillRef>
+          <a:effectRef idx="2">
+            <a:schemeClr val="accent1"/>
+          </a:effectRef>
+          <a:fontRef idx="minor">
+            <a:schemeClr val="lt1"/>
+          </a:fontRef>
+        </p:style>
+        <p:txBody>
+          <a:bodyPr rtlCol="0" anchor="ctr"/>
+          <a:lstStyle/>
+          <a:p>
+            <a:pPr algn="ctr"/>
+            <a:r>
+              <a:rPr lang="de-DE" dirty="0" smtClean="0"/>
+              <a:t>Typ</a:t>
+            </a:r>
+            <a:endParaRPr lang="en-US" dirty="0"/>
+          </a:p>
+        </p:txBody>
+      </p:sp>
+      <p:grpSp>
+        <p:nvGrpSpPr>
+          <p:cNvPr id="30" name="Gruppieren 29"/>
+          <p:cNvGrpSpPr/>
+          <p:nvPr/>
+        </p:nvGrpSpPr>
+        <p:grpSpPr>
+          <a:xfrm rot="16200000" flipH="1">
+            <a:off x="7629536" y="3405845"/>
+            <a:ext cx="768554" cy="452816"/>
+            <a:chOff x="5406833" y="2553123"/>
+            <a:chExt cx="1706980" cy="369332"/>
+          </a:xfrm>
+        </p:grpSpPr>
+        <p:cxnSp>
+          <p:nvCxnSpPr>
+            <p:cNvPr id="31" name="Gerade Verbindung mit Pfeil 30"/>
+            <p:cNvCxnSpPr/>
+            <p:nvPr/>
+          </p:nvCxnSpPr>
+          <p:spPr>
+            <a:xfrm>
+              <a:off x="5406833" y="2869288"/>
+              <a:ext cx="1706980" cy="0"/>
+            </a:xfrm>
+            <a:prstGeom prst="straightConnector1">
+              <a:avLst/>
+            </a:prstGeom>
+            <a:ln>
+              <a:tailEnd type="arrow"/>
+            </a:ln>
+          </p:spPr>
+          <p:style>
+            <a:lnRef idx="2">
+              <a:schemeClr val="accent1"/>
+            </a:lnRef>
+            <a:fillRef idx="0">
+              <a:schemeClr val="accent1"/>
+            </a:fillRef>
+            <a:effectRef idx="1">
+              <a:schemeClr val="accent1"/>
+            </a:effectRef>
+            <a:fontRef idx="minor">
+              <a:schemeClr val="tx1"/>
+            </a:fontRef>
+          </p:style>
+        </p:cxnSp>
+        <p:sp>
+          <p:nvSpPr>
+            <p:cNvPr id="32" name="Textfeld 31"/>
+            <p:cNvSpPr txBox="1"/>
+            <p:nvPr/>
+          </p:nvSpPr>
+          <p:spPr>
+            <a:xfrm>
+              <a:off x="6772940" y="2553123"/>
+              <a:ext cx="276447" cy="369332"/>
+            </a:xfrm>
+            <a:prstGeom prst="rect">
+              <a:avLst/>
+            </a:prstGeom>
+            <a:noFill/>
+          </p:spPr>
+          <p:txBody>
+            <a:bodyPr wrap="square" rtlCol="0">
+              <a:spAutoFit/>
+            </a:bodyPr>
+            <a:lstStyle/>
+            <a:p>
+              <a:r>
+                <a:rPr lang="de-DE" dirty="0">
+                  <a:solidFill>
+                    <a:schemeClr val="accent1"/>
+                  </a:solidFill>
+                </a:rPr>
+                <a:t>*</a:t>
+              </a:r>
+              <a:endParaRPr lang="en-US" dirty="0">
+                <a:solidFill>
+                  <a:schemeClr val="accent1"/>
+                </a:solidFill>
+              </a:endParaRPr>
+            </a:p>
+          </p:txBody>
+        </p:sp>
+      </p:grpSp>
+      <p:grpSp>
+        <p:nvGrpSpPr>
+          <p:cNvPr id="42" name="Gruppieren 41"/>
+          <p:cNvGrpSpPr/>
+          <p:nvPr/>
+        </p:nvGrpSpPr>
+        <p:grpSpPr>
+          <a:xfrm>
+            <a:off x="8060736" y="4717844"/>
+            <a:ext cx="228600" cy="842988"/>
+            <a:chOff x="8060736" y="4717844"/>
+            <a:chExt cx="228600" cy="842988"/>
+          </a:xfrm>
+        </p:grpSpPr>
+        <p:cxnSp>
+          <p:nvCxnSpPr>
+            <p:cNvPr id="36" name="Gerade Verbindung 35"/>
+            <p:cNvCxnSpPr>
+              <a:endCxn id="39" idx="3"/>
+            </p:cNvCxnSpPr>
+            <p:nvPr/>
+          </p:nvCxnSpPr>
+          <p:spPr>
+            <a:xfrm flipV="1">
+              <a:off x="8175036" y="4922343"/>
+              <a:ext cx="0" cy="638489"/>
+            </a:xfrm>
+            <a:prstGeom prst="line">
+              <a:avLst/>
+            </a:prstGeom>
+          </p:spPr>
+          <p:style>
+            <a:lnRef idx="2">
+              <a:schemeClr val="accent1"/>
+            </a:lnRef>
+            <a:fillRef idx="0">
+              <a:schemeClr val="accent1"/>
+            </a:fillRef>
+            <a:effectRef idx="1">
+              <a:schemeClr val="accent1"/>
+            </a:effectRef>
+            <a:fontRef idx="minor">
+              <a:schemeClr val="tx1"/>
+            </a:fontRef>
+          </p:style>
+        </p:cxnSp>
+        <p:sp>
+          <p:nvSpPr>
+            <p:cNvPr id="39" name="Gleichschenkliges Dreieck 38"/>
+            <p:cNvSpPr/>
+            <p:nvPr/>
+          </p:nvSpPr>
+          <p:spPr>
+            <a:xfrm>
+              <a:off x="8060736" y="4717844"/>
+              <a:ext cx="228600" cy="204499"/>
+            </a:xfrm>
+            <a:prstGeom prst="triangle">
+              <a:avLst/>
+            </a:prstGeom>
+            <a:noFill/>
+            <a:ln w="19050">
+              <a:solidFill>
+                <a:schemeClr val="accent1"/>
+              </a:solidFill>
+            </a:ln>
+            <a:scene3d>
+              <a:camera prst="orthographicFront"/>
+              <a:lightRig rig="threePt" dir="tl"/>
+            </a:scene3d>
+            <a:sp3d/>
+          </p:spPr>
+          <p:style>
+            <a:lnRef idx="1">
+              <a:schemeClr val="accent1"/>
+            </a:lnRef>
+            <a:fillRef idx="3">
+              <a:schemeClr val="accent1"/>
+            </a:fillRef>
+            <a:effectRef idx="2">
+              <a:schemeClr val="accent1"/>
+            </a:effectRef>
+            <a:fontRef idx="minor">
+              <a:schemeClr val="lt1"/>
+            </a:fontRef>
+          </p:style>
+          <p:txBody>
+            <a:bodyPr rtlCol="0" anchor="ctr"/>
+            <a:lstStyle/>
+            <a:p>
+              <a:pPr algn="ctr"/>
+              <a:endParaRPr lang="en-US"/>
+            </a:p>
+          </p:txBody>
+        </p:sp>
+      </p:grpSp>
+      <p:grpSp>
+        <p:nvGrpSpPr>
+          <p:cNvPr id="63" name="Gruppieren 62"/>
+          <p:cNvGrpSpPr/>
+          <p:nvPr/>
+        </p:nvGrpSpPr>
+        <p:grpSpPr>
+          <a:xfrm>
+            <a:off x="1982571" y="4475975"/>
+            <a:ext cx="5130665" cy="1084857"/>
+            <a:chOff x="1982571" y="4475975"/>
+            <a:chExt cx="5130665" cy="1084857"/>
+          </a:xfrm>
+        </p:grpSpPr>
+        <p:cxnSp>
+          <p:nvCxnSpPr>
+            <p:cNvPr id="50" name="Gerade Verbindung 49"/>
+            <p:cNvCxnSpPr>
+              <a:endCxn id="51" idx="3"/>
+            </p:cNvCxnSpPr>
+            <p:nvPr/>
+          </p:nvCxnSpPr>
+          <p:spPr>
+            <a:xfrm flipV="1">
+              <a:off x="1982571" y="4616647"/>
+              <a:ext cx="4929626" cy="944185"/>
+            </a:xfrm>
+            <a:prstGeom prst="line">
+              <a:avLst/>
+            </a:prstGeom>
+          </p:spPr>
+          <p:style>
+            <a:lnRef idx="2">
+              <a:schemeClr val="accent1"/>
+            </a:lnRef>
+            <a:fillRef idx="0">
+              <a:schemeClr val="accent1"/>
+            </a:fillRef>
+            <a:effectRef idx="1">
+              <a:schemeClr val="accent1"/>
+            </a:effectRef>
+            <a:fontRef idx="minor">
+              <a:schemeClr val="tx1"/>
+            </a:fontRef>
+          </p:style>
+        </p:cxnSp>
+        <p:sp>
+          <p:nvSpPr>
+            <p:cNvPr id="51" name="Gleichschenkliges Dreieck 50"/>
+            <p:cNvSpPr/>
+            <p:nvPr/>
+          </p:nvSpPr>
+          <p:spPr>
+            <a:xfrm rot="4503194">
+              <a:off x="6896687" y="4488025"/>
+              <a:ext cx="228600" cy="204499"/>
+            </a:xfrm>
+            <a:prstGeom prst="triangle">
+              <a:avLst/>
+            </a:prstGeom>
+            <a:noFill/>
+            <a:ln w="19050">
+              <a:solidFill>
+                <a:schemeClr val="accent1"/>
+              </a:solidFill>
+            </a:ln>
+            <a:scene3d>
+              <a:camera prst="orthographicFront"/>
+              <a:lightRig rig="threePt" dir="tl"/>
+            </a:scene3d>
+            <a:sp3d/>
+          </p:spPr>
+          <p:style>
+            <a:lnRef idx="1">
+              <a:schemeClr val="accent1"/>
+            </a:lnRef>
+            <a:fillRef idx="3">
+              <a:schemeClr val="accent1"/>
+            </a:fillRef>
+            <a:effectRef idx="2">
+              <a:schemeClr val="accent1"/>
+            </a:effectRef>
+            <a:fontRef idx="minor">
+              <a:schemeClr val="lt1"/>
+            </a:fontRef>
+          </p:style>
+          <p:txBody>
+            <a:bodyPr rtlCol="0" anchor="ctr"/>
+            <a:lstStyle/>
+            <a:p>
+              <a:pPr algn="ctr"/>
+              <a:endParaRPr lang="en-US"/>
+            </a:p>
+          </p:txBody>
+        </p:sp>
+      </p:grpSp>
+      <p:grpSp>
+        <p:nvGrpSpPr>
+          <p:cNvPr id="64" name="Gruppieren 63"/>
+          <p:cNvGrpSpPr/>
+          <p:nvPr/>
+        </p:nvGrpSpPr>
+        <p:grpSpPr>
+          <a:xfrm>
+            <a:off x="5406833" y="4655654"/>
+            <a:ext cx="2076341" cy="1173646"/>
+            <a:chOff x="5406833" y="4655654"/>
+            <a:chExt cx="2076341" cy="1173646"/>
+          </a:xfrm>
+        </p:grpSpPr>
+        <p:cxnSp>
+          <p:nvCxnSpPr>
+            <p:cNvPr id="56" name="Gerade Verbindung 55"/>
+            <p:cNvCxnSpPr>
+              <a:endCxn id="57" idx="3"/>
+            </p:cNvCxnSpPr>
+            <p:nvPr/>
+          </p:nvCxnSpPr>
+          <p:spPr>
+            <a:xfrm flipV="1">
+              <a:off x="5406833" y="4840131"/>
+              <a:ext cx="1899728" cy="989169"/>
+            </a:xfrm>
+            <a:prstGeom prst="line">
+              <a:avLst/>
+            </a:prstGeom>
+          </p:spPr>
+          <p:style>
+            <a:lnRef idx="2">
+              <a:schemeClr val="accent1"/>
+            </a:lnRef>
+            <a:fillRef idx="0">
+              <a:schemeClr val="accent1"/>
+            </a:fillRef>
+            <a:effectRef idx="1">
+              <a:schemeClr val="accent1"/>
+            </a:effectRef>
+            <a:fontRef idx="minor">
+              <a:schemeClr val="tx1"/>
+            </a:fontRef>
+          </p:style>
+        </p:cxnSp>
+        <p:sp>
+          <p:nvSpPr>
+            <p:cNvPr id="57" name="Gleichschenkliges Dreieck 56"/>
+            <p:cNvSpPr/>
+            <p:nvPr/>
+          </p:nvSpPr>
+          <p:spPr>
+            <a:xfrm rot="2799545">
+              <a:off x="7266625" y="4667704"/>
+              <a:ext cx="228600" cy="204499"/>
+            </a:xfrm>
+            <a:prstGeom prst="triangle">
+              <a:avLst/>
+            </a:prstGeom>
+            <a:noFill/>
+            <a:ln w="19050">
+              <a:solidFill>
+                <a:schemeClr val="accent1"/>
+              </a:solidFill>
+            </a:ln>
+            <a:scene3d>
+              <a:camera prst="orthographicFront"/>
+              <a:lightRig rig="threePt" dir="tl"/>
+            </a:scene3d>
+            <a:sp3d/>
+          </p:spPr>
+          <p:style>
+            <a:lnRef idx="1">
+              <a:schemeClr val="accent1"/>
+            </a:lnRef>
+            <a:fillRef idx="3">
+              <a:schemeClr val="accent1"/>
+            </a:fillRef>
+            <a:effectRef idx="2">
+              <a:schemeClr val="accent1"/>
+            </a:effectRef>
+            <a:fontRef idx="minor">
+              <a:schemeClr val="lt1"/>
+            </a:fontRef>
+          </p:style>
+          <p:txBody>
+            <a:bodyPr rtlCol="0" anchor="ctr"/>
+            <a:lstStyle/>
+            <a:p>
+              <a:pPr algn="ctr"/>
+              <a:endParaRPr lang="en-US"/>
+            </a:p>
+          </p:txBody>
+        </p:sp>
+      </p:grpSp>
     </p:spTree>
     <p:extLst>
       <p:ext uri="{BB962C8B-B14F-4D97-AF65-F5344CB8AC3E}">
@@ -9347,6 +10541,622 @@
   <p:clrMapOvr>
     <a:masterClrMapping/>
   </p:clrMapOvr>
+  <p:timing>
+    <p:tnLst>
+      <p:par>
+        <p:cTn id="1" dur="indefinite" restart="never" nodeType="tmRoot">
+          <p:childTnLst>
+            <p:seq concurrent="1" nextAc="seek">
+              <p:cTn id="2" dur="indefinite" nodeType="mainSeq">
+                <p:childTnLst>
+                  <p:par>
+                    <p:cTn id="3" fill="hold">
+                      <p:stCondLst>
+                        <p:cond delay="indefinite"/>
+                      </p:stCondLst>
+                      <p:childTnLst>
+                        <p:par>
+                          <p:cTn id="4" fill="hold">
+                            <p:stCondLst>
+                              <p:cond delay="0"/>
+                            </p:stCondLst>
+                            <p:childTnLst>
+                              <p:par>
+                                <p:cTn id="5" presetID="1" presetClass="entr" presetSubtype="0" fill="hold" grpId="0" nodeType="clickEffect">
+                                  <p:stCondLst>
+                                    <p:cond delay="0"/>
+                                  </p:stCondLst>
+                                  <p:childTnLst>
+                                    <p:set>
+                                      <p:cBhvr>
+                                        <p:cTn id="6" dur="1" fill="hold">
+                                          <p:stCondLst>
+                                            <p:cond delay="0"/>
+                                          </p:stCondLst>
+                                        </p:cTn>
+                                        <p:tgtEl>
+                                          <p:spTgt spid="9"/>
+                                        </p:tgtEl>
+                                        <p:attrNameLst>
+                                          <p:attrName>style.visibility</p:attrName>
+                                        </p:attrNameLst>
+                                      </p:cBhvr>
+                                      <p:to>
+                                        <p:strVal val="visible"/>
+                                      </p:to>
+                                    </p:set>
+                                  </p:childTnLst>
+                                </p:cTn>
+                              </p:par>
+                              <p:par>
+                                <p:cTn id="7" presetID="1" presetClass="entr" presetSubtype="0" fill="hold" nodeType="withEffect">
+                                  <p:stCondLst>
+                                    <p:cond delay="0"/>
+                                  </p:stCondLst>
+                                  <p:childTnLst>
+                                    <p:set>
+                                      <p:cBhvr>
+                                        <p:cTn id="8" dur="1" fill="hold">
+                                          <p:stCondLst>
+                                            <p:cond delay="0"/>
+                                          </p:stCondLst>
+                                        </p:cTn>
+                                        <p:tgtEl>
+                                          <p:spTgt spid="19"/>
+                                        </p:tgtEl>
+                                        <p:attrNameLst>
+                                          <p:attrName>style.visibility</p:attrName>
+                                        </p:attrNameLst>
+                                      </p:cBhvr>
+                                      <p:to>
+                                        <p:strVal val="visible"/>
+                                      </p:to>
+                                    </p:set>
+                                  </p:childTnLst>
+                                </p:cTn>
+                              </p:par>
+                            </p:childTnLst>
+                          </p:cTn>
+                        </p:par>
+                      </p:childTnLst>
+                    </p:cTn>
+                  </p:par>
+                  <p:par>
+                    <p:cTn id="9" fill="hold">
+                      <p:stCondLst>
+                        <p:cond delay="indefinite"/>
+                      </p:stCondLst>
+                      <p:childTnLst>
+                        <p:par>
+                          <p:cTn id="10" fill="hold">
+                            <p:stCondLst>
+                              <p:cond delay="0"/>
+                            </p:stCondLst>
+                            <p:childTnLst>
+                              <p:par>
+                                <p:cTn id="11" presetID="1" presetClass="entr" presetSubtype="0" fill="hold" nodeType="clickEffect">
+                                  <p:stCondLst>
+                                    <p:cond delay="0"/>
+                                  </p:stCondLst>
+                                  <p:childTnLst>
+                                    <p:set>
+                                      <p:cBhvr>
+                                        <p:cTn id="12" dur="1" fill="hold">
+                                          <p:stCondLst>
+                                            <p:cond delay="0"/>
+                                          </p:stCondLst>
+                                        </p:cTn>
+                                        <p:tgtEl>
+                                          <p:spTgt spid="23"/>
+                                        </p:tgtEl>
+                                        <p:attrNameLst>
+                                          <p:attrName>style.visibility</p:attrName>
+                                        </p:attrNameLst>
+                                      </p:cBhvr>
+                                      <p:to>
+                                        <p:strVal val="visible"/>
+                                      </p:to>
+                                    </p:set>
+                                  </p:childTnLst>
+                                </p:cTn>
+                              </p:par>
+                              <p:par>
+                                <p:cTn id="13" presetID="1" presetClass="entr" presetSubtype="0" fill="hold" grpId="0" nodeType="withEffect">
+                                  <p:stCondLst>
+                                    <p:cond delay="0"/>
+                                  </p:stCondLst>
+                                  <p:childTnLst>
+                                    <p:set>
+                                      <p:cBhvr>
+                                        <p:cTn id="14" dur="1" fill="hold">
+                                          <p:stCondLst>
+                                            <p:cond delay="0"/>
+                                          </p:stCondLst>
+                                        </p:cTn>
+                                        <p:tgtEl>
+                                          <p:spTgt spid="22"/>
+                                        </p:tgtEl>
+                                        <p:attrNameLst>
+                                          <p:attrName>style.visibility</p:attrName>
+                                        </p:attrNameLst>
+                                      </p:cBhvr>
+                                      <p:to>
+                                        <p:strVal val="visible"/>
+                                      </p:to>
+                                    </p:set>
+                                  </p:childTnLst>
+                                </p:cTn>
+                              </p:par>
+                            </p:childTnLst>
+                          </p:cTn>
+                        </p:par>
+                      </p:childTnLst>
+                    </p:cTn>
+                  </p:par>
+                  <p:par>
+                    <p:cTn id="15" fill="hold">
+                      <p:stCondLst>
+                        <p:cond delay="indefinite"/>
+                      </p:stCondLst>
+                      <p:childTnLst>
+                        <p:par>
+                          <p:cTn id="16" fill="hold">
+                            <p:stCondLst>
+                              <p:cond delay="0"/>
+                            </p:stCondLst>
+                            <p:childTnLst>
+                              <p:par>
+                                <p:cTn id="17" presetID="1" presetClass="entr" presetSubtype="0" fill="hold" nodeType="clickEffect">
+                                  <p:stCondLst>
+                                    <p:cond delay="0"/>
+                                  </p:stCondLst>
+                                  <p:childTnLst>
+                                    <p:set>
+                                      <p:cBhvr>
+                                        <p:cTn id="18" dur="1" fill="hold">
+                                          <p:stCondLst>
+                                            <p:cond delay="0"/>
+                                          </p:stCondLst>
+                                        </p:cTn>
+                                        <p:tgtEl>
+                                          <p:spTgt spid="18"/>
+                                        </p:tgtEl>
+                                        <p:attrNameLst>
+                                          <p:attrName>style.visibility</p:attrName>
+                                        </p:attrNameLst>
+                                      </p:cBhvr>
+                                      <p:to>
+                                        <p:strVal val="visible"/>
+                                      </p:to>
+                                    </p:set>
+                                  </p:childTnLst>
+                                </p:cTn>
+                              </p:par>
+                              <p:par>
+                                <p:cTn id="19" presetID="1" presetClass="entr" presetSubtype="0" fill="hold" grpId="0" nodeType="withEffect">
+                                  <p:stCondLst>
+                                    <p:cond delay="0"/>
+                                  </p:stCondLst>
+                                  <p:childTnLst>
+                                    <p:set>
+                                      <p:cBhvr>
+                                        <p:cTn id="20" dur="1" fill="hold">
+                                          <p:stCondLst>
+                                            <p:cond delay="0"/>
+                                          </p:stCondLst>
+                                        </p:cTn>
+                                        <p:tgtEl>
+                                          <p:spTgt spid="10"/>
+                                        </p:tgtEl>
+                                        <p:attrNameLst>
+                                          <p:attrName>style.visibility</p:attrName>
+                                        </p:attrNameLst>
+                                      </p:cBhvr>
+                                      <p:to>
+                                        <p:strVal val="visible"/>
+                                      </p:to>
+                                    </p:set>
+                                  </p:childTnLst>
+                                </p:cTn>
+                              </p:par>
+                            </p:childTnLst>
+                          </p:cTn>
+                        </p:par>
+                      </p:childTnLst>
+                    </p:cTn>
+                  </p:par>
+                  <p:par>
+                    <p:cTn id="21" fill="hold">
+                      <p:stCondLst>
+                        <p:cond delay="indefinite"/>
+                      </p:stCondLst>
+                      <p:childTnLst>
+                        <p:par>
+                          <p:cTn id="22" fill="hold">
+                            <p:stCondLst>
+                              <p:cond delay="0"/>
+                            </p:stCondLst>
+                            <p:childTnLst>
+                              <p:par>
+                                <p:cTn id="23" presetID="1" presetClass="entr" presetSubtype="0" fill="hold" nodeType="clickEffect">
+                                  <p:stCondLst>
+                                    <p:cond delay="0"/>
+                                  </p:stCondLst>
+                                  <p:childTnLst>
+                                    <p:set>
+                                      <p:cBhvr>
+                                        <p:cTn id="24" dur="1" fill="hold">
+                                          <p:stCondLst>
+                                            <p:cond delay="0"/>
+                                          </p:stCondLst>
+                                        </p:cTn>
+                                        <p:tgtEl>
+                                          <p:spTgt spid="30"/>
+                                        </p:tgtEl>
+                                        <p:attrNameLst>
+                                          <p:attrName>style.visibility</p:attrName>
+                                        </p:attrNameLst>
+                                      </p:cBhvr>
+                                      <p:to>
+                                        <p:strVal val="visible"/>
+                                      </p:to>
+                                    </p:set>
+                                  </p:childTnLst>
+                                </p:cTn>
+                              </p:par>
+                              <p:par>
+                                <p:cTn id="25" presetID="1" presetClass="entr" presetSubtype="0" fill="hold" grpId="0" nodeType="withEffect">
+                                  <p:stCondLst>
+                                    <p:cond delay="0"/>
+                                  </p:stCondLst>
+                                  <p:childTnLst>
+                                    <p:set>
+                                      <p:cBhvr>
+                                        <p:cTn id="26" dur="1" fill="hold">
+                                          <p:stCondLst>
+                                            <p:cond delay="0"/>
+                                          </p:stCondLst>
+                                        </p:cTn>
+                                        <p:tgtEl>
+                                          <p:spTgt spid="29"/>
+                                        </p:tgtEl>
+                                        <p:attrNameLst>
+                                          <p:attrName>style.visibility</p:attrName>
+                                        </p:attrNameLst>
+                                      </p:cBhvr>
+                                      <p:to>
+                                        <p:strVal val="visible"/>
+                                      </p:to>
+                                    </p:set>
+                                  </p:childTnLst>
+                                </p:cTn>
+                              </p:par>
+                            </p:childTnLst>
+                          </p:cTn>
+                        </p:par>
+                      </p:childTnLst>
+                    </p:cTn>
+                  </p:par>
+                  <p:par>
+                    <p:cTn id="27" fill="hold">
+                      <p:stCondLst>
+                        <p:cond delay="indefinite"/>
+                      </p:stCondLst>
+                      <p:childTnLst>
+                        <p:par>
+                          <p:cTn id="28" fill="hold">
+                            <p:stCondLst>
+                              <p:cond delay="0"/>
+                            </p:stCondLst>
+                            <p:childTnLst>
+                              <p:par>
+                                <p:cTn id="29" presetID="1" presetClass="entr" presetSubtype="0" fill="hold" grpId="0" nodeType="clickEffect">
+                                  <p:stCondLst>
+                                    <p:cond delay="0"/>
+                                  </p:stCondLst>
+                                  <p:childTnLst>
+                                    <p:set>
+                                      <p:cBhvr>
+                                        <p:cTn id="30" dur="1" fill="hold">
+                                          <p:stCondLst>
+                                            <p:cond delay="0"/>
+                                          </p:stCondLst>
+                                        </p:cTn>
+                                        <p:tgtEl>
+                                          <p:spTgt spid="14"/>
+                                        </p:tgtEl>
+                                        <p:attrNameLst>
+                                          <p:attrName>style.visibility</p:attrName>
+                                        </p:attrNameLst>
+                                      </p:cBhvr>
+                                      <p:to>
+                                        <p:strVal val="visible"/>
+                                      </p:to>
+                                    </p:set>
+                                  </p:childTnLst>
+                                </p:cTn>
+                              </p:par>
+                              <p:par>
+                                <p:cTn id="31" presetID="1" presetClass="entr" presetSubtype="0" fill="hold" nodeType="withEffect">
+                                  <p:stCondLst>
+                                    <p:cond delay="0"/>
+                                  </p:stCondLst>
+                                  <p:childTnLst>
+                                    <p:set>
+                                      <p:cBhvr>
+                                        <p:cTn id="32" dur="1" fill="hold">
+                                          <p:stCondLst>
+                                            <p:cond delay="0"/>
+                                          </p:stCondLst>
+                                        </p:cTn>
+                                        <p:tgtEl>
+                                          <p:spTgt spid="63"/>
+                                        </p:tgtEl>
+                                        <p:attrNameLst>
+                                          <p:attrName>style.visibility</p:attrName>
+                                        </p:attrNameLst>
+                                      </p:cBhvr>
+                                      <p:to>
+                                        <p:strVal val="visible"/>
+                                      </p:to>
+                                    </p:set>
+                                  </p:childTnLst>
+                                </p:cTn>
+                              </p:par>
+                            </p:childTnLst>
+                          </p:cTn>
+                        </p:par>
+                      </p:childTnLst>
+                    </p:cTn>
+                  </p:par>
+                  <p:par>
+                    <p:cTn id="33" fill="hold">
+                      <p:stCondLst>
+                        <p:cond delay="indefinite"/>
+                      </p:stCondLst>
+                      <p:childTnLst>
+                        <p:par>
+                          <p:cTn id="34" fill="hold">
+                            <p:stCondLst>
+                              <p:cond delay="0"/>
+                            </p:stCondLst>
+                            <p:childTnLst>
+                              <p:par>
+                                <p:cTn id="35" presetID="1" presetClass="entr" presetSubtype="0" fill="hold" grpId="0" nodeType="clickEffect">
+                                  <p:stCondLst>
+                                    <p:cond delay="0"/>
+                                  </p:stCondLst>
+                                  <p:childTnLst>
+                                    <p:set>
+                                      <p:cBhvr>
+                                        <p:cTn id="36" dur="1" fill="hold">
+                                          <p:stCondLst>
+                                            <p:cond delay="0"/>
+                                          </p:stCondLst>
+                                        </p:cTn>
+                                        <p:tgtEl>
+                                          <p:spTgt spid="12"/>
+                                        </p:tgtEl>
+                                        <p:attrNameLst>
+                                          <p:attrName>style.visibility</p:attrName>
+                                        </p:attrNameLst>
+                                      </p:cBhvr>
+                                      <p:to>
+                                        <p:strVal val="visible"/>
+                                      </p:to>
+                                    </p:set>
+                                  </p:childTnLst>
+                                </p:cTn>
+                              </p:par>
+                              <p:par>
+                                <p:cTn id="37" presetID="1" presetClass="entr" presetSubtype="0" fill="hold" nodeType="withEffect">
+                                  <p:stCondLst>
+                                    <p:cond delay="0"/>
+                                  </p:stCondLst>
+                                  <p:childTnLst>
+                                    <p:set>
+                                      <p:cBhvr>
+                                        <p:cTn id="38" dur="1" fill="hold">
+                                          <p:stCondLst>
+                                            <p:cond delay="0"/>
+                                          </p:stCondLst>
+                                        </p:cTn>
+                                        <p:tgtEl>
+                                          <p:spTgt spid="64"/>
+                                        </p:tgtEl>
+                                        <p:attrNameLst>
+                                          <p:attrName>style.visibility</p:attrName>
+                                        </p:attrNameLst>
+                                      </p:cBhvr>
+                                      <p:to>
+                                        <p:strVal val="visible"/>
+                                      </p:to>
+                                    </p:set>
+                                  </p:childTnLst>
+                                </p:cTn>
+                              </p:par>
+                            </p:childTnLst>
+                          </p:cTn>
+                        </p:par>
+                      </p:childTnLst>
+                    </p:cTn>
+                  </p:par>
+                  <p:par>
+                    <p:cTn id="39" fill="hold">
+                      <p:stCondLst>
+                        <p:cond delay="indefinite"/>
+                      </p:stCondLst>
+                      <p:childTnLst>
+                        <p:par>
+                          <p:cTn id="40" fill="hold">
+                            <p:stCondLst>
+                              <p:cond delay="0"/>
+                            </p:stCondLst>
+                            <p:childTnLst>
+                              <p:par>
+                                <p:cTn id="41" presetID="1" presetClass="entr" presetSubtype="0" fill="hold" grpId="0" nodeType="clickEffect">
+                                  <p:stCondLst>
+                                    <p:cond delay="0"/>
+                                  </p:stCondLst>
+                                  <p:childTnLst>
+                                    <p:set>
+                                      <p:cBhvr>
+                                        <p:cTn id="42" dur="1" fill="hold">
+                                          <p:stCondLst>
+                                            <p:cond delay="0"/>
+                                          </p:stCondLst>
+                                        </p:cTn>
+                                        <p:tgtEl>
+                                          <p:spTgt spid="13"/>
+                                        </p:tgtEl>
+                                        <p:attrNameLst>
+                                          <p:attrName>style.visibility</p:attrName>
+                                        </p:attrNameLst>
+                                      </p:cBhvr>
+                                      <p:to>
+                                        <p:strVal val="visible"/>
+                                      </p:to>
+                                    </p:set>
+                                  </p:childTnLst>
+                                </p:cTn>
+                              </p:par>
+                              <p:par>
+                                <p:cTn id="43" presetID="1" presetClass="entr" presetSubtype="0" fill="hold" nodeType="withEffect">
+                                  <p:stCondLst>
+                                    <p:cond delay="0"/>
+                                  </p:stCondLst>
+                                  <p:childTnLst>
+                                    <p:set>
+                                      <p:cBhvr>
+                                        <p:cTn id="44" dur="1" fill="hold">
+                                          <p:stCondLst>
+                                            <p:cond delay="0"/>
+                                          </p:stCondLst>
+                                        </p:cTn>
+                                        <p:tgtEl>
+                                          <p:spTgt spid="42"/>
+                                        </p:tgtEl>
+                                        <p:attrNameLst>
+                                          <p:attrName>style.visibility</p:attrName>
+                                        </p:attrNameLst>
+                                      </p:cBhvr>
+                                      <p:to>
+                                        <p:strVal val="visible"/>
+                                      </p:to>
+                                    </p:set>
+                                  </p:childTnLst>
+                                </p:cTn>
+                              </p:par>
+                            </p:childTnLst>
+                          </p:cTn>
+                        </p:par>
+                      </p:childTnLst>
+                    </p:cTn>
+                  </p:par>
+                  <p:par>
+                    <p:cTn id="45" fill="hold">
+                      <p:stCondLst>
+                        <p:cond delay="indefinite"/>
+                      </p:stCondLst>
+                      <p:childTnLst>
+                        <p:par>
+                          <p:cTn id="46" fill="hold">
+                            <p:stCondLst>
+                              <p:cond delay="0"/>
+                            </p:stCondLst>
+                            <p:childTnLst>
+                              <p:par>
+                                <p:cTn id="47" presetID="1" presetClass="entr" presetSubtype="0" fill="hold" nodeType="clickEffect">
+                                  <p:stCondLst>
+                                    <p:cond delay="0"/>
+                                  </p:stCondLst>
+                                  <p:childTnLst>
+                                    <p:set>
+                                      <p:cBhvr>
+                                        <p:cTn id="48" dur="1" fill="hold">
+                                          <p:stCondLst>
+                                            <p:cond delay="0"/>
+                                          </p:stCondLst>
+                                        </p:cTn>
+                                        <p:tgtEl>
+                                          <p:spTgt spid="26"/>
+                                        </p:tgtEl>
+                                        <p:attrNameLst>
+                                          <p:attrName>style.visibility</p:attrName>
+                                        </p:attrNameLst>
+                                      </p:cBhvr>
+                                      <p:to>
+                                        <p:strVal val="visible"/>
+                                      </p:to>
+                                    </p:set>
+                                  </p:childTnLst>
+                                </p:cTn>
+                              </p:par>
+                              <p:par>
+                                <p:cTn id="49" presetID="1" presetClass="entr" presetSubtype="0" fill="hold" grpId="0" nodeType="withEffect">
+                                  <p:stCondLst>
+                                    <p:cond delay="0"/>
+                                  </p:stCondLst>
+                                  <p:childTnLst>
+                                    <p:set>
+                                      <p:cBhvr>
+                                        <p:cTn id="50" dur="1" fill="hold">
+                                          <p:stCondLst>
+                                            <p:cond delay="0"/>
+                                          </p:stCondLst>
+                                        </p:cTn>
+                                        <p:tgtEl>
+                                          <p:spTgt spid="11"/>
+                                        </p:tgtEl>
+                                        <p:attrNameLst>
+                                          <p:attrName>style.visibility</p:attrName>
+                                        </p:attrNameLst>
+                                      </p:cBhvr>
+                                      <p:to>
+                                        <p:strVal val="visible"/>
+                                      </p:to>
+                                    </p:set>
+                                  </p:childTnLst>
+                                </p:cTn>
+                              </p:par>
+                            </p:childTnLst>
+                          </p:cTn>
+                        </p:par>
+                      </p:childTnLst>
+                    </p:cTn>
+                  </p:par>
+                </p:childTnLst>
+              </p:cTn>
+              <p:prevCondLst>
+                <p:cond evt="onPrev" delay="0">
+                  <p:tgtEl>
+                    <p:sldTgt/>
+                  </p:tgtEl>
+                </p:cond>
+              </p:prevCondLst>
+              <p:nextCondLst>
+                <p:cond evt="onNext" delay="0">
+                  <p:tgtEl>
+                    <p:sldTgt/>
+                  </p:tgtEl>
+                </p:cond>
+              </p:nextCondLst>
+            </p:seq>
+          </p:childTnLst>
+        </p:cTn>
+      </p:par>
+    </p:tnLst>
+    <p:bldLst>
+      <p:bldP spid="9" grpId="0" animBg="1"/>
+      <p:bldP spid="10" grpId="0" animBg="1"/>
+      <p:bldP spid="11" grpId="0" animBg="1"/>
+      <p:bldP spid="12" grpId="0" animBg="1"/>
+      <p:bldP spid="13" grpId="0" animBg="1"/>
+      <p:bldP spid="14" grpId="0" animBg="1"/>
+      <p:bldP spid="22" grpId="0" animBg="1"/>
+      <p:bldP spid="29" grpId="0" animBg="1"/>
+    </p:bldLst>
+  </p:timing>
 </p:sld>
 </file>
 

--- a/70 Praesentation/40 StarGreg Fredrik.pptx
+++ b/70 Praesentation/40 StarGreg Fredrik.pptx
@@ -5,10 +5,10 @@
     <p:sldMasterId id="2147483660" r:id="rId1"/>
   </p:sldMasterIdLst>
   <p:notesMasterIdLst>
-    <p:notesMasterId r:id="rId11"/>
+    <p:notesMasterId r:id="rId16"/>
   </p:notesMasterIdLst>
   <p:handoutMasterIdLst>
-    <p:handoutMasterId r:id="rId12"/>
+    <p:handoutMasterId r:id="rId17"/>
   </p:handoutMasterIdLst>
   <p:sldIdLst>
     <p:sldId id="256" r:id="rId2"/>
@@ -19,7 +19,12 @@
     <p:sldId id="263" r:id="rId7"/>
     <p:sldId id="260" r:id="rId8"/>
     <p:sldId id="264" r:id="rId9"/>
-    <p:sldId id="261" r:id="rId10"/>
+    <p:sldId id="265" r:id="rId10"/>
+    <p:sldId id="266" r:id="rId11"/>
+    <p:sldId id="267" r:id="rId12"/>
+    <p:sldId id="268" r:id="rId13"/>
+    <p:sldId id="269" r:id="rId14"/>
+    <p:sldId id="261" r:id="rId15"/>
   </p:sldIdLst>
   <p:sldSz cx="9144000" cy="6858000" type="screen4x3"/>
   <p:notesSz cx="6858000" cy="9144000"/>
@@ -2845,7 +2850,7 @@
           <a:p>
             <a:fld id="{27667466-E0D7-FD4B-BBEF-602BF6B185FF}" type="datetimeFigureOut">
               <a:rPr lang="de-DE" smtClean="0"/>
-              <a:t>03.11.2011</a:t>
+              <a:t>06.11.2011</a:t>
             </a:fld>
             <a:endParaRPr lang="de-DE"/>
           </a:p>
@@ -3011,7 +3016,7 @@
           <a:p>
             <a:fld id="{358CF69D-E791-E447-927B-A50D3ED4596D}" type="datetimeFigureOut">
               <a:rPr lang="de-DE" smtClean="0"/>
-              <a:t>03.11.2011</a:t>
+              <a:t>06.11.2011</a:t>
             </a:fld>
             <a:endParaRPr lang="de-DE"/>
           </a:p>
@@ -3410,30 +3415,17 @@
           <a:p>
             <a:r>
               <a:rPr lang="de-DE" dirty="0" smtClean="0"/>
-              <a:t>Fachkonzept</a:t>
-            </a:r>
-            <a:r>
-              <a:rPr lang="en-US" baseline="0" dirty="0" smtClean="0"/>
-              <a:t> </a:t>
-            </a:r>
-            <a:r>
-              <a:rPr lang="en-US" baseline="0" dirty="0" err="1" smtClean="0"/>
-              <a:t>anhand</a:t>
-            </a:r>
-            <a:r>
-              <a:rPr lang="en-US" baseline="0" dirty="0" smtClean="0"/>
-              <a:t> von </a:t>
-            </a:r>
-            <a:r>
-              <a:rPr lang="en-US" baseline="0" dirty="0" err="1" smtClean="0"/>
-              <a:t>Klassendiagramm</a:t>
-            </a:r>
-            <a:endParaRPr lang="en-US" baseline="0" dirty="0" smtClean="0"/>
-          </a:p>
-          <a:p>
+              <a:t>Modellierung:</a:t>
+            </a:r>
             <a:r>
               <a:rPr lang="de-DE" baseline="0" dirty="0" smtClean="0"/>
-              <a:t>Spielablauf als Test-Case</a:t>
+              <a:t> Klassendiagramm der Entwurfsphase</a:t>
+            </a:r>
+          </a:p>
+          <a:p>
+            <a:r>
+              <a:rPr lang="de-DE" baseline="0" dirty="0" smtClean="0"/>
+              <a:t>Implementierung: ein paar erwähnenswerte Sachen</a:t>
             </a:r>
             <a:endParaRPr lang="de-DE" dirty="0" smtClean="0"/>
           </a:p>
@@ -3466,6 +3458,706 @@
     <p:extLst>
       <p:ext uri="{BB962C8B-B14F-4D97-AF65-F5344CB8AC3E}">
         <p14:creationId xmlns:p14="http://schemas.microsoft.com/office/powerpoint/2010/main" val="2318757660"/>
+      </p:ext>
+    </p:extLst>
+  </p:cSld>
+  <p:clrMapOvr>
+    <a:masterClrMapping/>
+  </p:clrMapOvr>
+</p:notes>
+</file>
+
+<file path=ppt/notesSlides/notesSlide3.xml><?xml version="1.0" encoding="utf-8"?>
+<p:notes xmlns:a="http://schemas.openxmlformats.org/drawingml/2006/main" xmlns:r="http://schemas.openxmlformats.org/officeDocument/2006/relationships" xmlns:p="http://schemas.openxmlformats.org/presentationml/2006/main">
+  <p:cSld>
+    <p:spTree>
+      <p:nvGrpSpPr>
+        <p:cNvPr id="1" name=""/>
+        <p:cNvGrpSpPr/>
+        <p:nvPr/>
+      </p:nvGrpSpPr>
+      <p:grpSpPr>
+        <a:xfrm>
+          <a:off x="0" y="0"/>
+          <a:ext cx="0" cy="0"/>
+          <a:chOff x="0" y="0"/>
+          <a:chExt cx="0" cy="0"/>
+        </a:xfrm>
+      </p:grpSpPr>
+      <p:sp>
+        <p:nvSpPr>
+          <p:cNvPr id="2" name="Folienbildplatzhalter 1"/>
+          <p:cNvSpPr>
+            <a:spLocks noGrp="1" noRot="1" noChangeAspect="1"/>
+          </p:cNvSpPr>
+          <p:nvPr>
+            <p:ph type="sldImg"/>
+          </p:nvPr>
+        </p:nvSpPr>
+        <p:spPr/>
+      </p:sp>
+      <p:sp>
+        <p:nvSpPr>
+          <p:cNvPr id="3" name="Notizenplatzhalter 2"/>
+          <p:cNvSpPr>
+            <a:spLocks noGrp="1"/>
+          </p:cNvSpPr>
+          <p:nvPr>
+            <p:ph type="body" idx="1"/>
+          </p:nvPr>
+        </p:nvSpPr>
+        <p:spPr/>
+        <p:txBody>
+          <a:bodyPr/>
+          <a:lstStyle/>
+          <a:p>
+            <a:pPr marL="171450" indent="-171450">
+              <a:buFont typeface="Arial" pitchFamily="34" charset="0"/>
+              <a:buChar char="•"/>
+            </a:pPr>
+            <a:r>
+              <a:rPr lang="de-DE" dirty="0" smtClean="0"/>
+              <a:t>Spiel:</a:t>
+            </a:r>
+            <a:r>
+              <a:rPr lang="de-DE" baseline="0" dirty="0" smtClean="0"/>
+              <a:t> zentrale Klasse</a:t>
+            </a:r>
+          </a:p>
+          <a:p>
+            <a:pPr marL="171450" lvl="0" indent="-171450">
+              <a:buFont typeface="Arial" pitchFamily="34" charset="0"/>
+              <a:buChar char="•"/>
+            </a:pPr>
+            <a:r>
+              <a:rPr lang="de-DE" dirty="0" smtClean="0"/>
+              <a:t>hat</a:t>
+            </a:r>
+            <a:r>
+              <a:rPr lang="de-DE" baseline="0" dirty="0" smtClean="0"/>
+              <a:t> Märkte</a:t>
+            </a:r>
+          </a:p>
+          <a:p>
+            <a:pPr marL="628650" lvl="1" indent="-171450">
+              <a:buFont typeface="Arial" pitchFamily="34" charset="0"/>
+              <a:buChar char="•"/>
+            </a:pPr>
+            <a:r>
+              <a:rPr lang="de-DE" baseline="0" dirty="0" smtClean="0"/>
+              <a:t>hier ist Hauptteil der Spiellogik abgebildet</a:t>
+            </a:r>
+          </a:p>
+          <a:p>
+            <a:pPr marL="628650" lvl="1" indent="-171450">
+              <a:buFont typeface="Arial" pitchFamily="34" charset="0"/>
+              <a:buChar char="•"/>
+            </a:pPr>
+            <a:r>
+              <a:rPr lang="de-DE" baseline="0" dirty="0" smtClean="0"/>
+              <a:t>Märkte verwalten Typen</a:t>
+            </a:r>
+            <a:endParaRPr lang="de-DE" baseline="0" dirty="0" smtClean="0"/>
+          </a:p>
+          <a:p>
+            <a:pPr marL="171450" indent="-171450">
+              <a:buFont typeface="Arial" pitchFamily="34" charset="0"/>
+              <a:buChar char="•"/>
+            </a:pPr>
+            <a:r>
+              <a:rPr lang="de-DE" baseline="0" dirty="0" smtClean="0"/>
+              <a:t>kennt Unternehmen</a:t>
+            </a:r>
+          </a:p>
+          <a:p>
+            <a:pPr marL="628650" lvl="1" indent="-171450">
+              <a:buFont typeface="Arial" pitchFamily="34" charset="0"/>
+              <a:buChar char="•"/>
+            </a:pPr>
+            <a:r>
+              <a:rPr lang="de-DE" baseline="0" dirty="0" smtClean="0"/>
+              <a:t>dient Spielern zum Zugriff auf Funktionen</a:t>
+            </a:r>
+          </a:p>
+          <a:p>
+            <a:pPr marL="628650" lvl="1" indent="-171450">
+              <a:buFont typeface="Arial" pitchFamily="34" charset="0"/>
+              <a:buChar char="•"/>
+            </a:pPr>
+            <a:r>
+              <a:rPr lang="de-DE" baseline="0" dirty="0" smtClean="0"/>
+              <a:t>Hat Abteilungen (Einkauf, Produktion, Verkauf, Finanzen, Personal) -&gt; Industrieunternehmen</a:t>
+            </a:r>
+          </a:p>
+          <a:p>
+            <a:pPr marL="171450" lvl="0" indent="-171450">
+              <a:buFont typeface="Arial" pitchFamily="34" charset="0"/>
+              <a:buChar char="•"/>
+            </a:pPr>
+            <a:r>
+              <a:rPr lang="de-DE" baseline="0" dirty="0" smtClean="0"/>
+              <a:t>kennt Spielrunden</a:t>
+            </a:r>
+          </a:p>
+          <a:p>
+            <a:pPr marL="628650" lvl="1" indent="-171450">
+              <a:buFont typeface="Arial" pitchFamily="34" charset="0"/>
+              <a:buChar char="•"/>
+            </a:pPr>
+            <a:r>
+              <a:rPr lang="de-DE" baseline="0" dirty="0" smtClean="0"/>
+              <a:t>Datenspeicher: Spielstory</a:t>
+            </a:r>
+          </a:p>
+          <a:p>
+            <a:pPr marL="171450" lvl="0" indent="-171450">
+              <a:buFont typeface="Arial" pitchFamily="34" charset="0"/>
+              <a:buChar char="•"/>
+            </a:pPr>
+            <a:r>
+              <a:rPr lang="de-DE" baseline="0" dirty="0" smtClean="0"/>
+              <a:t>Transaktionen</a:t>
+            </a:r>
+          </a:p>
+          <a:p>
+            <a:pPr marL="628650" lvl="1" indent="-171450">
+              <a:buFont typeface="Arial" pitchFamily="34" charset="0"/>
+              <a:buChar char="•"/>
+            </a:pPr>
+            <a:r>
+              <a:rPr lang="de-DE" baseline="0" dirty="0" smtClean="0"/>
+              <a:t>zur Datenspeicherung</a:t>
+            </a:r>
+          </a:p>
+          <a:p>
+            <a:pPr marL="628650" lvl="1" indent="-171450">
+              <a:buFont typeface="Arial" pitchFamily="34" charset="0"/>
+              <a:buChar char="•"/>
+            </a:pPr>
+            <a:r>
+              <a:rPr lang="de-DE" baseline="0" dirty="0" smtClean="0"/>
+              <a:t>Rundenende: Transaktionen -&gt; </a:t>
+            </a:r>
+            <a:r>
+              <a:rPr lang="de-DE" baseline="0" dirty="0" err="1" smtClean="0"/>
+              <a:t>SpielRunde</a:t>
+            </a:r>
+            <a:r>
+              <a:rPr lang="de-DE" baseline="0" dirty="0" smtClean="0"/>
+              <a:t> (Auswertung)</a:t>
+            </a:r>
+          </a:p>
+        </p:txBody>
+      </p:sp>
+      <p:sp>
+        <p:nvSpPr>
+          <p:cNvPr id="4" name="Foliennummernplatzhalter 3"/>
+          <p:cNvSpPr>
+            <a:spLocks noGrp="1"/>
+          </p:cNvSpPr>
+          <p:nvPr>
+            <p:ph type="sldNum" sz="quarter" idx="10"/>
+          </p:nvPr>
+        </p:nvSpPr>
+        <p:spPr/>
+        <p:txBody>
+          <a:bodyPr/>
+          <a:lstStyle/>
+          <a:p>
+            <a:fld id="{31B766F0-CE08-5549-8B9A-6DE57C03B1D9}" type="slidenum">
+              <a:rPr lang="de-DE" smtClean="0"/>
+              <a:t>8</a:t>
+            </a:fld>
+            <a:endParaRPr lang="de-DE"/>
+          </a:p>
+        </p:txBody>
+      </p:sp>
+    </p:spTree>
+    <p:extLst>
+      <p:ext uri="{BB962C8B-B14F-4D97-AF65-F5344CB8AC3E}">
+        <p14:creationId xmlns:p14="http://schemas.microsoft.com/office/powerpoint/2010/main" val="2857346070"/>
+      </p:ext>
+    </p:extLst>
+  </p:cSld>
+  <p:clrMapOvr>
+    <a:masterClrMapping/>
+  </p:clrMapOvr>
+</p:notes>
+</file>
+
+<file path=ppt/notesSlides/notesSlide4.xml><?xml version="1.0" encoding="utf-8"?>
+<p:notes xmlns:a="http://schemas.openxmlformats.org/drawingml/2006/main" xmlns:r="http://schemas.openxmlformats.org/officeDocument/2006/relationships" xmlns:p="http://schemas.openxmlformats.org/presentationml/2006/main">
+  <p:cSld>
+    <p:spTree>
+      <p:nvGrpSpPr>
+        <p:cNvPr id="1" name=""/>
+        <p:cNvGrpSpPr/>
+        <p:nvPr/>
+      </p:nvGrpSpPr>
+      <p:grpSpPr>
+        <a:xfrm>
+          <a:off x="0" y="0"/>
+          <a:ext cx="0" cy="0"/>
+          <a:chOff x="0" y="0"/>
+          <a:chExt cx="0" cy="0"/>
+        </a:xfrm>
+      </p:grpSpPr>
+      <p:sp>
+        <p:nvSpPr>
+          <p:cNvPr id="2" name="Folienbildplatzhalter 1"/>
+          <p:cNvSpPr>
+            <a:spLocks noGrp="1" noRot="1" noChangeAspect="1"/>
+          </p:cNvSpPr>
+          <p:nvPr>
+            <p:ph type="sldImg"/>
+          </p:nvPr>
+        </p:nvSpPr>
+        <p:spPr/>
+      </p:sp>
+      <p:sp>
+        <p:nvSpPr>
+          <p:cNvPr id="3" name="Notizenplatzhalter 2"/>
+          <p:cNvSpPr>
+            <a:spLocks noGrp="1"/>
+          </p:cNvSpPr>
+          <p:nvPr>
+            <p:ph type="body" idx="1"/>
+          </p:nvPr>
+        </p:nvSpPr>
+        <p:spPr/>
+        <p:txBody>
+          <a:bodyPr/>
+          <a:lstStyle/>
+          <a:p>
+            <a:pPr marL="171450" indent="-171450">
+              <a:buFont typeface="Arial" pitchFamily="34" charset="0"/>
+              <a:buChar char="•"/>
+            </a:pPr>
+            <a:r>
+              <a:rPr lang="de-DE" dirty="0" smtClean="0"/>
+              <a:t>generische</a:t>
+            </a:r>
+            <a:r>
+              <a:rPr lang="de-DE" baseline="0" dirty="0" smtClean="0"/>
+              <a:t> Klassen oft für Obertypen</a:t>
+            </a:r>
+          </a:p>
+          <a:p>
+            <a:pPr marL="628650" lvl="1" indent="-171450">
+              <a:buFont typeface="Arial" pitchFamily="34" charset="0"/>
+              <a:buChar char="•"/>
+            </a:pPr>
+            <a:r>
+              <a:rPr lang="de-DE" baseline="0" dirty="0" smtClean="0"/>
+              <a:t>alle Märkte verwalten Typen: so einmal implementieren -&gt; trotzdem nicht </a:t>
+            </a:r>
+            <a:r>
+              <a:rPr lang="de-DE" baseline="0" dirty="0" err="1" smtClean="0"/>
+              <a:t>casten</a:t>
+            </a:r>
+            <a:endParaRPr lang="de-DE" baseline="0" dirty="0" smtClean="0"/>
+          </a:p>
+          <a:p>
+            <a:pPr marL="628650" lvl="1" indent="-171450">
+              <a:buFont typeface="Arial" pitchFamily="34" charset="0"/>
+              <a:buChar char="•"/>
+            </a:pPr>
+            <a:r>
+              <a:rPr lang="de-DE" baseline="0" dirty="0" smtClean="0"/>
+              <a:t>ähnlich für Transaktion</a:t>
+            </a:r>
+          </a:p>
+          <a:p>
+            <a:pPr marL="171450" lvl="0" indent="-171450">
+              <a:buFont typeface="Arial" pitchFamily="34" charset="0"/>
+              <a:buChar char="•"/>
+            </a:pPr>
+            <a:r>
+              <a:rPr lang="de-DE" dirty="0" smtClean="0"/>
+              <a:t>Problem</a:t>
+            </a:r>
+            <a:r>
+              <a:rPr lang="de-DE" baseline="0" dirty="0" smtClean="0"/>
+              <a:t> Datenhaltung</a:t>
+            </a:r>
+          </a:p>
+          <a:p>
+            <a:pPr marL="628650" lvl="1" indent="-171450">
+              <a:buFont typeface="Arial" pitchFamily="34" charset="0"/>
+              <a:buChar char="•"/>
+            </a:pPr>
+            <a:r>
+              <a:rPr lang="de-DE" baseline="0" dirty="0" smtClean="0"/>
+              <a:t>hauptsächlich </a:t>
+            </a:r>
+            <a:r>
+              <a:rPr lang="de-DE" baseline="0" dirty="0" err="1" smtClean="0"/>
+              <a:t>Vector</a:t>
+            </a:r>
+            <a:r>
+              <a:rPr lang="de-DE" baseline="0" dirty="0" smtClean="0"/>
+              <a:t> und </a:t>
+            </a:r>
+            <a:r>
+              <a:rPr lang="de-DE" baseline="0" dirty="0" err="1" smtClean="0"/>
+              <a:t>HashMap</a:t>
+            </a:r>
+            <a:r>
+              <a:rPr lang="de-DE" baseline="0" dirty="0" smtClean="0"/>
+              <a:t> verwendet</a:t>
+            </a:r>
+          </a:p>
+          <a:p>
+            <a:pPr marL="628650" lvl="1" indent="-171450">
+              <a:buFont typeface="Arial" pitchFamily="34" charset="0"/>
+              <a:buChar char="•"/>
+            </a:pPr>
+            <a:r>
+              <a:rPr lang="de-DE" baseline="0" dirty="0" smtClean="0"/>
+              <a:t>DB-Anbindung hätte an einigen Stellen das Leben erleichtert</a:t>
+            </a:r>
+          </a:p>
+          <a:p>
+            <a:pPr marL="171450" lvl="0" indent="-171450">
+              <a:buFont typeface="Arial" pitchFamily="34" charset="0"/>
+              <a:buChar char="•"/>
+            </a:pPr>
+            <a:r>
+              <a:rPr lang="de-DE" baseline="0" dirty="0" smtClean="0"/>
+              <a:t>Ausgabe: zunächst unübersichtlich</a:t>
+            </a:r>
+          </a:p>
+          <a:p>
+            <a:pPr marL="628650" lvl="1" indent="-171450">
+              <a:buFont typeface="Arial" pitchFamily="34" charset="0"/>
+              <a:buChar char="•"/>
+            </a:pPr>
+            <a:r>
+              <a:rPr lang="de-DE" baseline="0" dirty="0" smtClean="0"/>
+              <a:t>alles in Tabellen</a:t>
+            </a:r>
+          </a:p>
+          <a:p>
+            <a:pPr marL="628650" lvl="1" indent="-171450">
+              <a:buFont typeface="Arial" pitchFamily="34" charset="0"/>
+              <a:buChar char="•"/>
+            </a:pPr>
+            <a:r>
+              <a:rPr lang="de-DE" baseline="0" dirty="0" smtClean="0"/>
+              <a:t>schneller zu erfassen</a:t>
+            </a:r>
+          </a:p>
+          <a:p>
+            <a:pPr marL="628650" lvl="1" indent="-171450">
+              <a:buFont typeface="Arial" pitchFamily="34" charset="0"/>
+              <a:buChar char="•"/>
+            </a:pPr>
+            <a:r>
+              <a:rPr lang="de-DE" baseline="0" dirty="0" smtClean="0"/>
+              <a:t>trotzdem in Konsole möglich</a:t>
+            </a:r>
+          </a:p>
+          <a:p>
+            <a:pPr marL="628650" lvl="1" indent="-171450">
+              <a:buFont typeface="Arial" pitchFamily="34" charset="0"/>
+              <a:buChar char="•"/>
+            </a:pPr>
+            <a:r>
+              <a:rPr lang="de-DE" baseline="0" dirty="0" smtClean="0"/>
+              <a:t>abgestimmt mit </a:t>
+            </a:r>
+            <a:r>
+              <a:rPr lang="de-DE" baseline="0" dirty="0" err="1" smtClean="0"/>
+              <a:t>Mockups</a:t>
+            </a:r>
+            <a:endParaRPr lang="en-US" dirty="0"/>
+          </a:p>
+        </p:txBody>
+      </p:sp>
+      <p:sp>
+        <p:nvSpPr>
+          <p:cNvPr id="4" name="Foliennummernplatzhalter 3"/>
+          <p:cNvSpPr>
+            <a:spLocks noGrp="1"/>
+          </p:cNvSpPr>
+          <p:nvPr>
+            <p:ph type="sldNum" sz="quarter" idx="10"/>
+          </p:nvPr>
+        </p:nvSpPr>
+        <p:spPr/>
+        <p:txBody>
+          <a:bodyPr/>
+          <a:lstStyle/>
+          <a:p>
+            <a:fld id="{31B766F0-CE08-5549-8B9A-6DE57C03B1D9}" type="slidenum">
+              <a:rPr lang="de-DE" smtClean="0"/>
+              <a:t>9</a:t>
+            </a:fld>
+            <a:endParaRPr lang="de-DE"/>
+          </a:p>
+        </p:txBody>
+      </p:sp>
+    </p:spTree>
+    <p:extLst>
+      <p:ext uri="{BB962C8B-B14F-4D97-AF65-F5344CB8AC3E}">
+        <p14:creationId xmlns:p14="http://schemas.microsoft.com/office/powerpoint/2010/main" val="3268839447"/>
+      </p:ext>
+    </p:extLst>
+  </p:cSld>
+  <p:clrMapOvr>
+    <a:masterClrMapping/>
+  </p:clrMapOvr>
+</p:notes>
+</file>
+
+<file path=ppt/notesSlides/notesSlide5.xml><?xml version="1.0" encoding="utf-8"?>
+<p:notes xmlns:a="http://schemas.openxmlformats.org/drawingml/2006/main" xmlns:r="http://schemas.openxmlformats.org/officeDocument/2006/relationships" xmlns:p="http://schemas.openxmlformats.org/presentationml/2006/main">
+  <p:cSld>
+    <p:spTree>
+      <p:nvGrpSpPr>
+        <p:cNvPr id="1" name=""/>
+        <p:cNvGrpSpPr/>
+        <p:nvPr/>
+      </p:nvGrpSpPr>
+      <p:grpSpPr>
+        <a:xfrm>
+          <a:off x="0" y="0"/>
+          <a:ext cx="0" cy="0"/>
+          <a:chOff x="0" y="0"/>
+          <a:chExt cx="0" cy="0"/>
+        </a:xfrm>
+      </p:grpSpPr>
+      <p:sp>
+        <p:nvSpPr>
+          <p:cNvPr id="2" name="Folienbildplatzhalter 1"/>
+          <p:cNvSpPr>
+            <a:spLocks noGrp="1" noRot="1" noChangeAspect="1"/>
+          </p:cNvSpPr>
+          <p:nvPr>
+            <p:ph type="sldImg"/>
+          </p:nvPr>
+        </p:nvSpPr>
+        <p:spPr/>
+      </p:sp>
+      <p:sp>
+        <p:nvSpPr>
+          <p:cNvPr id="3" name="Notizenplatzhalter 2"/>
+          <p:cNvSpPr>
+            <a:spLocks noGrp="1"/>
+          </p:cNvSpPr>
+          <p:nvPr>
+            <p:ph type="body" idx="1"/>
+          </p:nvPr>
+        </p:nvSpPr>
+        <p:spPr/>
+        <p:txBody>
+          <a:bodyPr/>
+          <a:lstStyle/>
+          <a:p>
+            <a:r>
+              <a:rPr lang="de-DE" dirty="0" smtClean="0"/>
+              <a:t>Haupt</a:t>
+            </a:r>
+            <a:r>
+              <a:rPr lang="de-DE" baseline="0" dirty="0" smtClean="0"/>
+              <a:t> </a:t>
+            </a:r>
+            <a:r>
+              <a:rPr lang="de-DE" baseline="0" dirty="0" err="1" smtClean="0"/>
+              <a:t>Testcase</a:t>
+            </a:r>
+            <a:endParaRPr lang="de-DE" baseline="0" dirty="0" smtClean="0"/>
+          </a:p>
+          <a:p>
+            <a:r>
+              <a:rPr lang="de-DE" baseline="0" dirty="0" smtClean="0"/>
+              <a:t>3 Unternehmen - Archetypen</a:t>
+            </a:r>
+            <a:endParaRPr lang="en-US" dirty="0"/>
+          </a:p>
+        </p:txBody>
+      </p:sp>
+      <p:sp>
+        <p:nvSpPr>
+          <p:cNvPr id="4" name="Foliennummernplatzhalter 3"/>
+          <p:cNvSpPr>
+            <a:spLocks noGrp="1"/>
+          </p:cNvSpPr>
+          <p:nvPr>
+            <p:ph type="sldNum" sz="quarter" idx="10"/>
+          </p:nvPr>
+        </p:nvSpPr>
+        <p:spPr/>
+        <p:txBody>
+          <a:bodyPr/>
+          <a:lstStyle/>
+          <a:p>
+            <a:fld id="{31B766F0-CE08-5549-8B9A-6DE57C03B1D9}" type="slidenum">
+              <a:rPr lang="de-DE" smtClean="0"/>
+              <a:t>10</a:t>
+            </a:fld>
+            <a:endParaRPr lang="de-DE"/>
+          </a:p>
+        </p:txBody>
+      </p:sp>
+    </p:spTree>
+    <p:extLst>
+      <p:ext uri="{BB962C8B-B14F-4D97-AF65-F5344CB8AC3E}">
+        <p14:creationId xmlns:p14="http://schemas.microsoft.com/office/powerpoint/2010/main" val="2787556192"/>
+      </p:ext>
+    </p:extLst>
+  </p:cSld>
+  <p:clrMapOvr>
+    <a:masterClrMapping/>
+  </p:clrMapOvr>
+</p:notes>
+</file>
+
+<file path=ppt/notesSlides/notesSlide6.xml><?xml version="1.0" encoding="utf-8"?>
+<p:notes xmlns:a="http://schemas.openxmlformats.org/drawingml/2006/main" xmlns:r="http://schemas.openxmlformats.org/officeDocument/2006/relationships" xmlns:p="http://schemas.openxmlformats.org/presentationml/2006/main">
+  <p:cSld>
+    <p:spTree>
+      <p:nvGrpSpPr>
+        <p:cNvPr id="1" name=""/>
+        <p:cNvGrpSpPr/>
+        <p:nvPr/>
+      </p:nvGrpSpPr>
+      <p:grpSpPr>
+        <a:xfrm>
+          <a:off x="0" y="0"/>
+          <a:ext cx="0" cy="0"/>
+          <a:chOff x="0" y="0"/>
+          <a:chExt cx="0" cy="0"/>
+        </a:xfrm>
+      </p:grpSpPr>
+      <p:sp>
+        <p:nvSpPr>
+          <p:cNvPr id="2" name="Folienbildplatzhalter 1"/>
+          <p:cNvSpPr>
+            <a:spLocks noGrp="1" noRot="1" noChangeAspect="1"/>
+          </p:cNvSpPr>
+          <p:nvPr>
+            <p:ph type="sldImg"/>
+          </p:nvPr>
+        </p:nvSpPr>
+        <p:spPr/>
+      </p:sp>
+      <p:sp>
+        <p:nvSpPr>
+          <p:cNvPr id="3" name="Notizenplatzhalter 2"/>
+          <p:cNvSpPr>
+            <a:spLocks noGrp="1"/>
+          </p:cNvSpPr>
+          <p:nvPr>
+            <p:ph type="body" idx="1"/>
+          </p:nvPr>
+        </p:nvSpPr>
+        <p:spPr/>
+        <p:txBody>
+          <a:bodyPr/>
+          <a:lstStyle/>
+          <a:p>
+            <a:pPr marL="171450" indent="-171450">
+              <a:buFont typeface="Arial" pitchFamily="34" charset="0"/>
+              <a:buChar char="•"/>
+            </a:pPr>
+            <a:r>
+              <a:rPr lang="de-DE" dirty="0" smtClean="0"/>
+              <a:t>zunächst Unternehmen definiert</a:t>
+            </a:r>
+          </a:p>
+          <a:p>
+            <a:pPr marL="171450" indent="-171450">
+              <a:buFont typeface="Arial" pitchFamily="34" charset="0"/>
+              <a:buChar char="•"/>
+            </a:pPr>
+            <a:r>
+              <a:rPr lang="de-DE" dirty="0" smtClean="0"/>
+              <a:t>dann Runde</a:t>
+            </a:r>
+            <a:r>
+              <a:rPr lang="de-DE" baseline="0" dirty="0" smtClean="0"/>
+              <a:t> für Runde (10 Stück) durchgegangen</a:t>
+            </a:r>
+          </a:p>
+          <a:p>
+            <a:pPr marL="628650" lvl="1" indent="-171450">
+              <a:buFont typeface="Arial" pitchFamily="34" charset="0"/>
+              <a:buChar char="•"/>
+            </a:pPr>
+            <a:r>
+              <a:rPr lang="de-DE" baseline="0" dirty="0" smtClean="0"/>
+              <a:t>Informationsphase für Unternehmen: wie ist die Lage</a:t>
+            </a:r>
+          </a:p>
+          <a:p>
+            <a:pPr marL="628650" lvl="1" indent="-171450">
+              <a:buFont typeface="Arial" pitchFamily="34" charset="0"/>
+              <a:buChar char="•"/>
+            </a:pPr>
+            <a:r>
+              <a:rPr lang="de-DE" baseline="0" dirty="0" smtClean="0"/>
+              <a:t>basierend auf Verhaltenstyp Entscheidungen getroffen</a:t>
+            </a:r>
+          </a:p>
+          <a:p>
+            <a:pPr marL="171450" lvl="0" indent="-171450">
+              <a:buFont typeface="Arial" pitchFamily="34" charset="0"/>
+              <a:buChar char="•"/>
+            </a:pPr>
+            <a:r>
+              <a:rPr lang="de-DE" baseline="0" dirty="0" smtClean="0"/>
+              <a:t>zum </a:t>
+            </a:r>
+            <a:r>
+              <a:rPr lang="de-DE" baseline="0" dirty="0" err="1" smtClean="0"/>
+              <a:t>Schluß</a:t>
+            </a:r>
+            <a:r>
+              <a:rPr lang="de-DE" baseline="0" dirty="0" smtClean="0"/>
+              <a:t> Bewertung</a:t>
+            </a:r>
+          </a:p>
+          <a:p>
+            <a:pPr marL="171450" lvl="0" indent="-171450">
+              <a:buFont typeface="Arial" pitchFamily="34" charset="0"/>
+              <a:buChar char="•"/>
+            </a:pPr>
+            <a:r>
+              <a:rPr lang="de-DE" baseline="0" dirty="0" smtClean="0"/>
+              <a:t>LIVE anschauen</a:t>
+            </a:r>
+            <a:endParaRPr lang="en-US" dirty="0"/>
+          </a:p>
+        </p:txBody>
+      </p:sp>
+      <p:sp>
+        <p:nvSpPr>
+          <p:cNvPr id="4" name="Foliennummernplatzhalter 3"/>
+          <p:cNvSpPr>
+            <a:spLocks noGrp="1"/>
+          </p:cNvSpPr>
+          <p:nvPr>
+            <p:ph type="sldNum" sz="quarter" idx="10"/>
+          </p:nvPr>
+        </p:nvSpPr>
+        <p:spPr/>
+        <p:txBody>
+          <a:bodyPr/>
+          <a:lstStyle/>
+          <a:p>
+            <a:fld id="{31B766F0-CE08-5549-8B9A-6DE57C03B1D9}" type="slidenum">
+              <a:rPr lang="de-DE" smtClean="0"/>
+              <a:t>13</a:t>
+            </a:fld>
+            <a:endParaRPr lang="de-DE"/>
+          </a:p>
+        </p:txBody>
+      </p:sp>
+    </p:spTree>
+    <p:extLst>
+      <p:ext uri="{BB962C8B-B14F-4D97-AF65-F5344CB8AC3E}">
+        <p14:creationId xmlns:p14="http://schemas.microsoft.com/office/powerpoint/2010/main" val="1197399505"/>
       </p:ext>
     </p:extLst>
   </p:cSld>
@@ -8478,6 +9170,2613 @@
 </p:sld>
 </file>
 
+<file path=ppt/slides/slide10.xml><?xml version="1.0" encoding="utf-8"?>
+<p:sld xmlns:a="http://schemas.openxmlformats.org/drawingml/2006/main" xmlns:r="http://schemas.openxmlformats.org/officeDocument/2006/relationships" xmlns:p="http://schemas.openxmlformats.org/presentationml/2006/main">
+  <p:cSld>
+    <p:spTree>
+      <p:nvGrpSpPr>
+        <p:cNvPr id="1" name=""/>
+        <p:cNvGrpSpPr/>
+        <p:nvPr/>
+      </p:nvGrpSpPr>
+      <p:grpSpPr>
+        <a:xfrm>
+          <a:off x="0" y="0"/>
+          <a:ext cx="0" cy="0"/>
+          <a:chOff x="0" y="0"/>
+          <a:chExt cx="0" cy="0"/>
+        </a:xfrm>
+      </p:grpSpPr>
+      <p:sp>
+        <p:nvSpPr>
+          <p:cNvPr id="2" name="Titel 1"/>
+          <p:cNvSpPr>
+            <a:spLocks noGrp="1"/>
+          </p:cNvSpPr>
+          <p:nvPr>
+            <p:ph type="title"/>
+          </p:nvPr>
+        </p:nvSpPr>
+        <p:spPr/>
+        <p:txBody>
+          <a:bodyPr/>
+          <a:lstStyle/>
+          <a:p>
+            <a:r>
+              <a:rPr lang="de-DE" dirty="0" err="1" smtClean="0"/>
+              <a:t>jUnit</a:t>
+            </a:r>
+            <a:endParaRPr lang="en-US" dirty="0"/>
+          </a:p>
+        </p:txBody>
+      </p:sp>
+      <p:sp>
+        <p:nvSpPr>
+          <p:cNvPr id="4" name="Datumsplatzhalter 3"/>
+          <p:cNvSpPr>
+            <a:spLocks noGrp="1"/>
+          </p:cNvSpPr>
+          <p:nvPr>
+            <p:ph type="dt" sz="half" idx="10"/>
+          </p:nvPr>
+        </p:nvSpPr>
+        <p:spPr/>
+        <p:txBody>
+          <a:bodyPr/>
+          <a:lstStyle/>
+          <a:p>
+            <a:r>
+              <a:rPr lang="de-DE" smtClean="0"/>
+              <a:t>04.11.11</a:t>
+            </a:r>
+            <a:endParaRPr lang="en-US"/>
+          </a:p>
+        </p:txBody>
+      </p:sp>
+      <p:sp>
+        <p:nvSpPr>
+          <p:cNvPr id="5" name="Fußzeilenplatzhalter 4"/>
+          <p:cNvSpPr>
+            <a:spLocks noGrp="1"/>
+          </p:cNvSpPr>
+          <p:nvPr>
+            <p:ph type="ftr" sz="quarter" idx="11"/>
+          </p:nvPr>
+        </p:nvSpPr>
+        <p:spPr/>
+        <p:txBody>
+          <a:bodyPr/>
+          <a:lstStyle/>
+          <a:p>
+            <a:r>
+              <a:rPr lang="de-DE" smtClean="0"/>
+              <a:t>Star Greg</a:t>
+            </a:r>
+            <a:endParaRPr lang="en-US"/>
+          </a:p>
+        </p:txBody>
+      </p:sp>
+      <p:sp>
+        <p:nvSpPr>
+          <p:cNvPr id="6" name="Foliennummernplatzhalter 5"/>
+          <p:cNvSpPr>
+            <a:spLocks noGrp="1"/>
+          </p:cNvSpPr>
+          <p:nvPr>
+            <p:ph type="sldNum" sz="quarter" idx="12"/>
+          </p:nvPr>
+        </p:nvSpPr>
+        <p:spPr/>
+        <p:txBody>
+          <a:bodyPr/>
+          <a:lstStyle/>
+          <a:p>
+            <a:fld id="{4A822907-8A9D-4F6B-98F6-913902AD56B5}" type="slidenum">
+              <a:rPr lang="en-US" smtClean="0"/>
+              <a:t>10</a:t>
+            </a:fld>
+            <a:endParaRPr lang="en-US"/>
+          </a:p>
+        </p:txBody>
+      </p:sp>
+      <p:pic>
+        <p:nvPicPr>
+          <p:cNvPr id="7" name="Grafik 6"/>
+          <p:cNvPicPr>
+            <a:picLocks noChangeAspect="1"/>
+          </p:cNvPicPr>
+          <p:nvPr/>
+        </p:nvPicPr>
+        <p:blipFill rotWithShape="1">
+          <a:blip r:embed="rId3" cstate="email">
+            <a:extLst>
+              <a:ext uri="{28A0092B-C50C-407E-A947-70E740481C1C}">
+                <a14:useLocalDpi xmlns:a14="http://schemas.microsoft.com/office/drawing/2010/main" val="0"/>
+              </a:ext>
+            </a:extLst>
+          </a:blip>
+          <a:srcRect l="4597" t="5544" r="4382" b="4946"/>
+          <a:stretch/>
+        </p:blipFill>
+        <p:spPr>
+          <a:xfrm>
+            <a:off x="661263" y="2251575"/>
+            <a:ext cx="2160000" cy="2160000"/>
+          </a:xfrm>
+          <a:prstGeom prst="rect">
+            <a:avLst/>
+          </a:prstGeom>
+          <a:effectLst>
+            <a:outerShdw blurRad="152400" dist="317500" dir="5400000" sx="90000" sy="-19000" rotWithShape="0">
+              <a:prstClr val="black">
+                <a:alpha val="15000"/>
+              </a:prstClr>
+            </a:outerShdw>
+          </a:effectLst>
+        </p:spPr>
+      </p:pic>
+      <p:pic>
+        <p:nvPicPr>
+          <p:cNvPr id="8" name="Grafik 7"/>
+          <p:cNvPicPr>
+            <a:picLocks noChangeAspect="1"/>
+          </p:cNvPicPr>
+          <p:nvPr/>
+        </p:nvPicPr>
+        <p:blipFill>
+          <a:blip r:embed="rId4">
+            <a:duotone>
+              <a:schemeClr val="accent6">
+                <a:shade val="45000"/>
+                <a:satMod val="135000"/>
+              </a:schemeClr>
+              <a:prstClr val="white"/>
+            </a:duotone>
+            <a:extLst>
+              <a:ext uri="{28A0092B-C50C-407E-A947-70E740481C1C}">
+                <a14:useLocalDpi xmlns:a14="http://schemas.microsoft.com/office/drawing/2010/main" val="0"/>
+              </a:ext>
+            </a:extLst>
+          </a:blip>
+          <a:stretch>
+            <a:fillRect/>
+          </a:stretch>
+        </p:blipFill>
+        <p:spPr>
+          <a:xfrm>
+            <a:off x="6322736" y="2219325"/>
+            <a:ext cx="2160000" cy="2160000"/>
+          </a:xfrm>
+          <a:prstGeom prst="rect">
+            <a:avLst/>
+          </a:prstGeom>
+          <a:effectLst>
+            <a:outerShdw blurRad="152400" dist="317500" dir="5400000" sx="90000" sy="-19000" rotWithShape="0">
+              <a:prstClr val="black">
+                <a:alpha val="15000"/>
+              </a:prstClr>
+            </a:outerShdw>
+          </a:effectLst>
+        </p:spPr>
+      </p:pic>
+      <p:pic>
+        <p:nvPicPr>
+          <p:cNvPr id="9" name="Grafik 8"/>
+          <p:cNvPicPr>
+            <a:picLocks noChangeAspect="1"/>
+          </p:cNvPicPr>
+          <p:nvPr/>
+        </p:nvPicPr>
+        <p:blipFill rotWithShape="1">
+          <a:blip r:embed="rId5" cstate="email">
+            <a:duotone>
+              <a:schemeClr val="accent2">
+                <a:shade val="45000"/>
+                <a:satMod val="135000"/>
+              </a:schemeClr>
+              <a:prstClr val="white"/>
+            </a:duotone>
+            <a:extLst>
+              <a:ext uri="{28A0092B-C50C-407E-A947-70E740481C1C}">
+                <a14:useLocalDpi xmlns:a14="http://schemas.microsoft.com/office/drawing/2010/main" val="0"/>
+              </a:ext>
+            </a:extLst>
+          </a:blip>
+          <a:srcRect l="4117" t="2811" r="3513" b="5622"/>
+          <a:stretch/>
+        </p:blipFill>
+        <p:spPr>
+          <a:xfrm>
+            <a:off x="3482526" y="2219325"/>
+            <a:ext cx="2178947" cy="2160000"/>
+          </a:xfrm>
+          <a:prstGeom prst="rect">
+            <a:avLst/>
+          </a:prstGeom>
+          <a:effectLst>
+            <a:outerShdw blurRad="152400" dist="317500" dir="5400000" sx="90000" sy="-19000" rotWithShape="0">
+              <a:prstClr val="black">
+                <a:alpha val="15000"/>
+              </a:prstClr>
+            </a:outerShdw>
+          </a:effectLst>
+        </p:spPr>
+      </p:pic>
+      <p:sp>
+        <p:nvSpPr>
+          <p:cNvPr id="11" name="Rechteck 10"/>
+          <p:cNvSpPr/>
+          <p:nvPr/>
+        </p:nvSpPr>
+        <p:spPr>
+          <a:xfrm>
+            <a:off x="3547183" y="5385299"/>
+            <a:ext cx="2049635" cy="733425"/>
+          </a:xfrm>
+          <a:prstGeom prst="rect">
+            <a:avLst/>
+          </a:prstGeom>
+          <a:solidFill>
+            <a:schemeClr val="tx2"/>
+          </a:solidFill>
+          <a:ln>
+            <a:noFill/>
+          </a:ln>
+          <a:effectLst>
+            <a:reflection blurRad="6350" stA="50000" endA="300" endPos="55500" dist="50800" dir="5400000" sy="-100000" algn="bl" rotWithShape="0"/>
+          </a:effectLst>
+        </p:spPr>
+        <p:style>
+          <a:lnRef idx="1">
+            <a:schemeClr val="accent1"/>
+          </a:lnRef>
+          <a:fillRef idx="3">
+            <a:schemeClr val="accent1"/>
+          </a:fillRef>
+          <a:effectRef idx="2">
+            <a:schemeClr val="accent1"/>
+          </a:effectRef>
+          <a:fontRef idx="minor">
+            <a:schemeClr val="lt1"/>
+          </a:fontRef>
+        </p:style>
+        <p:txBody>
+          <a:bodyPr rtlCol="0" anchor="ctr"/>
+          <a:lstStyle/>
+          <a:p>
+            <a:pPr algn="ctr"/>
+            <a:r>
+              <a:rPr lang="de-DE" sz="2700" dirty="0" smtClean="0">
+                <a:solidFill>
+                  <a:schemeClr val="accent3"/>
+                </a:solidFill>
+              </a:rPr>
+              <a:t>Imperium</a:t>
+            </a:r>
+          </a:p>
+        </p:txBody>
+      </p:sp>
+      <p:sp>
+        <p:nvSpPr>
+          <p:cNvPr id="12" name="Rechteck 11"/>
+          <p:cNvSpPr/>
+          <p:nvPr/>
+        </p:nvSpPr>
+        <p:spPr>
+          <a:xfrm>
+            <a:off x="716445" y="5385299"/>
+            <a:ext cx="2049635" cy="733425"/>
+          </a:xfrm>
+          <a:prstGeom prst="rect">
+            <a:avLst/>
+          </a:prstGeom>
+          <a:solidFill>
+            <a:schemeClr val="tx2"/>
+          </a:solidFill>
+          <a:ln>
+            <a:noFill/>
+          </a:ln>
+          <a:effectLst>
+            <a:reflection blurRad="6350" stA="50000" endA="300" endPos="55500" dist="50800" dir="5400000" sy="-100000" algn="bl" rotWithShape="0"/>
+          </a:effectLst>
+        </p:spPr>
+        <p:style>
+          <a:lnRef idx="1">
+            <a:schemeClr val="accent1"/>
+          </a:lnRef>
+          <a:fillRef idx="3">
+            <a:schemeClr val="accent1"/>
+          </a:fillRef>
+          <a:effectRef idx="2">
+            <a:schemeClr val="accent1"/>
+          </a:effectRef>
+          <a:fontRef idx="minor">
+            <a:schemeClr val="lt1"/>
+          </a:fontRef>
+        </p:style>
+        <p:txBody>
+          <a:bodyPr rtlCol="0" anchor="ctr"/>
+          <a:lstStyle/>
+          <a:p>
+            <a:pPr algn="ctr"/>
+            <a:r>
+              <a:rPr lang="de-DE" sz="2700" dirty="0" smtClean="0">
+                <a:solidFill>
+                  <a:schemeClr val="accent3"/>
+                </a:solidFill>
+              </a:rPr>
+              <a:t>Föderation</a:t>
+            </a:r>
+          </a:p>
+        </p:txBody>
+      </p:sp>
+      <p:sp>
+        <p:nvSpPr>
+          <p:cNvPr id="13" name="Rechteck 12"/>
+          <p:cNvSpPr/>
+          <p:nvPr/>
+        </p:nvSpPr>
+        <p:spPr>
+          <a:xfrm>
+            <a:off x="6377918" y="5385299"/>
+            <a:ext cx="2049635" cy="733425"/>
+          </a:xfrm>
+          <a:prstGeom prst="rect">
+            <a:avLst/>
+          </a:prstGeom>
+          <a:solidFill>
+            <a:schemeClr val="tx2"/>
+          </a:solidFill>
+          <a:ln>
+            <a:noFill/>
+          </a:ln>
+          <a:effectLst>
+            <a:reflection blurRad="6350" stA="50000" endA="300" endPos="55500" dist="50800" dir="5400000" sy="-100000" algn="bl" rotWithShape="0"/>
+          </a:effectLst>
+        </p:spPr>
+        <p:style>
+          <a:lnRef idx="1">
+            <a:schemeClr val="accent1"/>
+          </a:lnRef>
+          <a:fillRef idx="3">
+            <a:schemeClr val="accent1"/>
+          </a:fillRef>
+          <a:effectRef idx="2">
+            <a:schemeClr val="accent1"/>
+          </a:effectRef>
+          <a:fontRef idx="minor">
+            <a:schemeClr val="lt1"/>
+          </a:fontRef>
+        </p:style>
+        <p:txBody>
+          <a:bodyPr rtlCol="0" anchor="ctr"/>
+          <a:lstStyle/>
+          <a:p>
+            <a:pPr algn="ctr"/>
+            <a:r>
+              <a:rPr lang="de-DE" sz="2700" dirty="0" smtClean="0">
+                <a:solidFill>
+                  <a:schemeClr val="accent3"/>
+                </a:solidFill>
+              </a:rPr>
+              <a:t>Rebellen</a:t>
+            </a:r>
+          </a:p>
+        </p:txBody>
+      </p:sp>
+    </p:spTree>
+    <p:extLst>
+      <p:ext uri="{BB962C8B-B14F-4D97-AF65-F5344CB8AC3E}">
+        <p14:creationId xmlns:p14="http://schemas.microsoft.com/office/powerpoint/2010/main" val="200905820"/>
+      </p:ext>
+    </p:extLst>
+  </p:cSld>
+  <p:clrMapOvr>
+    <a:masterClrMapping/>
+  </p:clrMapOvr>
+  <mc:AlternateContent xmlns:mc="http://schemas.openxmlformats.org/markup-compatibility/2006">
+    <mc:Choice xmlns:p14="http://schemas.microsoft.com/office/powerpoint/2010/main" Requires="p14">
+      <p:transition p14:dur="0"/>
+    </mc:Choice>
+    <mc:Fallback>
+      <p:transition/>
+    </mc:Fallback>
+  </mc:AlternateContent>
+  <p:timing>
+    <p:tnLst>
+      <p:par>
+        <p:cTn id="1" dur="indefinite" restart="never" nodeType="tmRoot"/>
+      </p:par>
+    </p:tnLst>
+  </p:timing>
+</p:sld>
+</file>
+
+<file path=ppt/slides/slide11.xml><?xml version="1.0" encoding="utf-8"?>
+<p:sld xmlns:a="http://schemas.openxmlformats.org/drawingml/2006/main" xmlns:r="http://schemas.openxmlformats.org/officeDocument/2006/relationships" xmlns:p="http://schemas.openxmlformats.org/presentationml/2006/main">
+  <p:cSld>
+    <p:spTree>
+      <p:nvGrpSpPr>
+        <p:cNvPr id="1" name=""/>
+        <p:cNvGrpSpPr/>
+        <p:nvPr/>
+      </p:nvGrpSpPr>
+      <p:grpSpPr>
+        <a:xfrm>
+          <a:off x="0" y="0"/>
+          <a:ext cx="0" cy="0"/>
+          <a:chOff x="0" y="0"/>
+          <a:chExt cx="0" cy="0"/>
+        </a:xfrm>
+      </p:grpSpPr>
+      <p:sp>
+        <p:nvSpPr>
+          <p:cNvPr id="2" name="Titel 1"/>
+          <p:cNvSpPr>
+            <a:spLocks noGrp="1"/>
+          </p:cNvSpPr>
+          <p:nvPr>
+            <p:ph type="title"/>
+          </p:nvPr>
+        </p:nvSpPr>
+        <p:spPr/>
+        <p:txBody>
+          <a:bodyPr/>
+          <a:lstStyle/>
+          <a:p>
+            <a:r>
+              <a:rPr lang="de-DE" dirty="0" err="1" smtClean="0"/>
+              <a:t>jUnit</a:t>
+            </a:r>
+            <a:endParaRPr lang="en-US" dirty="0"/>
+          </a:p>
+        </p:txBody>
+      </p:sp>
+      <p:sp>
+        <p:nvSpPr>
+          <p:cNvPr id="4" name="Datumsplatzhalter 3"/>
+          <p:cNvSpPr>
+            <a:spLocks noGrp="1"/>
+          </p:cNvSpPr>
+          <p:nvPr>
+            <p:ph type="dt" sz="half" idx="10"/>
+          </p:nvPr>
+        </p:nvSpPr>
+        <p:spPr/>
+        <p:txBody>
+          <a:bodyPr/>
+          <a:lstStyle/>
+          <a:p>
+            <a:r>
+              <a:rPr lang="de-DE" smtClean="0"/>
+              <a:t>04.11.11</a:t>
+            </a:r>
+            <a:endParaRPr lang="en-US"/>
+          </a:p>
+        </p:txBody>
+      </p:sp>
+      <p:sp>
+        <p:nvSpPr>
+          <p:cNvPr id="5" name="Fußzeilenplatzhalter 4"/>
+          <p:cNvSpPr>
+            <a:spLocks noGrp="1"/>
+          </p:cNvSpPr>
+          <p:nvPr>
+            <p:ph type="ftr" sz="quarter" idx="11"/>
+          </p:nvPr>
+        </p:nvSpPr>
+        <p:spPr/>
+        <p:txBody>
+          <a:bodyPr/>
+          <a:lstStyle/>
+          <a:p>
+            <a:r>
+              <a:rPr lang="de-DE" smtClean="0"/>
+              <a:t>Star Greg</a:t>
+            </a:r>
+            <a:endParaRPr lang="en-US"/>
+          </a:p>
+        </p:txBody>
+      </p:sp>
+      <p:sp>
+        <p:nvSpPr>
+          <p:cNvPr id="6" name="Foliennummernplatzhalter 5"/>
+          <p:cNvSpPr>
+            <a:spLocks noGrp="1"/>
+          </p:cNvSpPr>
+          <p:nvPr>
+            <p:ph type="sldNum" sz="quarter" idx="12"/>
+          </p:nvPr>
+        </p:nvSpPr>
+        <p:spPr/>
+        <p:txBody>
+          <a:bodyPr/>
+          <a:lstStyle/>
+          <a:p>
+            <a:fld id="{4A822907-8A9D-4F6B-98F6-913902AD56B5}" type="slidenum">
+              <a:rPr lang="en-US" smtClean="0"/>
+              <a:t>11</a:t>
+            </a:fld>
+            <a:endParaRPr lang="en-US"/>
+          </a:p>
+        </p:txBody>
+      </p:sp>
+      <p:pic>
+        <p:nvPicPr>
+          <p:cNvPr id="7" name="Grafik 6"/>
+          <p:cNvPicPr>
+            <a:picLocks noChangeAspect="1"/>
+          </p:cNvPicPr>
+          <p:nvPr/>
+        </p:nvPicPr>
+        <p:blipFill rotWithShape="1">
+          <a:blip r:embed="rId2" cstate="email">
+            <a:extLst>
+              <a:ext uri="{28A0092B-C50C-407E-A947-70E740481C1C}">
+                <a14:useLocalDpi xmlns:a14="http://schemas.microsoft.com/office/drawing/2010/main" val="0"/>
+              </a:ext>
+            </a:extLst>
+          </a:blip>
+          <a:srcRect l="4597" t="5544" r="4382" b="4946"/>
+          <a:stretch/>
+        </p:blipFill>
+        <p:spPr>
+          <a:xfrm>
+            <a:off x="661263" y="2251575"/>
+            <a:ext cx="2160000" cy="2160000"/>
+          </a:xfrm>
+          <a:prstGeom prst="rect">
+            <a:avLst/>
+          </a:prstGeom>
+          <a:effectLst>
+            <a:outerShdw blurRad="152400" dist="317500" dir="5400000" sx="90000" sy="-19000" rotWithShape="0">
+              <a:prstClr val="black">
+                <a:alpha val="15000"/>
+              </a:prstClr>
+            </a:outerShdw>
+          </a:effectLst>
+        </p:spPr>
+      </p:pic>
+      <p:pic>
+        <p:nvPicPr>
+          <p:cNvPr id="8" name="Grafik 7"/>
+          <p:cNvPicPr>
+            <a:picLocks noChangeAspect="1"/>
+          </p:cNvPicPr>
+          <p:nvPr/>
+        </p:nvPicPr>
+        <p:blipFill>
+          <a:blip r:embed="rId3">
+            <a:duotone>
+              <a:schemeClr val="accent6">
+                <a:shade val="45000"/>
+                <a:satMod val="135000"/>
+              </a:schemeClr>
+              <a:prstClr val="white"/>
+            </a:duotone>
+            <a:extLst>
+              <a:ext uri="{28A0092B-C50C-407E-A947-70E740481C1C}">
+                <a14:useLocalDpi xmlns:a14="http://schemas.microsoft.com/office/drawing/2010/main" val="0"/>
+              </a:ext>
+            </a:extLst>
+          </a:blip>
+          <a:stretch>
+            <a:fillRect/>
+          </a:stretch>
+        </p:blipFill>
+        <p:spPr>
+          <a:xfrm>
+            <a:off x="6322736" y="2219325"/>
+            <a:ext cx="2160000" cy="2160000"/>
+          </a:xfrm>
+          <a:prstGeom prst="rect">
+            <a:avLst/>
+          </a:prstGeom>
+          <a:effectLst>
+            <a:outerShdw blurRad="152400" dist="317500" dir="5400000" sx="90000" sy="-19000" rotWithShape="0">
+              <a:prstClr val="black">
+                <a:alpha val="15000"/>
+              </a:prstClr>
+            </a:outerShdw>
+          </a:effectLst>
+        </p:spPr>
+      </p:pic>
+      <p:pic>
+        <p:nvPicPr>
+          <p:cNvPr id="9" name="Grafik 8"/>
+          <p:cNvPicPr>
+            <a:picLocks noChangeAspect="1"/>
+          </p:cNvPicPr>
+          <p:nvPr/>
+        </p:nvPicPr>
+        <p:blipFill rotWithShape="1">
+          <a:blip r:embed="rId4" cstate="email">
+            <a:duotone>
+              <a:schemeClr val="accent2">
+                <a:shade val="45000"/>
+                <a:satMod val="135000"/>
+              </a:schemeClr>
+              <a:prstClr val="white"/>
+            </a:duotone>
+            <a:extLst>
+              <a:ext uri="{28A0092B-C50C-407E-A947-70E740481C1C}">
+                <a14:useLocalDpi xmlns:a14="http://schemas.microsoft.com/office/drawing/2010/main" val="0"/>
+              </a:ext>
+            </a:extLst>
+          </a:blip>
+          <a:srcRect l="4117" t="2811" r="3513" b="5622"/>
+          <a:stretch/>
+        </p:blipFill>
+        <p:spPr>
+          <a:xfrm>
+            <a:off x="3482526" y="2219325"/>
+            <a:ext cx="2178947" cy="2160000"/>
+          </a:xfrm>
+          <a:prstGeom prst="rect">
+            <a:avLst/>
+          </a:prstGeom>
+          <a:effectLst>
+            <a:outerShdw blurRad="152400" dist="317500" dir="5400000" sx="90000" sy="-19000" rotWithShape="0">
+              <a:prstClr val="black">
+                <a:alpha val="15000"/>
+              </a:prstClr>
+            </a:outerShdw>
+          </a:effectLst>
+        </p:spPr>
+      </p:pic>
+      <p:sp>
+        <p:nvSpPr>
+          <p:cNvPr id="11" name="Rechteck 10"/>
+          <p:cNvSpPr/>
+          <p:nvPr/>
+        </p:nvSpPr>
+        <p:spPr>
+          <a:xfrm>
+            <a:off x="3547183" y="5385299"/>
+            <a:ext cx="2049635" cy="733425"/>
+          </a:xfrm>
+          <a:prstGeom prst="rect">
+            <a:avLst/>
+          </a:prstGeom>
+          <a:solidFill>
+            <a:schemeClr val="tx2"/>
+          </a:solidFill>
+          <a:ln>
+            <a:noFill/>
+          </a:ln>
+          <a:effectLst>
+            <a:reflection blurRad="6350" stA="50000" endA="300" endPos="55500" dist="50800" dir="5400000" sy="-100000" algn="bl" rotWithShape="0"/>
+          </a:effectLst>
+        </p:spPr>
+        <p:style>
+          <a:lnRef idx="1">
+            <a:schemeClr val="accent1"/>
+          </a:lnRef>
+          <a:fillRef idx="3">
+            <a:schemeClr val="accent1"/>
+          </a:fillRef>
+          <a:effectRef idx="2">
+            <a:schemeClr val="accent1"/>
+          </a:effectRef>
+          <a:fontRef idx="minor">
+            <a:schemeClr val="lt1"/>
+          </a:fontRef>
+        </p:style>
+        <p:txBody>
+          <a:bodyPr rtlCol="0" anchor="ctr"/>
+          <a:lstStyle/>
+          <a:p>
+            <a:pPr algn="ctr"/>
+            <a:r>
+              <a:rPr lang="de-DE" sz="2700" dirty="0" smtClean="0">
+                <a:solidFill>
+                  <a:schemeClr val="accent3"/>
+                </a:solidFill>
+              </a:rPr>
+              <a:t>Imperium</a:t>
+            </a:r>
+          </a:p>
+        </p:txBody>
+      </p:sp>
+      <p:sp>
+        <p:nvSpPr>
+          <p:cNvPr id="12" name="Rechteck 11"/>
+          <p:cNvSpPr/>
+          <p:nvPr/>
+        </p:nvSpPr>
+        <p:spPr>
+          <a:xfrm>
+            <a:off x="716445" y="5385299"/>
+            <a:ext cx="2049635" cy="733425"/>
+          </a:xfrm>
+          <a:prstGeom prst="rect">
+            <a:avLst/>
+          </a:prstGeom>
+          <a:solidFill>
+            <a:schemeClr val="tx2"/>
+          </a:solidFill>
+          <a:ln>
+            <a:noFill/>
+          </a:ln>
+          <a:effectLst>
+            <a:reflection blurRad="6350" stA="50000" endA="300" endPos="55500" dist="50800" dir="5400000" sy="-100000" algn="bl" rotWithShape="0"/>
+          </a:effectLst>
+        </p:spPr>
+        <p:style>
+          <a:lnRef idx="1">
+            <a:schemeClr val="accent1"/>
+          </a:lnRef>
+          <a:fillRef idx="3">
+            <a:schemeClr val="accent1"/>
+          </a:fillRef>
+          <a:effectRef idx="2">
+            <a:schemeClr val="accent1"/>
+          </a:effectRef>
+          <a:fontRef idx="minor">
+            <a:schemeClr val="lt1"/>
+          </a:fontRef>
+        </p:style>
+        <p:txBody>
+          <a:bodyPr rtlCol="0" anchor="ctr"/>
+          <a:lstStyle/>
+          <a:p>
+            <a:pPr algn="ctr"/>
+            <a:r>
+              <a:rPr lang="de-DE" sz="2700" dirty="0" smtClean="0">
+                <a:solidFill>
+                  <a:schemeClr val="accent3"/>
+                </a:solidFill>
+              </a:rPr>
+              <a:t>Föderation</a:t>
+            </a:r>
+          </a:p>
+        </p:txBody>
+      </p:sp>
+      <p:sp>
+        <p:nvSpPr>
+          <p:cNvPr id="13" name="Rechteck 12"/>
+          <p:cNvSpPr/>
+          <p:nvPr/>
+        </p:nvSpPr>
+        <p:spPr>
+          <a:xfrm>
+            <a:off x="6377918" y="5385299"/>
+            <a:ext cx="2049635" cy="733425"/>
+          </a:xfrm>
+          <a:prstGeom prst="rect">
+            <a:avLst/>
+          </a:prstGeom>
+          <a:solidFill>
+            <a:schemeClr val="tx2"/>
+          </a:solidFill>
+          <a:ln>
+            <a:noFill/>
+          </a:ln>
+          <a:effectLst>
+            <a:reflection blurRad="6350" stA="50000" endA="300" endPos="55500" dist="50800" dir="5400000" sy="-100000" algn="bl" rotWithShape="0"/>
+          </a:effectLst>
+        </p:spPr>
+        <p:style>
+          <a:lnRef idx="1">
+            <a:schemeClr val="accent1"/>
+          </a:lnRef>
+          <a:fillRef idx="3">
+            <a:schemeClr val="accent1"/>
+          </a:fillRef>
+          <a:effectRef idx="2">
+            <a:schemeClr val="accent1"/>
+          </a:effectRef>
+          <a:fontRef idx="minor">
+            <a:schemeClr val="lt1"/>
+          </a:fontRef>
+        </p:style>
+        <p:txBody>
+          <a:bodyPr rtlCol="0" anchor="ctr"/>
+          <a:lstStyle/>
+          <a:p>
+            <a:pPr algn="ctr"/>
+            <a:r>
+              <a:rPr lang="de-DE" sz="2700" dirty="0" smtClean="0">
+                <a:solidFill>
+                  <a:schemeClr val="accent3"/>
+                </a:solidFill>
+              </a:rPr>
+              <a:t>Rebellen</a:t>
+            </a:r>
+          </a:p>
+        </p:txBody>
+      </p:sp>
+      <p:sp>
+        <p:nvSpPr>
+          <p:cNvPr id="15" name="Rechteck 14"/>
+          <p:cNvSpPr/>
+          <p:nvPr/>
+        </p:nvSpPr>
+        <p:spPr>
+          <a:xfrm>
+            <a:off x="651789" y="3331575"/>
+            <a:ext cx="2178947" cy="1968000"/>
+          </a:xfrm>
+          <a:prstGeom prst="rect">
+            <a:avLst/>
+          </a:prstGeom>
+          <a:solidFill>
+            <a:schemeClr val="bg1">
+              <a:alpha val="70000"/>
+            </a:schemeClr>
+          </a:solidFill>
+          <a:ln>
+            <a:noFill/>
+          </a:ln>
+          <a:scene3d>
+            <a:camera prst="obliqueTopRight"/>
+            <a:lightRig rig="threePt" dir="tl"/>
+          </a:scene3d>
+          <a:sp3d/>
+        </p:spPr>
+        <p:style>
+          <a:lnRef idx="1">
+            <a:schemeClr val="accent1"/>
+          </a:lnRef>
+          <a:fillRef idx="3">
+            <a:schemeClr val="accent1"/>
+          </a:fillRef>
+          <a:effectRef idx="2">
+            <a:schemeClr val="accent1"/>
+          </a:effectRef>
+          <a:fontRef idx="minor">
+            <a:schemeClr val="lt1"/>
+          </a:fontRef>
+        </p:style>
+        <p:txBody>
+          <a:bodyPr rtlCol="0" anchor="t" anchorCtr="0"/>
+          <a:lstStyle/>
+          <a:p>
+            <a:pPr marL="144000" indent="-144000">
+              <a:buFont typeface="Arial" pitchFamily="34" charset="0"/>
+              <a:buChar char="•"/>
+            </a:pPr>
+            <a:r>
+              <a:rPr lang="de-DE" b="1" dirty="0" smtClean="0">
+                <a:solidFill>
+                  <a:schemeClr val="tx2"/>
+                </a:solidFill>
+              </a:rPr>
+              <a:t>hält sich an Marktstandards</a:t>
+            </a:r>
+          </a:p>
+          <a:p>
+            <a:pPr marL="144000" indent="-144000">
+              <a:buFont typeface="Arial" pitchFamily="34" charset="0"/>
+              <a:buChar char="•"/>
+            </a:pPr>
+            <a:endParaRPr lang="de-DE" b="1" dirty="0">
+              <a:solidFill>
+                <a:schemeClr val="tx2"/>
+              </a:solidFill>
+            </a:endParaRPr>
+          </a:p>
+          <a:p>
+            <a:pPr marL="144000" indent="-144000">
+              <a:buFont typeface="Arial" pitchFamily="34" charset="0"/>
+              <a:buChar char="•"/>
+            </a:pPr>
+            <a:r>
+              <a:rPr lang="de-DE" b="1" dirty="0" smtClean="0">
+                <a:solidFill>
+                  <a:schemeClr val="tx2"/>
+                </a:solidFill>
+              </a:rPr>
+              <a:t>geht keine Risikos ein</a:t>
+            </a:r>
+            <a:endParaRPr lang="en-US" b="1" dirty="0">
+              <a:solidFill>
+                <a:schemeClr val="tx2"/>
+              </a:solidFill>
+            </a:endParaRPr>
+          </a:p>
+        </p:txBody>
+      </p:sp>
+      <p:sp>
+        <p:nvSpPr>
+          <p:cNvPr id="16" name="Rechteck 15"/>
+          <p:cNvSpPr/>
+          <p:nvPr/>
+        </p:nvSpPr>
+        <p:spPr>
+          <a:xfrm>
+            <a:off x="3482526" y="2219325"/>
+            <a:ext cx="2178947" cy="4349750"/>
+          </a:xfrm>
+          <a:prstGeom prst="rect">
+            <a:avLst/>
+          </a:prstGeom>
+          <a:solidFill>
+            <a:schemeClr val="bg1">
+              <a:alpha val="70000"/>
+            </a:schemeClr>
+          </a:solidFill>
+          <a:ln>
+            <a:noFill/>
+          </a:ln>
+          <a:scene3d>
+            <a:camera prst="obliqueTopRight"/>
+            <a:lightRig rig="threePt" dir="tl"/>
+          </a:scene3d>
+          <a:sp3d/>
+        </p:spPr>
+        <p:style>
+          <a:lnRef idx="1">
+            <a:schemeClr val="accent1"/>
+          </a:lnRef>
+          <a:fillRef idx="3">
+            <a:schemeClr val="accent1"/>
+          </a:fillRef>
+          <a:effectRef idx="2">
+            <a:schemeClr val="accent1"/>
+          </a:effectRef>
+          <a:fontRef idx="minor">
+            <a:schemeClr val="lt1"/>
+          </a:fontRef>
+        </p:style>
+        <p:txBody>
+          <a:bodyPr rtlCol="0" anchor="t" anchorCtr="0"/>
+          <a:lstStyle/>
+          <a:p>
+            <a:pPr marL="144000" indent="-144000">
+              <a:buFont typeface="Arial" pitchFamily="34" charset="0"/>
+              <a:buChar char="•"/>
+            </a:pPr>
+            <a:endParaRPr lang="en-US" b="1" dirty="0">
+              <a:solidFill>
+                <a:schemeClr val="tx2"/>
+              </a:solidFill>
+            </a:endParaRPr>
+          </a:p>
+        </p:txBody>
+      </p:sp>
+      <p:sp>
+        <p:nvSpPr>
+          <p:cNvPr id="17" name="Rechteck 16"/>
+          <p:cNvSpPr/>
+          <p:nvPr/>
+        </p:nvSpPr>
+        <p:spPr>
+          <a:xfrm>
+            <a:off x="6313261" y="2219325"/>
+            <a:ext cx="2178947" cy="4349750"/>
+          </a:xfrm>
+          <a:prstGeom prst="rect">
+            <a:avLst/>
+          </a:prstGeom>
+          <a:solidFill>
+            <a:schemeClr val="bg1">
+              <a:alpha val="70000"/>
+            </a:schemeClr>
+          </a:solidFill>
+          <a:ln>
+            <a:noFill/>
+          </a:ln>
+          <a:scene3d>
+            <a:camera prst="obliqueTopRight"/>
+            <a:lightRig rig="threePt" dir="tl"/>
+          </a:scene3d>
+          <a:sp3d/>
+        </p:spPr>
+        <p:style>
+          <a:lnRef idx="1">
+            <a:schemeClr val="accent1"/>
+          </a:lnRef>
+          <a:fillRef idx="3">
+            <a:schemeClr val="accent1"/>
+          </a:fillRef>
+          <a:effectRef idx="2">
+            <a:schemeClr val="accent1"/>
+          </a:effectRef>
+          <a:fontRef idx="minor">
+            <a:schemeClr val="lt1"/>
+          </a:fontRef>
+        </p:style>
+        <p:txBody>
+          <a:bodyPr rtlCol="0" anchor="t" anchorCtr="0"/>
+          <a:lstStyle/>
+          <a:p>
+            <a:pPr marL="144000" indent="-144000">
+              <a:buFont typeface="Arial" pitchFamily="34" charset="0"/>
+              <a:buChar char="•"/>
+            </a:pPr>
+            <a:endParaRPr lang="en-US" b="1" dirty="0">
+              <a:solidFill>
+                <a:schemeClr val="tx2"/>
+              </a:solidFill>
+            </a:endParaRPr>
+          </a:p>
+        </p:txBody>
+      </p:sp>
+    </p:spTree>
+    <p:extLst>
+      <p:ext uri="{BB962C8B-B14F-4D97-AF65-F5344CB8AC3E}">
+        <p14:creationId xmlns:p14="http://schemas.microsoft.com/office/powerpoint/2010/main" val="237651333"/>
+      </p:ext>
+    </p:extLst>
+  </p:cSld>
+  <p:clrMapOvr>
+    <a:masterClrMapping/>
+  </p:clrMapOvr>
+  <mc:AlternateContent xmlns:mc="http://schemas.openxmlformats.org/markup-compatibility/2006">
+    <mc:Choice xmlns:p14="http://schemas.microsoft.com/office/powerpoint/2010/main" Requires="p14">
+      <p:transition spd="med" p14:dur="700">
+        <p:fade/>
+      </p:transition>
+    </mc:Choice>
+    <mc:Fallback>
+      <p:transition spd="med">
+        <p:fade/>
+      </p:transition>
+    </mc:Fallback>
+  </mc:AlternateContent>
+  <p:timing>
+    <p:tnLst>
+      <p:par>
+        <p:cTn id="1" dur="indefinite" restart="never" nodeType="tmRoot"/>
+      </p:par>
+    </p:tnLst>
+  </p:timing>
+</p:sld>
+</file>
+
+<file path=ppt/slides/slide12.xml><?xml version="1.0" encoding="utf-8"?>
+<p:sld xmlns:a="http://schemas.openxmlformats.org/drawingml/2006/main" xmlns:r="http://schemas.openxmlformats.org/officeDocument/2006/relationships" xmlns:p="http://schemas.openxmlformats.org/presentationml/2006/main">
+  <p:cSld>
+    <p:spTree>
+      <p:nvGrpSpPr>
+        <p:cNvPr id="1" name=""/>
+        <p:cNvGrpSpPr/>
+        <p:nvPr/>
+      </p:nvGrpSpPr>
+      <p:grpSpPr>
+        <a:xfrm>
+          <a:off x="0" y="0"/>
+          <a:ext cx="0" cy="0"/>
+          <a:chOff x="0" y="0"/>
+          <a:chExt cx="0" cy="0"/>
+        </a:xfrm>
+      </p:grpSpPr>
+      <p:sp>
+        <p:nvSpPr>
+          <p:cNvPr id="2" name="Titel 1"/>
+          <p:cNvSpPr>
+            <a:spLocks noGrp="1"/>
+          </p:cNvSpPr>
+          <p:nvPr>
+            <p:ph type="title"/>
+          </p:nvPr>
+        </p:nvSpPr>
+        <p:spPr/>
+        <p:txBody>
+          <a:bodyPr/>
+          <a:lstStyle/>
+          <a:p>
+            <a:r>
+              <a:rPr lang="de-DE" dirty="0" err="1" smtClean="0"/>
+              <a:t>jUnit</a:t>
+            </a:r>
+            <a:endParaRPr lang="en-US" dirty="0"/>
+          </a:p>
+        </p:txBody>
+      </p:sp>
+      <p:sp>
+        <p:nvSpPr>
+          <p:cNvPr id="4" name="Datumsplatzhalter 3"/>
+          <p:cNvSpPr>
+            <a:spLocks noGrp="1"/>
+          </p:cNvSpPr>
+          <p:nvPr>
+            <p:ph type="dt" sz="half" idx="10"/>
+          </p:nvPr>
+        </p:nvSpPr>
+        <p:spPr/>
+        <p:txBody>
+          <a:bodyPr/>
+          <a:lstStyle/>
+          <a:p>
+            <a:r>
+              <a:rPr lang="de-DE" smtClean="0"/>
+              <a:t>04.11.11</a:t>
+            </a:r>
+            <a:endParaRPr lang="en-US"/>
+          </a:p>
+        </p:txBody>
+      </p:sp>
+      <p:sp>
+        <p:nvSpPr>
+          <p:cNvPr id="5" name="Fußzeilenplatzhalter 4"/>
+          <p:cNvSpPr>
+            <a:spLocks noGrp="1"/>
+          </p:cNvSpPr>
+          <p:nvPr>
+            <p:ph type="ftr" sz="quarter" idx="11"/>
+          </p:nvPr>
+        </p:nvSpPr>
+        <p:spPr/>
+        <p:txBody>
+          <a:bodyPr/>
+          <a:lstStyle/>
+          <a:p>
+            <a:r>
+              <a:rPr lang="de-DE" smtClean="0"/>
+              <a:t>Star Greg</a:t>
+            </a:r>
+            <a:endParaRPr lang="en-US"/>
+          </a:p>
+        </p:txBody>
+      </p:sp>
+      <p:sp>
+        <p:nvSpPr>
+          <p:cNvPr id="6" name="Foliennummernplatzhalter 5"/>
+          <p:cNvSpPr>
+            <a:spLocks noGrp="1"/>
+          </p:cNvSpPr>
+          <p:nvPr>
+            <p:ph type="sldNum" sz="quarter" idx="12"/>
+          </p:nvPr>
+        </p:nvSpPr>
+        <p:spPr/>
+        <p:txBody>
+          <a:bodyPr/>
+          <a:lstStyle/>
+          <a:p>
+            <a:fld id="{4A822907-8A9D-4F6B-98F6-913902AD56B5}" type="slidenum">
+              <a:rPr lang="en-US" smtClean="0"/>
+              <a:t>12</a:t>
+            </a:fld>
+            <a:endParaRPr lang="en-US"/>
+          </a:p>
+        </p:txBody>
+      </p:sp>
+      <p:pic>
+        <p:nvPicPr>
+          <p:cNvPr id="7" name="Grafik 6"/>
+          <p:cNvPicPr>
+            <a:picLocks noChangeAspect="1"/>
+          </p:cNvPicPr>
+          <p:nvPr/>
+        </p:nvPicPr>
+        <p:blipFill rotWithShape="1">
+          <a:blip r:embed="rId2" cstate="email">
+            <a:extLst>
+              <a:ext uri="{28A0092B-C50C-407E-A947-70E740481C1C}">
+                <a14:useLocalDpi xmlns:a14="http://schemas.microsoft.com/office/drawing/2010/main" val="0"/>
+              </a:ext>
+            </a:extLst>
+          </a:blip>
+          <a:srcRect l="4597" t="5544" r="4382" b="4946"/>
+          <a:stretch/>
+        </p:blipFill>
+        <p:spPr>
+          <a:xfrm>
+            <a:off x="661263" y="2251575"/>
+            <a:ext cx="2160000" cy="2160000"/>
+          </a:xfrm>
+          <a:prstGeom prst="rect">
+            <a:avLst/>
+          </a:prstGeom>
+          <a:effectLst>
+            <a:outerShdw blurRad="152400" dist="317500" dir="5400000" sx="90000" sy="-19000" rotWithShape="0">
+              <a:prstClr val="black">
+                <a:alpha val="15000"/>
+              </a:prstClr>
+            </a:outerShdw>
+          </a:effectLst>
+        </p:spPr>
+      </p:pic>
+      <p:pic>
+        <p:nvPicPr>
+          <p:cNvPr id="8" name="Grafik 7"/>
+          <p:cNvPicPr>
+            <a:picLocks noChangeAspect="1"/>
+          </p:cNvPicPr>
+          <p:nvPr/>
+        </p:nvPicPr>
+        <p:blipFill>
+          <a:blip r:embed="rId3">
+            <a:duotone>
+              <a:schemeClr val="accent6">
+                <a:shade val="45000"/>
+                <a:satMod val="135000"/>
+              </a:schemeClr>
+              <a:prstClr val="white"/>
+            </a:duotone>
+            <a:extLst>
+              <a:ext uri="{28A0092B-C50C-407E-A947-70E740481C1C}">
+                <a14:useLocalDpi xmlns:a14="http://schemas.microsoft.com/office/drawing/2010/main" val="0"/>
+              </a:ext>
+            </a:extLst>
+          </a:blip>
+          <a:stretch>
+            <a:fillRect/>
+          </a:stretch>
+        </p:blipFill>
+        <p:spPr>
+          <a:xfrm>
+            <a:off x="6322736" y="2219325"/>
+            <a:ext cx="2160000" cy="2160000"/>
+          </a:xfrm>
+          <a:prstGeom prst="rect">
+            <a:avLst/>
+          </a:prstGeom>
+          <a:effectLst>
+            <a:outerShdw blurRad="152400" dist="317500" dir="5400000" sx="90000" sy="-19000" rotWithShape="0">
+              <a:prstClr val="black">
+                <a:alpha val="15000"/>
+              </a:prstClr>
+            </a:outerShdw>
+          </a:effectLst>
+        </p:spPr>
+      </p:pic>
+      <p:pic>
+        <p:nvPicPr>
+          <p:cNvPr id="9" name="Grafik 8"/>
+          <p:cNvPicPr>
+            <a:picLocks noChangeAspect="1"/>
+          </p:cNvPicPr>
+          <p:nvPr/>
+        </p:nvPicPr>
+        <p:blipFill rotWithShape="1">
+          <a:blip r:embed="rId4" cstate="email">
+            <a:duotone>
+              <a:schemeClr val="accent2">
+                <a:shade val="45000"/>
+                <a:satMod val="135000"/>
+              </a:schemeClr>
+              <a:prstClr val="white"/>
+            </a:duotone>
+            <a:extLst>
+              <a:ext uri="{28A0092B-C50C-407E-A947-70E740481C1C}">
+                <a14:useLocalDpi xmlns:a14="http://schemas.microsoft.com/office/drawing/2010/main" val="0"/>
+              </a:ext>
+            </a:extLst>
+          </a:blip>
+          <a:srcRect l="4117" t="2811" r="3513" b="5622"/>
+          <a:stretch/>
+        </p:blipFill>
+        <p:spPr>
+          <a:xfrm>
+            <a:off x="3482526" y="2219325"/>
+            <a:ext cx="2178947" cy="2160000"/>
+          </a:xfrm>
+          <a:prstGeom prst="rect">
+            <a:avLst/>
+          </a:prstGeom>
+          <a:effectLst>
+            <a:outerShdw blurRad="152400" dist="317500" dir="5400000" sx="90000" sy="-19000" rotWithShape="0">
+              <a:prstClr val="black">
+                <a:alpha val="15000"/>
+              </a:prstClr>
+            </a:outerShdw>
+          </a:effectLst>
+        </p:spPr>
+      </p:pic>
+      <p:sp>
+        <p:nvSpPr>
+          <p:cNvPr id="11" name="Rechteck 10"/>
+          <p:cNvSpPr/>
+          <p:nvPr/>
+        </p:nvSpPr>
+        <p:spPr>
+          <a:xfrm>
+            <a:off x="3547183" y="5385299"/>
+            <a:ext cx="2049635" cy="733425"/>
+          </a:xfrm>
+          <a:prstGeom prst="rect">
+            <a:avLst/>
+          </a:prstGeom>
+          <a:solidFill>
+            <a:schemeClr val="tx2"/>
+          </a:solidFill>
+          <a:ln>
+            <a:noFill/>
+          </a:ln>
+          <a:effectLst>
+            <a:reflection blurRad="6350" stA="50000" endA="300" endPos="55500" dist="50800" dir="5400000" sy="-100000" algn="bl" rotWithShape="0"/>
+          </a:effectLst>
+        </p:spPr>
+        <p:style>
+          <a:lnRef idx="1">
+            <a:schemeClr val="accent1"/>
+          </a:lnRef>
+          <a:fillRef idx="3">
+            <a:schemeClr val="accent1"/>
+          </a:fillRef>
+          <a:effectRef idx="2">
+            <a:schemeClr val="accent1"/>
+          </a:effectRef>
+          <a:fontRef idx="minor">
+            <a:schemeClr val="lt1"/>
+          </a:fontRef>
+        </p:style>
+        <p:txBody>
+          <a:bodyPr rtlCol="0" anchor="ctr"/>
+          <a:lstStyle/>
+          <a:p>
+            <a:pPr algn="ctr"/>
+            <a:r>
+              <a:rPr lang="de-DE" sz="2700" dirty="0" smtClean="0">
+                <a:solidFill>
+                  <a:schemeClr val="accent3"/>
+                </a:solidFill>
+              </a:rPr>
+              <a:t>Imperium</a:t>
+            </a:r>
+          </a:p>
+        </p:txBody>
+      </p:sp>
+      <p:sp>
+        <p:nvSpPr>
+          <p:cNvPr id="12" name="Rechteck 11"/>
+          <p:cNvSpPr/>
+          <p:nvPr/>
+        </p:nvSpPr>
+        <p:spPr>
+          <a:xfrm>
+            <a:off x="716445" y="5385299"/>
+            <a:ext cx="2049635" cy="733425"/>
+          </a:xfrm>
+          <a:prstGeom prst="rect">
+            <a:avLst/>
+          </a:prstGeom>
+          <a:solidFill>
+            <a:schemeClr val="tx2"/>
+          </a:solidFill>
+          <a:ln>
+            <a:noFill/>
+          </a:ln>
+          <a:effectLst>
+            <a:reflection blurRad="6350" stA="50000" endA="300" endPos="55500" dist="50800" dir="5400000" sy="-100000" algn="bl" rotWithShape="0"/>
+          </a:effectLst>
+        </p:spPr>
+        <p:style>
+          <a:lnRef idx="1">
+            <a:schemeClr val="accent1"/>
+          </a:lnRef>
+          <a:fillRef idx="3">
+            <a:schemeClr val="accent1"/>
+          </a:fillRef>
+          <a:effectRef idx="2">
+            <a:schemeClr val="accent1"/>
+          </a:effectRef>
+          <a:fontRef idx="minor">
+            <a:schemeClr val="lt1"/>
+          </a:fontRef>
+        </p:style>
+        <p:txBody>
+          <a:bodyPr rtlCol="0" anchor="ctr"/>
+          <a:lstStyle/>
+          <a:p>
+            <a:pPr algn="ctr"/>
+            <a:r>
+              <a:rPr lang="de-DE" sz="2700" dirty="0" smtClean="0">
+                <a:solidFill>
+                  <a:schemeClr val="accent3"/>
+                </a:solidFill>
+              </a:rPr>
+              <a:t>Föderation</a:t>
+            </a:r>
+          </a:p>
+        </p:txBody>
+      </p:sp>
+      <p:sp>
+        <p:nvSpPr>
+          <p:cNvPr id="13" name="Rechteck 12"/>
+          <p:cNvSpPr/>
+          <p:nvPr/>
+        </p:nvSpPr>
+        <p:spPr>
+          <a:xfrm>
+            <a:off x="6377918" y="5385299"/>
+            <a:ext cx="2049635" cy="733425"/>
+          </a:xfrm>
+          <a:prstGeom prst="rect">
+            <a:avLst/>
+          </a:prstGeom>
+          <a:solidFill>
+            <a:schemeClr val="tx2"/>
+          </a:solidFill>
+          <a:ln>
+            <a:noFill/>
+          </a:ln>
+          <a:effectLst>
+            <a:reflection blurRad="6350" stA="50000" endA="300" endPos="55500" dist="50800" dir="5400000" sy="-100000" algn="bl" rotWithShape="0"/>
+          </a:effectLst>
+        </p:spPr>
+        <p:style>
+          <a:lnRef idx="1">
+            <a:schemeClr val="accent1"/>
+          </a:lnRef>
+          <a:fillRef idx="3">
+            <a:schemeClr val="accent1"/>
+          </a:fillRef>
+          <a:effectRef idx="2">
+            <a:schemeClr val="accent1"/>
+          </a:effectRef>
+          <a:fontRef idx="minor">
+            <a:schemeClr val="lt1"/>
+          </a:fontRef>
+        </p:style>
+        <p:txBody>
+          <a:bodyPr rtlCol="0" anchor="ctr"/>
+          <a:lstStyle/>
+          <a:p>
+            <a:pPr algn="ctr"/>
+            <a:r>
+              <a:rPr lang="de-DE" sz="2700" dirty="0" smtClean="0">
+                <a:solidFill>
+                  <a:schemeClr val="accent3"/>
+                </a:solidFill>
+              </a:rPr>
+              <a:t>Rebellen</a:t>
+            </a:r>
+          </a:p>
+        </p:txBody>
+      </p:sp>
+      <p:sp>
+        <p:nvSpPr>
+          <p:cNvPr id="15" name="Rechteck 14"/>
+          <p:cNvSpPr/>
+          <p:nvPr/>
+        </p:nvSpPr>
+        <p:spPr>
+          <a:xfrm>
+            <a:off x="651789" y="3331575"/>
+            <a:ext cx="2178947" cy="3237500"/>
+          </a:xfrm>
+          <a:prstGeom prst="rect">
+            <a:avLst/>
+          </a:prstGeom>
+          <a:solidFill>
+            <a:schemeClr val="bg1">
+              <a:alpha val="70000"/>
+            </a:schemeClr>
+          </a:solidFill>
+          <a:ln>
+            <a:noFill/>
+          </a:ln>
+          <a:scene3d>
+            <a:camera prst="obliqueTopRight"/>
+            <a:lightRig rig="threePt" dir="tl"/>
+          </a:scene3d>
+          <a:sp3d/>
+        </p:spPr>
+        <p:style>
+          <a:lnRef idx="1">
+            <a:schemeClr val="accent1"/>
+          </a:lnRef>
+          <a:fillRef idx="3">
+            <a:schemeClr val="accent1"/>
+          </a:fillRef>
+          <a:effectRef idx="2">
+            <a:schemeClr val="accent1"/>
+          </a:effectRef>
+          <a:fontRef idx="minor">
+            <a:schemeClr val="lt1"/>
+          </a:fontRef>
+        </p:style>
+        <p:txBody>
+          <a:bodyPr rtlCol="0" anchor="t" anchorCtr="0"/>
+          <a:lstStyle/>
+          <a:p>
+            <a:pPr marL="144000" indent="-144000">
+              <a:buFont typeface="Arial" pitchFamily="34" charset="0"/>
+              <a:buChar char="•"/>
+            </a:pPr>
+            <a:r>
+              <a:rPr lang="de-DE" b="1" dirty="0" smtClean="0">
+                <a:solidFill>
+                  <a:schemeClr val="tx2"/>
+                </a:solidFill>
+              </a:rPr>
+              <a:t>hält sich an Marktstandards</a:t>
+            </a:r>
+          </a:p>
+          <a:p>
+            <a:pPr marL="144000" indent="-144000">
+              <a:buFont typeface="Arial" pitchFamily="34" charset="0"/>
+              <a:buChar char="•"/>
+            </a:pPr>
+            <a:endParaRPr lang="de-DE" b="1" dirty="0">
+              <a:solidFill>
+                <a:schemeClr val="tx2"/>
+              </a:solidFill>
+            </a:endParaRPr>
+          </a:p>
+          <a:p>
+            <a:pPr marL="144000" indent="-144000">
+              <a:buFont typeface="Arial" pitchFamily="34" charset="0"/>
+              <a:buChar char="•"/>
+            </a:pPr>
+            <a:r>
+              <a:rPr lang="de-DE" b="1" dirty="0" smtClean="0">
+                <a:solidFill>
+                  <a:schemeClr val="tx2"/>
+                </a:solidFill>
+              </a:rPr>
+              <a:t>geht keine Risikos ein</a:t>
+            </a:r>
+            <a:endParaRPr lang="en-US" b="1" dirty="0">
+              <a:solidFill>
+                <a:schemeClr val="tx2"/>
+              </a:solidFill>
+            </a:endParaRPr>
+          </a:p>
+        </p:txBody>
+      </p:sp>
+      <p:sp>
+        <p:nvSpPr>
+          <p:cNvPr id="16" name="Rechteck 15"/>
+          <p:cNvSpPr/>
+          <p:nvPr/>
+        </p:nvSpPr>
+        <p:spPr>
+          <a:xfrm>
+            <a:off x="3482526" y="3331575"/>
+            <a:ext cx="2178947" cy="1935750"/>
+          </a:xfrm>
+          <a:prstGeom prst="rect">
+            <a:avLst/>
+          </a:prstGeom>
+          <a:solidFill>
+            <a:schemeClr val="bg1">
+              <a:alpha val="70000"/>
+            </a:schemeClr>
+          </a:solidFill>
+          <a:ln>
+            <a:noFill/>
+          </a:ln>
+          <a:scene3d>
+            <a:camera prst="obliqueTopRight"/>
+            <a:lightRig rig="threePt" dir="tl"/>
+          </a:scene3d>
+          <a:sp3d/>
+        </p:spPr>
+        <p:style>
+          <a:lnRef idx="1">
+            <a:schemeClr val="accent1"/>
+          </a:lnRef>
+          <a:fillRef idx="3">
+            <a:schemeClr val="accent1"/>
+          </a:fillRef>
+          <a:effectRef idx="2">
+            <a:schemeClr val="accent1"/>
+          </a:effectRef>
+          <a:fontRef idx="minor">
+            <a:schemeClr val="lt1"/>
+          </a:fontRef>
+        </p:style>
+        <p:txBody>
+          <a:bodyPr rtlCol="0" anchor="t" anchorCtr="0"/>
+          <a:lstStyle/>
+          <a:p>
+            <a:pPr marL="144000" indent="-144000">
+              <a:buFont typeface="Arial" pitchFamily="34" charset="0"/>
+              <a:buChar char="•"/>
+            </a:pPr>
+            <a:r>
+              <a:rPr lang="de-DE" b="1" dirty="0" smtClean="0">
+                <a:solidFill>
+                  <a:schemeClr val="tx2"/>
+                </a:solidFill>
+              </a:rPr>
+              <a:t>Dumping-Strategie</a:t>
+            </a:r>
+          </a:p>
+          <a:p>
+            <a:pPr marL="144000" indent="-144000">
+              <a:buFont typeface="Arial" pitchFamily="34" charset="0"/>
+              <a:buChar char="•"/>
+            </a:pPr>
+            <a:endParaRPr lang="de-DE" b="1" dirty="0">
+              <a:solidFill>
+                <a:schemeClr val="tx2"/>
+              </a:solidFill>
+            </a:endParaRPr>
+          </a:p>
+          <a:p>
+            <a:pPr marL="144000" indent="-144000">
+              <a:buFont typeface="Arial" pitchFamily="34" charset="0"/>
+              <a:buChar char="•"/>
+            </a:pPr>
+            <a:r>
+              <a:rPr lang="de-DE" b="1" dirty="0" smtClean="0">
+                <a:solidFill>
+                  <a:schemeClr val="tx2"/>
+                </a:solidFill>
+              </a:rPr>
+              <a:t>Überschwemmung des Marktes</a:t>
+            </a:r>
+          </a:p>
+          <a:p>
+            <a:pPr marL="144000" indent="-144000">
+              <a:buFont typeface="Arial" pitchFamily="34" charset="0"/>
+              <a:buChar char="•"/>
+            </a:pPr>
+            <a:endParaRPr lang="de-DE" b="1" dirty="0">
+              <a:solidFill>
+                <a:schemeClr val="tx2"/>
+              </a:solidFill>
+            </a:endParaRPr>
+          </a:p>
+          <a:p>
+            <a:pPr marL="144000" indent="-144000">
+              <a:buFont typeface="Arial" pitchFamily="34" charset="0"/>
+              <a:buChar char="•"/>
+            </a:pPr>
+            <a:r>
+              <a:rPr lang="de-DE" b="1" dirty="0" smtClean="0">
+                <a:solidFill>
+                  <a:schemeClr val="tx2"/>
+                </a:solidFill>
+              </a:rPr>
+              <a:t>niedrigste Preise</a:t>
+            </a:r>
+            <a:endParaRPr lang="en-US" b="1" dirty="0">
+              <a:solidFill>
+                <a:schemeClr val="tx2"/>
+              </a:solidFill>
+            </a:endParaRPr>
+          </a:p>
+        </p:txBody>
+      </p:sp>
+      <p:sp>
+        <p:nvSpPr>
+          <p:cNvPr id="17" name="Rechteck 16"/>
+          <p:cNvSpPr/>
+          <p:nvPr/>
+        </p:nvSpPr>
+        <p:spPr>
+          <a:xfrm>
+            <a:off x="6313261" y="2219325"/>
+            <a:ext cx="2178947" cy="4349750"/>
+          </a:xfrm>
+          <a:prstGeom prst="rect">
+            <a:avLst/>
+          </a:prstGeom>
+          <a:solidFill>
+            <a:schemeClr val="bg1">
+              <a:alpha val="70000"/>
+            </a:schemeClr>
+          </a:solidFill>
+          <a:ln>
+            <a:noFill/>
+          </a:ln>
+          <a:scene3d>
+            <a:camera prst="obliqueTopRight"/>
+            <a:lightRig rig="threePt" dir="tl"/>
+          </a:scene3d>
+          <a:sp3d/>
+        </p:spPr>
+        <p:style>
+          <a:lnRef idx="1">
+            <a:schemeClr val="accent1"/>
+          </a:lnRef>
+          <a:fillRef idx="3">
+            <a:schemeClr val="accent1"/>
+          </a:fillRef>
+          <a:effectRef idx="2">
+            <a:schemeClr val="accent1"/>
+          </a:effectRef>
+          <a:fontRef idx="minor">
+            <a:schemeClr val="lt1"/>
+          </a:fontRef>
+        </p:style>
+        <p:txBody>
+          <a:bodyPr rtlCol="0" anchor="t" anchorCtr="0"/>
+          <a:lstStyle/>
+          <a:p>
+            <a:pPr marL="144000" indent="-144000">
+              <a:buFont typeface="Arial" pitchFamily="34" charset="0"/>
+              <a:buChar char="•"/>
+            </a:pPr>
+            <a:endParaRPr lang="en-US" b="1" dirty="0">
+              <a:solidFill>
+                <a:schemeClr val="tx2"/>
+              </a:solidFill>
+            </a:endParaRPr>
+          </a:p>
+        </p:txBody>
+      </p:sp>
+    </p:spTree>
+    <p:extLst>
+      <p:ext uri="{BB962C8B-B14F-4D97-AF65-F5344CB8AC3E}">
+        <p14:creationId xmlns:p14="http://schemas.microsoft.com/office/powerpoint/2010/main" val="2641401194"/>
+      </p:ext>
+    </p:extLst>
+  </p:cSld>
+  <p:clrMapOvr>
+    <a:masterClrMapping/>
+  </p:clrMapOvr>
+  <mc:AlternateContent xmlns:mc="http://schemas.openxmlformats.org/markup-compatibility/2006">
+    <mc:Choice xmlns:p14="http://schemas.microsoft.com/office/powerpoint/2010/main" Requires="p14">
+      <p:transition spd="med" p14:dur="700">
+        <p:fade/>
+      </p:transition>
+    </mc:Choice>
+    <mc:Fallback>
+      <p:transition spd="med">
+        <p:fade/>
+      </p:transition>
+    </mc:Fallback>
+  </mc:AlternateContent>
+  <p:timing>
+    <p:tnLst>
+      <p:par>
+        <p:cTn id="1" dur="indefinite" restart="never" nodeType="tmRoot"/>
+      </p:par>
+    </p:tnLst>
+  </p:timing>
+</p:sld>
+</file>
+
+<file path=ppt/slides/slide13.xml><?xml version="1.0" encoding="utf-8"?>
+<p:sld xmlns:a="http://schemas.openxmlformats.org/drawingml/2006/main" xmlns:r="http://schemas.openxmlformats.org/officeDocument/2006/relationships" xmlns:p="http://schemas.openxmlformats.org/presentationml/2006/main">
+  <p:cSld>
+    <p:spTree>
+      <p:nvGrpSpPr>
+        <p:cNvPr id="1" name=""/>
+        <p:cNvGrpSpPr/>
+        <p:nvPr/>
+      </p:nvGrpSpPr>
+      <p:grpSpPr>
+        <a:xfrm>
+          <a:off x="0" y="0"/>
+          <a:ext cx="0" cy="0"/>
+          <a:chOff x="0" y="0"/>
+          <a:chExt cx="0" cy="0"/>
+        </a:xfrm>
+      </p:grpSpPr>
+      <p:sp>
+        <p:nvSpPr>
+          <p:cNvPr id="2" name="Titel 1"/>
+          <p:cNvSpPr>
+            <a:spLocks noGrp="1"/>
+          </p:cNvSpPr>
+          <p:nvPr>
+            <p:ph type="title"/>
+          </p:nvPr>
+        </p:nvSpPr>
+        <p:spPr/>
+        <p:txBody>
+          <a:bodyPr/>
+          <a:lstStyle/>
+          <a:p>
+            <a:r>
+              <a:rPr lang="de-DE" dirty="0" err="1" smtClean="0"/>
+              <a:t>jUnit</a:t>
+            </a:r>
+            <a:endParaRPr lang="en-US" dirty="0"/>
+          </a:p>
+        </p:txBody>
+      </p:sp>
+      <p:sp>
+        <p:nvSpPr>
+          <p:cNvPr id="4" name="Datumsplatzhalter 3"/>
+          <p:cNvSpPr>
+            <a:spLocks noGrp="1"/>
+          </p:cNvSpPr>
+          <p:nvPr>
+            <p:ph type="dt" sz="half" idx="10"/>
+          </p:nvPr>
+        </p:nvSpPr>
+        <p:spPr/>
+        <p:txBody>
+          <a:bodyPr/>
+          <a:lstStyle/>
+          <a:p>
+            <a:r>
+              <a:rPr lang="de-DE" smtClean="0"/>
+              <a:t>04.11.11</a:t>
+            </a:r>
+            <a:endParaRPr lang="en-US"/>
+          </a:p>
+        </p:txBody>
+      </p:sp>
+      <p:sp>
+        <p:nvSpPr>
+          <p:cNvPr id="5" name="Fußzeilenplatzhalter 4"/>
+          <p:cNvSpPr>
+            <a:spLocks noGrp="1"/>
+          </p:cNvSpPr>
+          <p:nvPr>
+            <p:ph type="ftr" sz="quarter" idx="11"/>
+          </p:nvPr>
+        </p:nvSpPr>
+        <p:spPr/>
+        <p:txBody>
+          <a:bodyPr/>
+          <a:lstStyle/>
+          <a:p>
+            <a:r>
+              <a:rPr lang="de-DE" smtClean="0"/>
+              <a:t>Star Greg</a:t>
+            </a:r>
+            <a:endParaRPr lang="en-US"/>
+          </a:p>
+        </p:txBody>
+      </p:sp>
+      <p:sp>
+        <p:nvSpPr>
+          <p:cNvPr id="6" name="Foliennummernplatzhalter 5"/>
+          <p:cNvSpPr>
+            <a:spLocks noGrp="1"/>
+          </p:cNvSpPr>
+          <p:nvPr>
+            <p:ph type="sldNum" sz="quarter" idx="12"/>
+          </p:nvPr>
+        </p:nvSpPr>
+        <p:spPr/>
+        <p:txBody>
+          <a:bodyPr/>
+          <a:lstStyle/>
+          <a:p>
+            <a:fld id="{4A822907-8A9D-4F6B-98F6-913902AD56B5}" type="slidenum">
+              <a:rPr lang="en-US" smtClean="0"/>
+              <a:t>13</a:t>
+            </a:fld>
+            <a:endParaRPr lang="en-US"/>
+          </a:p>
+        </p:txBody>
+      </p:sp>
+      <p:pic>
+        <p:nvPicPr>
+          <p:cNvPr id="7" name="Grafik 6"/>
+          <p:cNvPicPr>
+            <a:picLocks noChangeAspect="1"/>
+          </p:cNvPicPr>
+          <p:nvPr/>
+        </p:nvPicPr>
+        <p:blipFill rotWithShape="1">
+          <a:blip r:embed="rId3" cstate="email">
+            <a:extLst>
+              <a:ext uri="{28A0092B-C50C-407E-A947-70E740481C1C}">
+                <a14:useLocalDpi xmlns:a14="http://schemas.microsoft.com/office/drawing/2010/main" val="0"/>
+              </a:ext>
+            </a:extLst>
+          </a:blip>
+          <a:srcRect l="4597" t="5544" r="4382" b="4946"/>
+          <a:stretch/>
+        </p:blipFill>
+        <p:spPr>
+          <a:xfrm>
+            <a:off x="661263" y="2251575"/>
+            <a:ext cx="2160000" cy="2160000"/>
+          </a:xfrm>
+          <a:prstGeom prst="rect">
+            <a:avLst/>
+          </a:prstGeom>
+          <a:effectLst>
+            <a:outerShdw blurRad="152400" dist="317500" dir="5400000" sx="90000" sy="-19000" rotWithShape="0">
+              <a:prstClr val="black">
+                <a:alpha val="15000"/>
+              </a:prstClr>
+            </a:outerShdw>
+          </a:effectLst>
+        </p:spPr>
+      </p:pic>
+      <p:pic>
+        <p:nvPicPr>
+          <p:cNvPr id="8" name="Grafik 7"/>
+          <p:cNvPicPr>
+            <a:picLocks noChangeAspect="1"/>
+          </p:cNvPicPr>
+          <p:nvPr/>
+        </p:nvPicPr>
+        <p:blipFill>
+          <a:blip r:embed="rId4">
+            <a:duotone>
+              <a:schemeClr val="accent6">
+                <a:shade val="45000"/>
+                <a:satMod val="135000"/>
+              </a:schemeClr>
+              <a:prstClr val="white"/>
+            </a:duotone>
+            <a:extLst>
+              <a:ext uri="{28A0092B-C50C-407E-A947-70E740481C1C}">
+                <a14:useLocalDpi xmlns:a14="http://schemas.microsoft.com/office/drawing/2010/main" val="0"/>
+              </a:ext>
+            </a:extLst>
+          </a:blip>
+          <a:stretch>
+            <a:fillRect/>
+          </a:stretch>
+        </p:blipFill>
+        <p:spPr>
+          <a:xfrm>
+            <a:off x="6322736" y="2219325"/>
+            <a:ext cx="2160000" cy="2160000"/>
+          </a:xfrm>
+          <a:prstGeom prst="rect">
+            <a:avLst/>
+          </a:prstGeom>
+          <a:effectLst>
+            <a:outerShdw blurRad="152400" dist="317500" dir="5400000" sx="90000" sy="-19000" rotWithShape="0">
+              <a:prstClr val="black">
+                <a:alpha val="15000"/>
+              </a:prstClr>
+            </a:outerShdw>
+          </a:effectLst>
+        </p:spPr>
+      </p:pic>
+      <p:pic>
+        <p:nvPicPr>
+          <p:cNvPr id="9" name="Grafik 8"/>
+          <p:cNvPicPr>
+            <a:picLocks noChangeAspect="1"/>
+          </p:cNvPicPr>
+          <p:nvPr/>
+        </p:nvPicPr>
+        <p:blipFill rotWithShape="1">
+          <a:blip r:embed="rId5" cstate="email">
+            <a:duotone>
+              <a:schemeClr val="accent2">
+                <a:shade val="45000"/>
+                <a:satMod val="135000"/>
+              </a:schemeClr>
+              <a:prstClr val="white"/>
+            </a:duotone>
+            <a:extLst>
+              <a:ext uri="{28A0092B-C50C-407E-A947-70E740481C1C}">
+                <a14:useLocalDpi xmlns:a14="http://schemas.microsoft.com/office/drawing/2010/main" val="0"/>
+              </a:ext>
+            </a:extLst>
+          </a:blip>
+          <a:srcRect l="4117" t="2811" r="3513" b="5622"/>
+          <a:stretch/>
+        </p:blipFill>
+        <p:spPr>
+          <a:xfrm>
+            <a:off x="3482526" y="2219325"/>
+            <a:ext cx="2178947" cy="2160000"/>
+          </a:xfrm>
+          <a:prstGeom prst="rect">
+            <a:avLst/>
+          </a:prstGeom>
+          <a:effectLst>
+            <a:outerShdw blurRad="152400" dist="317500" dir="5400000" sx="90000" sy="-19000" rotWithShape="0">
+              <a:prstClr val="black">
+                <a:alpha val="15000"/>
+              </a:prstClr>
+            </a:outerShdw>
+          </a:effectLst>
+        </p:spPr>
+      </p:pic>
+      <p:sp>
+        <p:nvSpPr>
+          <p:cNvPr id="11" name="Rechteck 10"/>
+          <p:cNvSpPr/>
+          <p:nvPr/>
+        </p:nvSpPr>
+        <p:spPr>
+          <a:xfrm>
+            <a:off x="3547183" y="5385299"/>
+            <a:ext cx="2049635" cy="733425"/>
+          </a:xfrm>
+          <a:prstGeom prst="rect">
+            <a:avLst/>
+          </a:prstGeom>
+          <a:solidFill>
+            <a:schemeClr val="tx2"/>
+          </a:solidFill>
+          <a:ln>
+            <a:noFill/>
+          </a:ln>
+          <a:effectLst>
+            <a:reflection blurRad="6350" stA="50000" endA="300" endPos="55500" dist="50800" dir="5400000" sy="-100000" algn="bl" rotWithShape="0"/>
+          </a:effectLst>
+        </p:spPr>
+        <p:style>
+          <a:lnRef idx="1">
+            <a:schemeClr val="accent1"/>
+          </a:lnRef>
+          <a:fillRef idx="3">
+            <a:schemeClr val="accent1"/>
+          </a:fillRef>
+          <a:effectRef idx="2">
+            <a:schemeClr val="accent1"/>
+          </a:effectRef>
+          <a:fontRef idx="minor">
+            <a:schemeClr val="lt1"/>
+          </a:fontRef>
+        </p:style>
+        <p:txBody>
+          <a:bodyPr rtlCol="0" anchor="ctr"/>
+          <a:lstStyle/>
+          <a:p>
+            <a:pPr algn="ctr"/>
+            <a:r>
+              <a:rPr lang="de-DE" sz="2700" dirty="0" smtClean="0">
+                <a:solidFill>
+                  <a:schemeClr val="accent3"/>
+                </a:solidFill>
+              </a:rPr>
+              <a:t>Imperium</a:t>
+            </a:r>
+          </a:p>
+        </p:txBody>
+      </p:sp>
+      <p:sp>
+        <p:nvSpPr>
+          <p:cNvPr id="12" name="Rechteck 11"/>
+          <p:cNvSpPr/>
+          <p:nvPr/>
+        </p:nvSpPr>
+        <p:spPr>
+          <a:xfrm>
+            <a:off x="716445" y="5385299"/>
+            <a:ext cx="2049635" cy="733425"/>
+          </a:xfrm>
+          <a:prstGeom prst="rect">
+            <a:avLst/>
+          </a:prstGeom>
+          <a:solidFill>
+            <a:schemeClr val="tx2"/>
+          </a:solidFill>
+          <a:ln>
+            <a:noFill/>
+          </a:ln>
+          <a:effectLst>
+            <a:reflection blurRad="6350" stA="50000" endA="300" endPos="55500" dist="50800" dir="5400000" sy="-100000" algn="bl" rotWithShape="0"/>
+          </a:effectLst>
+        </p:spPr>
+        <p:style>
+          <a:lnRef idx="1">
+            <a:schemeClr val="accent1"/>
+          </a:lnRef>
+          <a:fillRef idx="3">
+            <a:schemeClr val="accent1"/>
+          </a:fillRef>
+          <a:effectRef idx="2">
+            <a:schemeClr val="accent1"/>
+          </a:effectRef>
+          <a:fontRef idx="minor">
+            <a:schemeClr val="lt1"/>
+          </a:fontRef>
+        </p:style>
+        <p:txBody>
+          <a:bodyPr rtlCol="0" anchor="ctr"/>
+          <a:lstStyle/>
+          <a:p>
+            <a:pPr algn="ctr"/>
+            <a:r>
+              <a:rPr lang="de-DE" sz="2700" dirty="0" smtClean="0">
+                <a:solidFill>
+                  <a:schemeClr val="accent3"/>
+                </a:solidFill>
+              </a:rPr>
+              <a:t>Föderation</a:t>
+            </a:r>
+          </a:p>
+        </p:txBody>
+      </p:sp>
+      <p:sp>
+        <p:nvSpPr>
+          <p:cNvPr id="13" name="Rechteck 12"/>
+          <p:cNvSpPr/>
+          <p:nvPr/>
+        </p:nvSpPr>
+        <p:spPr>
+          <a:xfrm>
+            <a:off x="6377918" y="5385299"/>
+            <a:ext cx="2049635" cy="733425"/>
+          </a:xfrm>
+          <a:prstGeom prst="rect">
+            <a:avLst/>
+          </a:prstGeom>
+          <a:solidFill>
+            <a:schemeClr val="tx2"/>
+          </a:solidFill>
+          <a:ln>
+            <a:noFill/>
+          </a:ln>
+          <a:effectLst>
+            <a:reflection blurRad="6350" stA="50000" endA="300" endPos="55500" dist="50800" dir="5400000" sy="-100000" algn="bl" rotWithShape="0"/>
+          </a:effectLst>
+        </p:spPr>
+        <p:style>
+          <a:lnRef idx="1">
+            <a:schemeClr val="accent1"/>
+          </a:lnRef>
+          <a:fillRef idx="3">
+            <a:schemeClr val="accent1"/>
+          </a:fillRef>
+          <a:effectRef idx="2">
+            <a:schemeClr val="accent1"/>
+          </a:effectRef>
+          <a:fontRef idx="minor">
+            <a:schemeClr val="lt1"/>
+          </a:fontRef>
+        </p:style>
+        <p:txBody>
+          <a:bodyPr rtlCol="0" anchor="ctr"/>
+          <a:lstStyle/>
+          <a:p>
+            <a:pPr algn="ctr"/>
+            <a:r>
+              <a:rPr lang="de-DE" sz="2700" dirty="0" smtClean="0">
+                <a:solidFill>
+                  <a:schemeClr val="accent3"/>
+                </a:solidFill>
+              </a:rPr>
+              <a:t>Rebellen</a:t>
+            </a:r>
+          </a:p>
+        </p:txBody>
+      </p:sp>
+      <p:sp>
+        <p:nvSpPr>
+          <p:cNvPr id="15" name="Rechteck 14"/>
+          <p:cNvSpPr/>
+          <p:nvPr/>
+        </p:nvSpPr>
+        <p:spPr>
+          <a:xfrm>
+            <a:off x="651789" y="3331575"/>
+            <a:ext cx="2178947" cy="3237499"/>
+          </a:xfrm>
+          <a:prstGeom prst="rect">
+            <a:avLst/>
+          </a:prstGeom>
+          <a:solidFill>
+            <a:schemeClr val="bg1">
+              <a:alpha val="70000"/>
+            </a:schemeClr>
+          </a:solidFill>
+          <a:ln>
+            <a:noFill/>
+          </a:ln>
+          <a:scene3d>
+            <a:camera prst="obliqueTopRight"/>
+            <a:lightRig rig="threePt" dir="tl"/>
+          </a:scene3d>
+          <a:sp3d/>
+        </p:spPr>
+        <p:style>
+          <a:lnRef idx="1">
+            <a:schemeClr val="accent1"/>
+          </a:lnRef>
+          <a:fillRef idx="3">
+            <a:schemeClr val="accent1"/>
+          </a:fillRef>
+          <a:effectRef idx="2">
+            <a:schemeClr val="accent1"/>
+          </a:effectRef>
+          <a:fontRef idx="minor">
+            <a:schemeClr val="lt1"/>
+          </a:fontRef>
+        </p:style>
+        <p:txBody>
+          <a:bodyPr rtlCol="0" anchor="t" anchorCtr="0"/>
+          <a:lstStyle/>
+          <a:p>
+            <a:pPr marL="144000" indent="-144000">
+              <a:buFont typeface="Arial" pitchFamily="34" charset="0"/>
+              <a:buChar char="•"/>
+            </a:pPr>
+            <a:r>
+              <a:rPr lang="de-DE" b="1" dirty="0" smtClean="0">
+                <a:solidFill>
+                  <a:schemeClr val="tx2"/>
+                </a:solidFill>
+              </a:rPr>
+              <a:t>hält sich an Marktstandards</a:t>
+            </a:r>
+          </a:p>
+          <a:p>
+            <a:pPr marL="144000" indent="-144000">
+              <a:buFont typeface="Arial" pitchFamily="34" charset="0"/>
+              <a:buChar char="•"/>
+            </a:pPr>
+            <a:endParaRPr lang="de-DE" b="1" dirty="0">
+              <a:solidFill>
+                <a:schemeClr val="tx2"/>
+              </a:solidFill>
+            </a:endParaRPr>
+          </a:p>
+          <a:p>
+            <a:pPr marL="144000" indent="-144000">
+              <a:buFont typeface="Arial" pitchFamily="34" charset="0"/>
+              <a:buChar char="•"/>
+            </a:pPr>
+            <a:r>
+              <a:rPr lang="de-DE" b="1" dirty="0" smtClean="0">
+                <a:solidFill>
+                  <a:schemeClr val="tx2"/>
+                </a:solidFill>
+              </a:rPr>
+              <a:t>geht keine Risikos ein</a:t>
+            </a:r>
+            <a:endParaRPr lang="en-US" b="1" dirty="0">
+              <a:solidFill>
+                <a:schemeClr val="tx2"/>
+              </a:solidFill>
+            </a:endParaRPr>
+          </a:p>
+        </p:txBody>
+      </p:sp>
+      <p:sp>
+        <p:nvSpPr>
+          <p:cNvPr id="16" name="Rechteck 15"/>
+          <p:cNvSpPr/>
+          <p:nvPr/>
+        </p:nvSpPr>
+        <p:spPr>
+          <a:xfrm>
+            <a:off x="3482526" y="3331575"/>
+            <a:ext cx="2178947" cy="3237500"/>
+          </a:xfrm>
+          <a:prstGeom prst="rect">
+            <a:avLst/>
+          </a:prstGeom>
+          <a:solidFill>
+            <a:schemeClr val="bg1">
+              <a:alpha val="70000"/>
+            </a:schemeClr>
+          </a:solidFill>
+          <a:ln>
+            <a:noFill/>
+          </a:ln>
+          <a:scene3d>
+            <a:camera prst="obliqueTopRight"/>
+            <a:lightRig rig="threePt" dir="tl"/>
+          </a:scene3d>
+          <a:sp3d/>
+        </p:spPr>
+        <p:style>
+          <a:lnRef idx="1">
+            <a:schemeClr val="accent1"/>
+          </a:lnRef>
+          <a:fillRef idx="3">
+            <a:schemeClr val="accent1"/>
+          </a:fillRef>
+          <a:effectRef idx="2">
+            <a:schemeClr val="accent1"/>
+          </a:effectRef>
+          <a:fontRef idx="minor">
+            <a:schemeClr val="lt1"/>
+          </a:fontRef>
+        </p:style>
+        <p:txBody>
+          <a:bodyPr rtlCol="0" anchor="t" anchorCtr="0"/>
+          <a:lstStyle/>
+          <a:p>
+            <a:pPr marL="144000" indent="-144000">
+              <a:buFont typeface="Arial" pitchFamily="34" charset="0"/>
+              <a:buChar char="•"/>
+            </a:pPr>
+            <a:r>
+              <a:rPr lang="de-DE" b="1" dirty="0" smtClean="0">
+                <a:solidFill>
+                  <a:schemeClr val="tx2"/>
+                </a:solidFill>
+              </a:rPr>
+              <a:t>Dumping-Strategie</a:t>
+            </a:r>
+          </a:p>
+          <a:p>
+            <a:pPr marL="144000" indent="-144000">
+              <a:buFont typeface="Arial" pitchFamily="34" charset="0"/>
+              <a:buChar char="•"/>
+            </a:pPr>
+            <a:endParaRPr lang="de-DE" b="1" dirty="0">
+              <a:solidFill>
+                <a:schemeClr val="tx2"/>
+              </a:solidFill>
+            </a:endParaRPr>
+          </a:p>
+          <a:p>
+            <a:pPr marL="144000" indent="-144000">
+              <a:buFont typeface="Arial" pitchFamily="34" charset="0"/>
+              <a:buChar char="•"/>
+            </a:pPr>
+            <a:r>
+              <a:rPr lang="de-DE" b="1" dirty="0" smtClean="0">
+                <a:solidFill>
+                  <a:schemeClr val="tx2"/>
+                </a:solidFill>
+              </a:rPr>
+              <a:t>Überschwemmung des Marktes</a:t>
+            </a:r>
+          </a:p>
+          <a:p>
+            <a:pPr marL="144000" indent="-144000">
+              <a:buFont typeface="Arial" pitchFamily="34" charset="0"/>
+              <a:buChar char="•"/>
+            </a:pPr>
+            <a:endParaRPr lang="de-DE" b="1" dirty="0">
+              <a:solidFill>
+                <a:schemeClr val="tx2"/>
+              </a:solidFill>
+            </a:endParaRPr>
+          </a:p>
+          <a:p>
+            <a:pPr marL="144000" indent="-144000">
+              <a:buFont typeface="Arial" pitchFamily="34" charset="0"/>
+              <a:buChar char="•"/>
+            </a:pPr>
+            <a:r>
+              <a:rPr lang="de-DE" b="1" dirty="0" smtClean="0">
+                <a:solidFill>
+                  <a:schemeClr val="tx2"/>
+                </a:solidFill>
+              </a:rPr>
+              <a:t>niedrigste Preise</a:t>
+            </a:r>
+            <a:endParaRPr lang="en-US" b="1" dirty="0">
+              <a:solidFill>
+                <a:schemeClr val="tx2"/>
+              </a:solidFill>
+            </a:endParaRPr>
+          </a:p>
+        </p:txBody>
+      </p:sp>
+      <p:sp>
+        <p:nvSpPr>
+          <p:cNvPr id="17" name="Rechteck 16"/>
+          <p:cNvSpPr/>
+          <p:nvPr/>
+        </p:nvSpPr>
+        <p:spPr>
+          <a:xfrm>
+            <a:off x="6313261" y="3331575"/>
+            <a:ext cx="2178947" cy="1935750"/>
+          </a:xfrm>
+          <a:prstGeom prst="rect">
+            <a:avLst/>
+          </a:prstGeom>
+          <a:solidFill>
+            <a:schemeClr val="bg1">
+              <a:alpha val="70000"/>
+            </a:schemeClr>
+          </a:solidFill>
+          <a:ln>
+            <a:noFill/>
+          </a:ln>
+          <a:scene3d>
+            <a:camera prst="obliqueTopRight"/>
+            <a:lightRig rig="threePt" dir="tl"/>
+          </a:scene3d>
+          <a:sp3d/>
+        </p:spPr>
+        <p:style>
+          <a:lnRef idx="1">
+            <a:schemeClr val="accent1"/>
+          </a:lnRef>
+          <a:fillRef idx="3">
+            <a:schemeClr val="accent1"/>
+          </a:fillRef>
+          <a:effectRef idx="2">
+            <a:schemeClr val="accent1"/>
+          </a:effectRef>
+          <a:fontRef idx="minor">
+            <a:schemeClr val="lt1"/>
+          </a:fontRef>
+        </p:style>
+        <p:txBody>
+          <a:bodyPr rtlCol="0" anchor="t" anchorCtr="0"/>
+          <a:lstStyle/>
+          <a:p>
+            <a:pPr marL="144000" indent="-144000">
+              <a:buFont typeface="Arial" pitchFamily="34" charset="0"/>
+              <a:buChar char="•"/>
+            </a:pPr>
+            <a:r>
+              <a:rPr lang="de-DE" b="1" dirty="0" smtClean="0">
+                <a:solidFill>
+                  <a:schemeClr val="tx2"/>
+                </a:solidFill>
+              </a:rPr>
+              <a:t>qualitativer Ansatz</a:t>
+            </a:r>
+          </a:p>
+          <a:p>
+            <a:pPr marL="144000" indent="-144000">
+              <a:buFont typeface="Arial" pitchFamily="34" charset="0"/>
+              <a:buChar char="•"/>
+            </a:pPr>
+            <a:endParaRPr lang="de-DE" b="1" dirty="0">
+              <a:solidFill>
+                <a:schemeClr val="tx2"/>
+              </a:solidFill>
+            </a:endParaRPr>
+          </a:p>
+          <a:p>
+            <a:pPr marL="144000" indent="-144000">
+              <a:buFont typeface="Arial" pitchFamily="34" charset="0"/>
+              <a:buChar char="•"/>
+            </a:pPr>
+            <a:r>
+              <a:rPr lang="de-DE" b="1" dirty="0" smtClean="0">
+                <a:solidFill>
+                  <a:schemeClr val="tx2"/>
+                </a:solidFill>
+              </a:rPr>
+              <a:t>investitionsbereit</a:t>
+            </a:r>
+            <a:endParaRPr lang="en-US" b="1" dirty="0">
+              <a:solidFill>
+                <a:schemeClr val="tx2"/>
+              </a:solidFill>
+            </a:endParaRPr>
+          </a:p>
+        </p:txBody>
+      </p:sp>
+    </p:spTree>
+    <p:extLst>
+      <p:ext uri="{BB962C8B-B14F-4D97-AF65-F5344CB8AC3E}">
+        <p14:creationId xmlns:p14="http://schemas.microsoft.com/office/powerpoint/2010/main" val="269173366"/>
+      </p:ext>
+    </p:extLst>
+  </p:cSld>
+  <p:clrMapOvr>
+    <a:masterClrMapping/>
+  </p:clrMapOvr>
+  <mc:AlternateContent xmlns:mc="http://schemas.openxmlformats.org/markup-compatibility/2006">
+    <mc:Choice xmlns:p14="http://schemas.microsoft.com/office/powerpoint/2010/main" Requires="p14">
+      <p:transition spd="med" p14:dur="700">
+        <p:fade/>
+      </p:transition>
+    </mc:Choice>
+    <mc:Fallback>
+      <p:transition spd="med">
+        <p:fade/>
+      </p:transition>
+    </mc:Fallback>
+  </mc:AlternateContent>
+  <p:timing>
+    <p:tnLst>
+      <p:par>
+        <p:cTn id="1" dur="indefinite" restart="never" nodeType="tmRoot"/>
+      </p:par>
+    </p:tnLst>
+  </p:timing>
+</p:sld>
+</file>
+
+<file path=ppt/slides/slide14.xml><?xml version="1.0" encoding="utf-8"?>
+<p:sld xmlns:a="http://schemas.openxmlformats.org/drawingml/2006/main" xmlns:r="http://schemas.openxmlformats.org/officeDocument/2006/relationships" xmlns:p="http://schemas.openxmlformats.org/presentationml/2006/main">
+  <p:cSld>
+    <p:spTree>
+      <p:nvGrpSpPr>
+        <p:cNvPr id="1" name=""/>
+        <p:cNvGrpSpPr/>
+        <p:nvPr/>
+      </p:nvGrpSpPr>
+      <p:grpSpPr>
+        <a:xfrm>
+          <a:off x="0" y="0"/>
+          <a:ext cx="0" cy="0"/>
+          <a:chOff x="0" y="0"/>
+          <a:chExt cx="0" cy="0"/>
+        </a:xfrm>
+      </p:grpSpPr>
+      <p:sp>
+        <p:nvSpPr>
+          <p:cNvPr id="2" name="Titel 1"/>
+          <p:cNvSpPr>
+            <a:spLocks noGrp="1"/>
+          </p:cNvSpPr>
+          <p:nvPr>
+            <p:ph type="title"/>
+          </p:nvPr>
+        </p:nvSpPr>
+        <p:spPr/>
+        <p:txBody>
+          <a:bodyPr/>
+          <a:lstStyle/>
+          <a:p>
+            <a:r>
+              <a:rPr lang="de-DE" dirty="0" smtClean="0">
+                <a:solidFill>
+                  <a:srgbClr val="E4C402"/>
+                </a:solidFill>
+              </a:rPr>
+              <a:t>Vielen Dank für Eure Aufmerksamkeit!</a:t>
+            </a:r>
+            <a:endParaRPr lang="de-DE" dirty="0">
+              <a:solidFill>
+                <a:srgbClr val="E4C402"/>
+              </a:solidFill>
+            </a:endParaRPr>
+          </a:p>
+        </p:txBody>
+      </p:sp>
+      <p:sp>
+        <p:nvSpPr>
+          <p:cNvPr id="3" name="Datumsplatzhalter 2"/>
+          <p:cNvSpPr>
+            <a:spLocks noGrp="1"/>
+          </p:cNvSpPr>
+          <p:nvPr>
+            <p:ph type="dt" sz="half" idx="10"/>
+          </p:nvPr>
+        </p:nvSpPr>
+        <p:spPr/>
+        <p:txBody>
+          <a:bodyPr/>
+          <a:lstStyle/>
+          <a:p>
+            <a:r>
+              <a:rPr lang="de-DE" smtClean="0"/>
+              <a:t>04.11.11</a:t>
+            </a:r>
+            <a:endParaRPr lang="en-US"/>
+          </a:p>
+        </p:txBody>
+      </p:sp>
+      <p:sp>
+        <p:nvSpPr>
+          <p:cNvPr id="4" name="Fußzeilenplatzhalter 3"/>
+          <p:cNvSpPr>
+            <a:spLocks noGrp="1"/>
+          </p:cNvSpPr>
+          <p:nvPr>
+            <p:ph type="ftr" sz="quarter" idx="11"/>
+          </p:nvPr>
+        </p:nvSpPr>
+        <p:spPr/>
+        <p:txBody>
+          <a:bodyPr/>
+          <a:lstStyle/>
+          <a:p>
+            <a:r>
+              <a:rPr lang="de-DE" smtClean="0"/>
+              <a:t>Star Greg</a:t>
+            </a:r>
+            <a:endParaRPr lang="en-US"/>
+          </a:p>
+        </p:txBody>
+      </p:sp>
+      <p:sp>
+        <p:nvSpPr>
+          <p:cNvPr id="5" name="Foliennummernplatzhalter 4"/>
+          <p:cNvSpPr>
+            <a:spLocks noGrp="1"/>
+          </p:cNvSpPr>
+          <p:nvPr>
+            <p:ph type="sldNum" sz="quarter" idx="12"/>
+          </p:nvPr>
+        </p:nvSpPr>
+        <p:spPr/>
+        <p:txBody>
+          <a:bodyPr/>
+          <a:lstStyle/>
+          <a:p>
+            <a:fld id="{4A822907-8A9D-4F6B-98F6-913902AD56B5}" type="slidenum">
+              <a:rPr lang="en-US" smtClean="0"/>
+              <a:t>14</a:t>
+            </a:fld>
+            <a:endParaRPr lang="en-US"/>
+          </a:p>
+        </p:txBody>
+      </p:sp>
+    </p:spTree>
+    <p:extLst>
+      <p:ext uri="{BB962C8B-B14F-4D97-AF65-F5344CB8AC3E}">
+        <p14:creationId xmlns:p14="http://schemas.microsoft.com/office/powerpoint/2010/main" val="2161015239"/>
+      </p:ext>
+    </p:extLst>
+  </p:cSld>
+  <p:clrMapOvr>
+    <a:masterClrMapping/>
+  </p:clrMapOvr>
+  <p:timing>
+    <p:tnLst>
+      <p:par>
+        <p:cTn id="1" dur="indefinite" restart="never" nodeType="tmRoot"/>
+      </p:par>
+    </p:tnLst>
+  </p:timing>
+</p:sld>
+</file>
+
 <file path=ppt/slides/slide2.xml><?xml version="1.0" encoding="utf-8"?>
 <p:sld xmlns:a="http://schemas.openxmlformats.org/drawingml/2006/main" xmlns:r="http://schemas.openxmlformats.org/officeDocument/2006/relationships" xmlns:p="http://schemas.openxmlformats.org/presentationml/2006/main">
   <p:cSld>
@@ -9232,7 +12531,7 @@
                   <a:srgbClr val="E4C402"/>
                 </a:solidFill>
               </a:rPr>
-              <a:t>Implementierung</a:t>
+              <a:t>Modellierung &amp; Implementierung</a:t>
             </a:r>
             <a:endParaRPr lang="de-DE" dirty="0">
               <a:solidFill>
@@ -9321,6 +12620,13 @@
   <p:clrMapOvr>
     <a:masterClrMapping/>
   </p:clrMapOvr>
+  <p:timing>
+    <p:tnLst>
+      <p:par>
+        <p:cTn id="1" dur="indefinite" restart="never" nodeType="tmRoot"/>
+      </p:par>
+    </p:tnLst>
+  </p:timing>
 </p:sld>
 </file>
 
@@ -9358,7 +12664,7 @@
           <a:p>
             <a:r>
               <a:rPr lang="de-DE" dirty="0" smtClean="0"/>
-              <a:t>Fachkonzept</a:t>
+              <a:t>Entwurfsphase</a:t>
             </a:r>
             <a:endParaRPr lang="de-DE" dirty="0"/>
           </a:p>
@@ -9447,6 +12753,14 @@
           <a:prstGeom prst="rect">
             <a:avLst/>
           </a:prstGeom>
+          <a:solidFill>
+            <a:schemeClr val="tx2"/>
+          </a:solidFill>
+          <a:ln>
+            <a:solidFill>
+              <a:schemeClr val="tx2"/>
+            </a:solidFill>
+          </a:ln>
         </p:spPr>
         <p:style>
           <a:lnRef idx="1">
@@ -9468,10 +12782,18 @@
           <a:p>
             <a:pPr algn="ctr"/>
             <a:r>
-              <a:rPr lang="de-DE" dirty="0" smtClean="0"/>
+              <a:rPr lang="de-DE" dirty="0" smtClean="0">
+                <a:solidFill>
+                  <a:schemeClr val="accent3"/>
+                </a:solidFill>
+              </a:rPr>
               <a:t>Spiel</a:t>
             </a:r>
-            <a:endParaRPr lang="en-US" dirty="0"/>
+            <a:endParaRPr lang="en-US" dirty="0">
+              <a:solidFill>
+                <a:schemeClr val="accent3"/>
+              </a:solidFill>
+            </a:endParaRPr>
           </a:p>
         </p:txBody>
       </p:sp>
@@ -9489,6 +12811,14 @@
           <a:prstGeom prst="rect">
             <a:avLst/>
           </a:prstGeom>
+          <a:solidFill>
+            <a:schemeClr val="tx2"/>
+          </a:solidFill>
+          <a:ln>
+            <a:solidFill>
+              <a:schemeClr val="tx2"/>
+            </a:solidFill>
+          </a:ln>
         </p:spPr>
         <p:style>
           <a:lnRef idx="1">
@@ -9510,10 +12840,18 @@
           <a:p>
             <a:pPr algn="ctr"/>
             <a:r>
-              <a:rPr lang="de-DE" dirty="0" smtClean="0"/>
+              <a:rPr lang="de-DE" dirty="0" smtClean="0">
+                <a:solidFill>
+                  <a:schemeClr val="accent3"/>
+                </a:solidFill>
+              </a:rPr>
               <a:t>Unternehmen</a:t>
             </a:r>
-            <a:endParaRPr lang="en-US" dirty="0"/>
+            <a:endParaRPr lang="en-US" dirty="0">
+              <a:solidFill>
+                <a:schemeClr val="accent3"/>
+              </a:solidFill>
+            </a:endParaRPr>
           </a:p>
         </p:txBody>
       </p:sp>
@@ -9531,6 +12869,14 @@
           <a:prstGeom prst="rect">
             <a:avLst/>
           </a:prstGeom>
+          <a:solidFill>
+            <a:schemeClr val="tx2"/>
+          </a:solidFill>
+          <a:ln>
+            <a:solidFill>
+              <a:schemeClr val="tx2"/>
+            </a:solidFill>
+          </a:ln>
         </p:spPr>
         <p:style>
           <a:lnRef idx="1">
@@ -9552,7 +12898,11 @@
           <a:p>
             <a:pPr algn="ctr"/>
             <a:r>
-              <a:rPr lang="de-DE" dirty="0" smtClean="0"/>
+              <a:rPr lang="de-DE" dirty="0" smtClean="0">
+                <a:solidFill>
+                  <a:schemeClr val="accent3"/>
+                </a:solidFill>
+              </a:rPr>
               <a:t>Markt</a:t>
             </a:r>
           </a:p>
@@ -9572,6 +12922,14 @@
           <a:prstGeom prst="rect">
             <a:avLst/>
           </a:prstGeom>
+          <a:solidFill>
+            <a:schemeClr val="tx2"/>
+          </a:solidFill>
+          <a:ln>
+            <a:solidFill>
+              <a:schemeClr val="tx2"/>
+            </a:solidFill>
+          </a:ln>
         </p:spPr>
         <p:style>
           <a:lnRef idx="1">
@@ -9593,10 +12951,18 @@
           <a:p>
             <a:pPr algn="ctr"/>
             <a:r>
-              <a:rPr lang="de-DE" dirty="0" err="1" smtClean="0"/>
+              <a:rPr lang="de-DE" dirty="0" err="1" smtClean="0">
+                <a:solidFill>
+                  <a:schemeClr val="accent3"/>
+                </a:solidFill>
+              </a:rPr>
               <a:t>SpielRunde</a:t>
             </a:r>
-            <a:endParaRPr lang="en-US" dirty="0"/>
+            <a:endParaRPr lang="en-US" dirty="0">
+              <a:solidFill>
+                <a:schemeClr val="accent3"/>
+              </a:solidFill>
+            </a:endParaRPr>
           </a:p>
         </p:txBody>
       </p:sp>
@@ -9608,12 +12974,20 @@
         </p:nvSpPr>
         <p:spPr>
           <a:xfrm>
-            <a:off x="3606833" y="5560831"/>
+            <a:off x="4816072" y="5495635"/>
             <a:ext cx="1800000" cy="720000"/>
           </a:xfrm>
           <a:prstGeom prst="rect">
             <a:avLst/>
           </a:prstGeom>
+          <a:solidFill>
+            <a:schemeClr val="tx2"/>
+          </a:solidFill>
+          <a:ln>
+            <a:solidFill>
+              <a:schemeClr val="tx2"/>
+            </a:solidFill>
+          </a:ln>
         </p:spPr>
         <p:style>
           <a:lnRef idx="1">
@@ -9635,10 +13009,18 @@
           <a:p>
             <a:pPr algn="ctr"/>
             <a:r>
-              <a:rPr lang="de-DE" dirty="0" err="1" smtClean="0"/>
+              <a:rPr lang="de-DE" dirty="0" err="1" smtClean="0">
+                <a:solidFill>
+                  <a:schemeClr val="accent3"/>
+                </a:solidFill>
+              </a:rPr>
               <a:t>RaumschiffTyp</a:t>
             </a:r>
-            <a:endParaRPr lang="en-US" dirty="0"/>
+            <a:endParaRPr lang="en-US" dirty="0">
+              <a:solidFill>
+                <a:schemeClr val="accent3"/>
+              </a:solidFill>
+            </a:endParaRPr>
           </a:p>
         </p:txBody>
       </p:sp>
@@ -9650,12 +13032,20 @@
         </p:nvSpPr>
         <p:spPr>
           <a:xfrm>
-            <a:off x="7113813" y="5560831"/>
+            <a:off x="7113813" y="5495634"/>
             <a:ext cx="1800000" cy="720000"/>
           </a:xfrm>
           <a:prstGeom prst="rect">
             <a:avLst/>
           </a:prstGeom>
+          <a:solidFill>
+            <a:schemeClr val="tx2"/>
+          </a:solidFill>
+          <a:ln>
+            <a:solidFill>
+              <a:schemeClr val="tx2"/>
+            </a:solidFill>
+          </a:ln>
         </p:spPr>
         <p:style>
           <a:lnRef idx="1">
@@ -9677,10 +13067,18 @@
           <a:p>
             <a:pPr algn="ctr"/>
             <a:r>
-              <a:rPr lang="de-DE" dirty="0" err="1" smtClean="0"/>
+              <a:rPr lang="de-DE" dirty="0" err="1" smtClean="0">
+                <a:solidFill>
+                  <a:schemeClr val="accent3"/>
+                </a:solidFill>
+              </a:rPr>
               <a:t>BauteilTyp</a:t>
             </a:r>
-            <a:endParaRPr lang="en-US" dirty="0"/>
+            <a:endParaRPr lang="en-US" dirty="0">
+              <a:solidFill>
+                <a:schemeClr val="accent3"/>
+              </a:solidFill>
+            </a:endParaRPr>
           </a:p>
         </p:txBody>
       </p:sp>
@@ -9692,12 +13090,20 @@
         </p:nvSpPr>
         <p:spPr>
           <a:xfrm>
-            <a:off x="182571" y="5560831"/>
+            <a:off x="2518330" y="5495635"/>
             <a:ext cx="1800000" cy="720000"/>
           </a:xfrm>
           <a:prstGeom prst="rect">
             <a:avLst/>
           </a:prstGeom>
+          <a:solidFill>
+            <a:schemeClr val="tx2"/>
+          </a:solidFill>
+          <a:ln>
+            <a:solidFill>
+              <a:schemeClr val="tx2"/>
+            </a:solidFill>
+          </a:ln>
         </p:spPr>
         <p:style>
           <a:lnRef idx="1">
@@ -9719,102 +13125,21 @@
           <a:p>
             <a:pPr algn="ctr"/>
             <a:r>
-              <a:rPr lang="de-DE" dirty="0" err="1" smtClean="0"/>
+              <a:rPr lang="de-DE" dirty="0" err="1" smtClean="0">
+                <a:solidFill>
+                  <a:schemeClr val="accent3"/>
+                </a:solidFill>
+              </a:rPr>
               <a:t>PersonalTyp</a:t>
             </a:r>
-            <a:endParaRPr lang="en-US" dirty="0"/>
-          </a:p>
-        </p:txBody>
-      </p:sp>
-      <p:grpSp>
-        <p:nvGrpSpPr>
-          <p:cNvPr id="18" name="Gruppieren 17"/>
-          <p:cNvGrpSpPr/>
-          <p:nvPr/>
-        </p:nvGrpSpPr>
-        <p:grpSpPr>
-          <a:xfrm>
-            <a:off x="5406833" y="2553123"/>
-            <a:ext cx="1706980" cy="369332"/>
-            <a:chOff x="5406833" y="2553123"/>
-            <a:chExt cx="1706980" cy="369332"/>
-          </a:xfrm>
-        </p:grpSpPr>
-        <p:cxnSp>
-          <p:nvCxnSpPr>
-            <p:cNvPr id="16" name="Gerade Verbindung mit Pfeil 15"/>
-            <p:cNvCxnSpPr>
-              <a:stCxn id="7" idx="3"/>
-              <a:endCxn id="10" idx="1"/>
-            </p:cNvCxnSpPr>
-            <p:nvPr/>
-          </p:nvCxnSpPr>
-          <p:spPr>
-            <a:xfrm>
-              <a:off x="5406833" y="2869288"/>
-              <a:ext cx="1706980" cy="0"/>
-            </a:xfrm>
-            <a:prstGeom prst="straightConnector1">
-              <a:avLst/>
-            </a:prstGeom>
-            <a:ln>
-              <a:tailEnd type="arrow"/>
-            </a:ln>
-          </p:spPr>
-          <p:style>
-            <a:lnRef idx="2">
-              <a:schemeClr val="accent1"/>
-            </a:lnRef>
-            <a:fillRef idx="0">
-              <a:schemeClr val="accent1"/>
-            </a:fillRef>
-            <a:effectRef idx="1">
-              <a:schemeClr val="accent1"/>
-            </a:effectRef>
-            <a:fontRef idx="minor">
-              <a:schemeClr val="tx1"/>
-            </a:fontRef>
-          </p:style>
-        </p:cxnSp>
-        <p:sp>
-          <p:nvSpPr>
-            <p:cNvPr id="17" name="Textfeld 16"/>
-            <p:cNvSpPr txBox="1"/>
-            <p:nvPr/>
-          </p:nvSpPr>
-          <p:spPr>
-            <a:xfrm>
-              <a:off x="6772940" y="2553123"/>
-              <a:ext cx="276447" cy="369332"/>
-            </a:xfrm>
-            <a:prstGeom prst="rect">
-              <a:avLst/>
-            </a:prstGeom>
-            <a:noFill/>
-          </p:spPr>
-          <p:txBody>
-            <a:bodyPr wrap="square" rtlCol="0">
-              <a:spAutoFit/>
-            </a:bodyPr>
-            <a:lstStyle/>
-            <a:p>
-              <a:r>
-                <a:rPr lang="de-DE" dirty="0">
-                  <a:solidFill>
-                    <a:schemeClr val="accent1"/>
-                  </a:solidFill>
-                </a:rPr>
-                <a:t>*</a:t>
-              </a:r>
-              <a:endParaRPr lang="en-US" dirty="0">
-                <a:solidFill>
-                  <a:schemeClr val="accent1"/>
-                </a:solidFill>
-              </a:endParaRPr>
-            </a:p>
-          </p:txBody>
-        </p:sp>
-      </p:grpSp>
+            <a:endParaRPr lang="en-US" dirty="0">
+              <a:solidFill>
+                <a:schemeClr val="accent3"/>
+              </a:solidFill>
+            </a:endParaRPr>
+          </a:p>
+        </p:txBody>
+      </p:sp>
       <p:grpSp>
         <p:nvGrpSpPr>
           <p:cNvPr id="19" name="Gruppieren 18"/>
@@ -9824,10 +13149,13 @@
         <p:grpSpPr>
           <a:xfrm flipH="1">
             <a:off x="2020587" y="2576794"/>
-            <a:ext cx="1586245" cy="369332"/>
+            <a:ext cx="1586245" cy="400110"/>
             <a:chOff x="5406833" y="2553123"/>
-            <a:chExt cx="1706980" cy="369332"/>
+            <a:chExt cx="1706980" cy="400110"/>
           </a:xfrm>
+          <a:solidFill>
+            <a:schemeClr val="tx2"/>
+          </a:solidFill>
         </p:grpSpPr>
         <p:cxnSp>
           <p:nvCxnSpPr>
@@ -9843,7 +13171,11 @@
             <a:prstGeom prst="straightConnector1">
               <a:avLst/>
             </a:prstGeom>
+            <a:grpFill/>
             <a:ln>
+              <a:solidFill>
+                <a:schemeClr val="tx2"/>
+              </a:solidFill>
               <a:tailEnd type="arrow"/>
             </a:ln>
           </p:spPr>
@@ -9871,12 +13203,15 @@
           <p:spPr>
             <a:xfrm>
               <a:off x="6772940" y="2553123"/>
-              <a:ext cx="276447" cy="369332"/>
+              <a:ext cx="276447" cy="400110"/>
             </a:xfrm>
             <a:prstGeom prst="rect">
               <a:avLst/>
             </a:prstGeom>
             <a:noFill/>
+            <a:ln>
+              <a:noFill/>
+            </a:ln>
           </p:spPr>
           <p:txBody>
             <a:bodyPr wrap="square" rtlCol="0">
@@ -9885,16 +13220,16 @@
             <a:lstStyle/>
             <a:p>
               <a:r>
-                <a:rPr lang="de-DE" dirty="0">
+                <a:rPr lang="de-DE" sz="2000" b="1" dirty="0">
                   <a:solidFill>
-                    <a:schemeClr val="accent1"/>
+                    <a:schemeClr val="tx2"/>
                   </a:solidFill>
                 </a:rPr>
                 <a:t>*</a:t>
               </a:r>
-              <a:endParaRPr lang="en-US" dirty="0">
+              <a:endParaRPr lang="en-US" sz="2000" b="1" dirty="0">
                 <a:solidFill>
-                  <a:schemeClr val="accent1"/>
+                  <a:schemeClr val="tx2"/>
                 </a:solidFill>
               </a:endParaRPr>
             </a:p>
@@ -9915,6 +13250,14 @@
           <a:prstGeom prst="rect">
             <a:avLst/>
           </a:prstGeom>
+          <a:solidFill>
+            <a:schemeClr val="tx2"/>
+          </a:solidFill>
+          <a:ln>
+            <a:solidFill>
+              <a:schemeClr val="tx2"/>
+            </a:solidFill>
+          </a:ln>
         </p:spPr>
         <p:style>
           <a:lnRef idx="1">
@@ -9936,99 +13279,21 @@
           <a:p>
             <a:pPr algn="ctr"/>
             <a:r>
-              <a:rPr lang="de-DE" dirty="0" smtClean="0"/>
+              <a:rPr lang="de-DE" dirty="0" smtClean="0">
+                <a:solidFill>
+                  <a:schemeClr val="accent3"/>
+                </a:solidFill>
+              </a:rPr>
               <a:t>Abteilung</a:t>
             </a:r>
-            <a:endParaRPr lang="en-US" dirty="0"/>
-          </a:p>
-        </p:txBody>
-      </p:sp>
-      <p:grpSp>
-        <p:nvGrpSpPr>
-          <p:cNvPr id="23" name="Gruppieren 22"/>
-          <p:cNvGrpSpPr/>
-          <p:nvPr/>
-        </p:nvGrpSpPr>
-        <p:grpSpPr>
-          <a:xfrm rot="16200000" flipH="1">
-            <a:off x="698294" y="3387159"/>
-            <a:ext cx="768554" cy="452816"/>
-            <a:chOff x="5406833" y="2553123"/>
-            <a:chExt cx="1706980" cy="369332"/>
-          </a:xfrm>
-        </p:grpSpPr>
-        <p:cxnSp>
-          <p:nvCxnSpPr>
-            <p:cNvPr id="24" name="Gerade Verbindung mit Pfeil 23"/>
-            <p:cNvCxnSpPr/>
-            <p:nvPr/>
-          </p:nvCxnSpPr>
-          <p:spPr>
-            <a:xfrm>
-              <a:off x="5406833" y="2869288"/>
-              <a:ext cx="1706980" cy="0"/>
-            </a:xfrm>
-            <a:prstGeom prst="straightConnector1">
-              <a:avLst/>
-            </a:prstGeom>
-            <a:ln>
-              <a:tailEnd type="arrow"/>
-            </a:ln>
-          </p:spPr>
-          <p:style>
-            <a:lnRef idx="2">
-              <a:schemeClr val="accent1"/>
-            </a:lnRef>
-            <a:fillRef idx="0">
-              <a:schemeClr val="accent1"/>
-            </a:fillRef>
-            <a:effectRef idx="1">
-              <a:schemeClr val="accent1"/>
-            </a:effectRef>
-            <a:fontRef idx="minor">
-              <a:schemeClr val="tx1"/>
-            </a:fontRef>
-          </p:style>
-        </p:cxnSp>
-        <p:sp>
-          <p:nvSpPr>
-            <p:cNvPr id="25" name="Textfeld 24"/>
-            <p:cNvSpPr txBox="1"/>
-            <p:nvPr/>
-          </p:nvSpPr>
-          <p:spPr>
-            <a:xfrm>
-              <a:off x="6772940" y="2553123"/>
-              <a:ext cx="276447" cy="369332"/>
-            </a:xfrm>
-            <a:prstGeom prst="rect">
-              <a:avLst/>
-            </a:prstGeom>
-            <a:noFill/>
-          </p:spPr>
-          <p:txBody>
-            <a:bodyPr wrap="square" rtlCol="0">
-              <a:spAutoFit/>
-            </a:bodyPr>
-            <a:lstStyle/>
-            <a:p>
-              <a:r>
-                <a:rPr lang="de-DE" dirty="0">
-                  <a:solidFill>
-                    <a:schemeClr val="accent1"/>
-                  </a:solidFill>
-                </a:rPr>
-                <a:t>*</a:t>
-              </a:r>
-              <a:endParaRPr lang="en-US" dirty="0">
-                <a:solidFill>
-                  <a:schemeClr val="accent1"/>
-                </a:solidFill>
-              </a:endParaRPr>
-            </a:p>
-          </p:txBody>
-        </p:sp>
-      </p:grpSp>
+            <a:endParaRPr lang="en-US" dirty="0">
+              <a:solidFill>
+                <a:schemeClr val="accent3"/>
+              </a:solidFill>
+            </a:endParaRPr>
+          </a:p>
+        </p:txBody>
+      </p:sp>
       <p:grpSp>
         <p:nvGrpSpPr>
           <p:cNvPr id="26" name="Gruppieren 25"/>
@@ -10037,11 +13302,12 @@
         </p:nvGrpSpPr>
         <p:grpSpPr>
           <a:xfrm rot="16200000" flipH="1">
-            <a:off x="4122556" y="3387159"/>
-            <a:ext cx="768554" cy="452816"/>
-            <a:chOff x="5406833" y="2553123"/>
-            <a:chExt cx="1706980" cy="369332"/>
+            <a:off x="4122548" y="3413512"/>
+            <a:ext cx="768554" cy="400110"/>
+            <a:chOff x="5406833" y="2574617"/>
+            <a:chExt cx="1706980" cy="326344"/>
           </a:xfrm>
+          <a:noFill/>
         </p:grpSpPr>
         <p:cxnSp>
           <p:nvCxnSpPr>
@@ -10057,7 +13323,11 @@
             <a:prstGeom prst="straightConnector1">
               <a:avLst/>
             </a:prstGeom>
+            <a:grpFill/>
             <a:ln>
+              <a:solidFill>
+                <a:schemeClr val="tx2"/>
+              </a:solidFill>
               <a:tailEnd type="arrow"/>
             </a:ln>
           </p:spPr>
@@ -10084,13 +13354,16 @@
           </p:nvSpPr>
           <p:spPr>
             <a:xfrm>
-              <a:off x="6772940" y="2553123"/>
-              <a:ext cx="276447" cy="369332"/>
+              <a:off x="6772943" y="2574617"/>
+              <a:ext cx="276447" cy="326344"/>
             </a:xfrm>
             <a:prstGeom prst="rect">
               <a:avLst/>
             </a:prstGeom>
-            <a:noFill/>
+            <a:grpFill/>
+            <a:ln>
+              <a:noFill/>
+            </a:ln>
           </p:spPr>
           <p:txBody>
             <a:bodyPr wrap="square" rtlCol="0">
@@ -10099,16 +13372,16 @@
             <a:lstStyle/>
             <a:p>
               <a:r>
-                <a:rPr lang="de-DE" dirty="0">
+                <a:rPr lang="de-DE" sz="2000" b="1" dirty="0">
                   <a:solidFill>
-                    <a:schemeClr val="accent1"/>
+                    <a:schemeClr val="tx2"/>
                   </a:solidFill>
                 </a:rPr>
                 <a:t>*</a:t>
               </a:r>
-              <a:endParaRPr lang="en-US" dirty="0">
+              <a:endParaRPr lang="en-US" sz="2000" b="1" dirty="0">
                 <a:solidFill>
-                  <a:schemeClr val="accent1"/>
+                  <a:schemeClr val="tx2"/>
                 </a:solidFill>
               </a:endParaRPr>
             </a:p>
@@ -10129,6 +13402,14 @@
           <a:prstGeom prst="rect">
             <a:avLst/>
           </a:prstGeom>
+          <a:solidFill>
+            <a:schemeClr val="tx2"/>
+          </a:solidFill>
+          <a:ln>
+            <a:solidFill>
+              <a:schemeClr val="tx2"/>
+            </a:solidFill>
+          </a:ln>
         </p:spPr>
         <p:style>
           <a:lnRef idx="1">
@@ -10150,10 +13431,18 @@
           <a:p>
             <a:pPr algn="ctr"/>
             <a:r>
-              <a:rPr lang="de-DE" dirty="0" smtClean="0"/>
+              <a:rPr lang="de-DE" dirty="0" smtClean="0">
+                <a:solidFill>
+                  <a:schemeClr val="accent3"/>
+                </a:solidFill>
+              </a:rPr>
               <a:t>Typ</a:t>
             </a:r>
-            <a:endParaRPr lang="en-US" dirty="0"/>
+            <a:endParaRPr lang="en-US" dirty="0">
+              <a:solidFill>
+                <a:schemeClr val="accent3"/>
+              </a:solidFill>
+            </a:endParaRPr>
           </a:p>
         </p:txBody>
       </p:sp>
@@ -10165,11 +13454,12 @@
         </p:nvGrpSpPr>
         <p:grpSpPr>
           <a:xfrm rot="16200000" flipH="1">
-            <a:off x="7629536" y="3405845"/>
-            <a:ext cx="768554" cy="452816"/>
-            <a:chOff x="5406833" y="2553123"/>
-            <a:chExt cx="1706980" cy="369332"/>
+            <a:off x="7629528" y="3432198"/>
+            <a:ext cx="768554" cy="400110"/>
+            <a:chOff x="5406833" y="2574617"/>
+            <a:chExt cx="1706980" cy="326344"/>
           </a:xfrm>
+          <a:noFill/>
         </p:grpSpPr>
         <p:cxnSp>
           <p:nvCxnSpPr>
@@ -10185,7 +13475,11 @@
             <a:prstGeom prst="straightConnector1">
               <a:avLst/>
             </a:prstGeom>
+            <a:grpFill/>
             <a:ln>
+              <a:solidFill>
+                <a:schemeClr val="tx2"/>
+              </a:solidFill>
               <a:tailEnd type="arrow"/>
             </a:ln>
           </p:spPr>
@@ -10212,13 +13506,16 @@
           </p:nvSpPr>
           <p:spPr>
             <a:xfrm>
-              <a:off x="6772940" y="2553123"/>
-              <a:ext cx="276447" cy="369332"/>
+              <a:off x="6772943" y="2574617"/>
+              <a:ext cx="276447" cy="326344"/>
             </a:xfrm>
             <a:prstGeom prst="rect">
               <a:avLst/>
             </a:prstGeom>
-            <a:noFill/>
+            <a:grpFill/>
+            <a:ln>
+              <a:noFill/>
+            </a:ln>
           </p:spPr>
           <p:txBody>
             <a:bodyPr wrap="square" rtlCol="0">
@@ -10227,16 +13524,16 @@
             <a:lstStyle/>
             <a:p>
               <a:r>
-                <a:rPr lang="de-DE" dirty="0">
+                <a:rPr lang="de-DE" sz="2000" b="1" dirty="0">
                   <a:solidFill>
-                    <a:schemeClr val="accent1"/>
+                    <a:schemeClr val="tx2"/>
                   </a:solidFill>
                 </a:rPr>
                 <a:t>*</a:t>
               </a:r>
-              <a:endParaRPr lang="en-US" dirty="0">
+              <a:endParaRPr lang="en-US" sz="2000" b="1" dirty="0">
                 <a:solidFill>
-                  <a:schemeClr val="accent1"/>
+                  <a:schemeClr val="tx2"/>
                 </a:solidFill>
               </a:endParaRPr>
             </a:p>
@@ -10252,10 +13549,11 @@
         <p:grpSpPr>
           <a:xfrm>
             <a:off x="8060736" y="4717844"/>
-            <a:ext cx="228600" cy="842988"/>
+            <a:ext cx="228600" cy="777790"/>
             <a:chOff x="8060736" y="4717844"/>
-            <a:chExt cx="228600" cy="842988"/>
+            <a:chExt cx="228600" cy="777790"/>
           </a:xfrm>
+          <a:noFill/>
         </p:grpSpPr>
         <p:cxnSp>
           <p:nvCxnSpPr>
@@ -10267,12 +13565,18 @@
           </p:nvCxnSpPr>
           <p:spPr>
             <a:xfrm flipV="1">
-              <a:off x="8175036" y="4922343"/>
-              <a:ext cx="0" cy="638489"/>
+              <a:off x="8175028" y="4922343"/>
+              <a:ext cx="8" cy="573291"/>
             </a:xfrm>
             <a:prstGeom prst="line">
               <a:avLst/>
             </a:prstGeom>
+            <a:grpFill/>
+            <a:ln>
+              <a:solidFill>
+                <a:schemeClr val="tx2"/>
+              </a:solidFill>
+            </a:ln>
           </p:spPr>
           <p:style>
             <a:lnRef idx="2">
@@ -10303,11 +13607,639 @@
             <a:prstGeom prst="triangle">
               <a:avLst/>
             </a:prstGeom>
-            <a:noFill/>
+            <a:grpFill/>
             <a:ln w="19050">
               <a:solidFill>
+                <a:schemeClr val="tx2"/>
+              </a:solidFill>
+            </a:ln>
+            <a:scene3d>
+              <a:camera prst="orthographicFront"/>
+              <a:lightRig rig="threePt" dir="tl"/>
+            </a:scene3d>
+            <a:sp3d/>
+          </p:spPr>
+          <p:style>
+            <a:lnRef idx="1">
+              <a:schemeClr val="accent1"/>
+            </a:lnRef>
+            <a:fillRef idx="3">
+              <a:schemeClr val="accent1"/>
+            </a:fillRef>
+            <a:effectRef idx="2">
+              <a:schemeClr val="accent1"/>
+            </a:effectRef>
+            <a:fontRef idx="minor">
+              <a:schemeClr val="lt1"/>
+            </a:fontRef>
+          </p:style>
+          <p:txBody>
+            <a:bodyPr rtlCol="0" anchor="ctr"/>
+            <a:lstStyle/>
+            <a:p>
+              <a:pPr algn="ctr"/>
+              <a:endParaRPr lang="en-US">
+                <a:solidFill>
+                  <a:schemeClr val="accent3"/>
+                </a:solidFill>
+              </a:endParaRPr>
+            </a:p>
+          </p:txBody>
+        </p:sp>
+      </p:grpSp>
+      <p:grpSp>
+        <p:nvGrpSpPr>
+          <p:cNvPr id="63" name="Gruppieren 62"/>
+          <p:cNvGrpSpPr/>
+          <p:nvPr/>
+        </p:nvGrpSpPr>
+        <p:grpSpPr>
+          <a:xfrm>
+            <a:off x="4318330" y="4475975"/>
+            <a:ext cx="2794906" cy="1019659"/>
+            <a:chOff x="4318330" y="4475975"/>
+            <a:chExt cx="2794906" cy="1019659"/>
+          </a:xfrm>
+          <a:noFill/>
+        </p:grpSpPr>
+        <p:cxnSp>
+          <p:nvCxnSpPr>
+            <p:cNvPr id="50" name="Gerade Verbindung 49"/>
+            <p:cNvCxnSpPr>
+              <a:endCxn id="51" idx="3"/>
+            </p:cNvCxnSpPr>
+            <p:nvPr/>
+          </p:nvCxnSpPr>
+          <p:spPr>
+            <a:xfrm flipV="1">
+              <a:off x="4318330" y="4616647"/>
+              <a:ext cx="2593867" cy="878987"/>
+            </a:xfrm>
+            <a:prstGeom prst="line">
+              <a:avLst/>
+            </a:prstGeom>
+            <a:grpFill/>
+            <a:ln>
+              <a:solidFill>
+                <a:schemeClr val="tx2"/>
+              </a:solidFill>
+            </a:ln>
+          </p:spPr>
+          <p:style>
+            <a:lnRef idx="2">
+              <a:schemeClr val="accent1"/>
+            </a:lnRef>
+            <a:fillRef idx="0">
+              <a:schemeClr val="accent1"/>
+            </a:fillRef>
+            <a:effectRef idx="1">
+              <a:schemeClr val="accent1"/>
+            </a:effectRef>
+            <a:fontRef idx="minor">
+              <a:schemeClr val="tx1"/>
+            </a:fontRef>
+          </p:style>
+        </p:cxnSp>
+        <p:sp>
+          <p:nvSpPr>
+            <p:cNvPr id="51" name="Gleichschenkliges Dreieck 50"/>
+            <p:cNvSpPr/>
+            <p:nvPr/>
+          </p:nvSpPr>
+          <p:spPr>
+            <a:xfrm rot="4503194">
+              <a:off x="6896687" y="4488025"/>
+              <a:ext cx="228600" cy="204499"/>
+            </a:xfrm>
+            <a:prstGeom prst="triangle">
+              <a:avLst/>
+            </a:prstGeom>
+            <a:grpFill/>
+            <a:ln w="19050">
+              <a:solidFill>
+                <a:schemeClr val="tx2"/>
+              </a:solidFill>
+            </a:ln>
+            <a:scene3d>
+              <a:camera prst="orthographicFront"/>
+              <a:lightRig rig="threePt" dir="tl"/>
+            </a:scene3d>
+            <a:sp3d/>
+          </p:spPr>
+          <p:style>
+            <a:lnRef idx="1">
+              <a:schemeClr val="accent1"/>
+            </a:lnRef>
+            <a:fillRef idx="3">
+              <a:schemeClr val="accent1"/>
+            </a:fillRef>
+            <a:effectRef idx="2">
+              <a:schemeClr val="accent1"/>
+            </a:effectRef>
+            <a:fontRef idx="minor">
+              <a:schemeClr val="lt1"/>
+            </a:fontRef>
+          </p:style>
+          <p:txBody>
+            <a:bodyPr rtlCol="0" anchor="ctr"/>
+            <a:lstStyle/>
+            <a:p>
+              <a:pPr algn="ctr"/>
+              <a:endParaRPr lang="en-US">
+                <a:solidFill>
+                  <a:schemeClr val="accent3"/>
+                </a:solidFill>
+              </a:endParaRPr>
+            </a:p>
+          </p:txBody>
+        </p:sp>
+      </p:grpSp>
+      <p:grpSp>
+        <p:nvGrpSpPr>
+          <p:cNvPr id="64" name="Gruppieren 63"/>
+          <p:cNvGrpSpPr/>
+          <p:nvPr/>
+        </p:nvGrpSpPr>
+        <p:grpSpPr>
+          <a:xfrm>
+            <a:off x="6616072" y="4655654"/>
+            <a:ext cx="867102" cy="839981"/>
+            <a:chOff x="6616072" y="4655654"/>
+            <a:chExt cx="867102" cy="839981"/>
+          </a:xfrm>
+          <a:noFill/>
+        </p:grpSpPr>
+        <p:cxnSp>
+          <p:nvCxnSpPr>
+            <p:cNvPr id="56" name="Gerade Verbindung 55"/>
+            <p:cNvCxnSpPr>
+              <a:endCxn id="57" idx="3"/>
+            </p:cNvCxnSpPr>
+            <p:nvPr/>
+          </p:nvCxnSpPr>
+          <p:spPr>
+            <a:xfrm flipV="1">
+              <a:off x="6616072" y="4840131"/>
+              <a:ext cx="690489" cy="655504"/>
+            </a:xfrm>
+            <a:prstGeom prst="line">
+              <a:avLst/>
+            </a:prstGeom>
+            <a:grpFill/>
+            <a:ln>
+              <a:solidFill>
+                <a:schemeClr val="tx2"/>
+              </a:solidFill>
+            </a:ln>
+          </p:spPr>
+          <p:style>
+            <a:lnRef idx="2">
+              <a:schemeClr val="accent1"/>
+            </a:lnRef>
+            <a:fillRef idx="0">
+              <a:schemeClr val="accent1"/>
+            </a:fillRef>
+            <a:effectRef idx="1">
+              <a:schemeClr val="accent1"/>
+            </a:effectRef>
+            <a:fontRef idx="minor">
+              <a:schemeClr val="tx1"/>
+            </a:fontRef>
+          </p:style>
+        </p:cxnSp>
+        <p:sp>
+          <p:nvSpPr>
+            <p:cNvPr id="57" name="Gleichschenkliges Dreieck 56"/>
+            <p:cNvSpPr/>
+            <p:nvPr/>
+          </p:nvSpPr>
+          <p:spPr>
+            <a:xfrm rot="2799545">
+              <a:off x="7266625" y="4667704"/>
+              <a:ext cx="228600" cy="204499"/>
+            </a:xfrm>
+            <a:prstGeom prst="triangle">
+              <a:avLst/>
+            </a:prstGeom>
+            <a:grpFill/>
+            <a:ln w="19050">
+              <a:solidFill>
+                <a:schemeClr val="tx2"/>
+              </a:solidFill>
+            </a:ln>
+            <a:scene3d>
+              <a:camera prst="orthographicFront"/>
+              <a:lightRig rig="threePt" dir="tl"/>
+            </a:scene3d>
+            <a:sp3d/>
+          </p:spPr>
+          <p:style>
+            <a:lnRef idx="1">
+              <a:schemeClr val="accent1"/>
+            </a:lnRef>
+            <a:fillRef idx="3">
+              <a:schemeClr val="accent1"/>
+            </a:fillRef>
+            <a:effectRef idx="2">
+              <a:schemeClr val="accent1"/>
+            </a:effectRef>
+            <a:fontRef idx="minor">
+              <a:schemeClr val="lt1"/>
+            </a:fontRef>
+          </p:style>
+          <p:txBody>
+            <a:bodyPr rtlCol="0" anchor="ctr"/>
+            <a:lstStyle/>
+            <a:p>
+              <a:pPr algn="ctr"/>
+              <a:endParaRPr lang="en-US">
+                <a:solidFill>
+                  <a:schemeClr val="accent3"/>
+                </a:solidFill>
+              </a:endParaRPr>
+            </a:p>
+          </p:txBody>
+        </p:sp>
+      </p:grpSp>
+      <p:sp>
+        <p:nvSpPr>
+          <p:cNvPr id="43" name="Rechteck 42"/>
+          <p:cNvSpPr/>
+          <p:nvPr/>
+        </p:nvSpPr>
+        <p:spPr>
+          <a:xfrm>
+            <a:off x="220588" y="5495634"/>
+            <a:ext cx="1800000" cy="720000"/>
+          </a:xfrm>
+          <a:prstGeom prst="rect">
+            <a:avLst/>
+          </a:prstGeom>
+          <a:solidFill>
+            <a:schemeClr val="tx2"/>
+          </a:solidFill>
+          <a:ln>
+            <a:solidFill>
+              <a:schemeClr val="tx2"/>
+            </a:solidFill>
+          </a:ln>
+        </p:spPr>
+        <p:style>
+          <a:lnRef idx="1">
+            <a:schemeClr val="accent1"/>
+          </a:lnRef>
+          <a:fillRef idx="3">
+            <a:schemeClr val="accent1"/>
+          </a:fillRef>
+          <a:effectRef idx="2">
+            <a:schemeClr val="accent1"/>
+          </a:effectRef>
+          <a:fontRef idx="minor">
+            <a:schemeClr val="lt1"/>
+          </a:fontRef>
+        </p:style>
+        <p:txBody>
+          <a:bodyPr rtlCol="0" anchor="ctr"/>
+          <a:lstStyle/>
+          <a:p>
+            <a:pPr algn="ctr"/>
+            <a:r>
+              <a:rPr lang="de-DE" dirty="0" smtClean="0">
+                <a:solidFill>
+                  <a:schemeClr val="accent3"/>
+                </a:solidFill>
+              </a:rPr>
+              <a:t>Transaktion</a:t>
+            </a:r>
+            <a:endParaRPr lang="en-US" dirty="0">
+              <a:solidFill>
+                <a:schemeClr val="accent3"/>
+              </a:solidFill>
+            </a:endParaRPr>
+          </a:p>
+        </p:txBody>
+      </p:sp>
+      <p:grpSp>
+        <p:nvGrpSpPr>
+          <p:cNvPr id="44" name="Gruppieren 43"/>
+          <p:cNvGrpSpPr/>
+          <p:nvPr/>
+        </p:nvGrpSpPr>
+        <p:grpSpPr>
+          <a:xfrm rot="16200000" flipH="1">
+            <a:off x="698286" y="4911302"/>
+            <a:ext cx="768554" cy="400110"/>
+            <a:chOff x="5406833" y="2574617"/>
+            <a:chExt cx="1706980" cy="326344"/>
+          </a:xfrm>
+          <a:solidFill>
+            <a:schemeClr val="tx2"/>
+          </a:solidFill>
+        </p:grpSpPr>
+        <p:cxnSp>
+          <p:nvCxnSpPr>
+            <p:cNvPr id="45" name="Gerade Verbindung mit Pfeil 44"/>
+            <p:cNvCxnSpPr/>
+            <p:nvPr/>
+          </p:nvCxnSpPr>
+          <p:spPr>
+            <a:xfrm>
+              <a:off x="5406833" y="2869288"/>
+              <a:ext cx="1706980" cy="0"/>
+            </a:xfrm>
+            <a:prstGeom prst="straightConnector1">
+              <a:avLst/>
+            </a:prstGeom>
+            <a:grpFill/>
+            <a:ln>
+              <a:solidFill>
+                <a:schemeClr val="tx2"/>
+              </a:solidFill>
+              <a:tailEnd type="arrow"/>
+            </a:ln>
+          </p:spPr>
+          <p:style>
+            <a:lnRef idx="2">
+              <a:schemeClr val="accent1"/>
+            </a:lnRef>
+            <a:fillRef idx="0">
+              <a:schemeClr val="accent1"/>
+            </a:fillRef>
+            <a:effectRef idx="1">
+              <a:schemeClr val="accent1"/>
+            </a:effectRef>
+            <a:fontRef idx="minor">
+              <a:schemeClr val="tx1"/>
+            </a:fontRef>
+          </p:style>
+        </p:cxnSp>
+        <p:sp>
+          <p:nvSpPr>
+            <p:cNvPr id="46" name="Textfeld 45"/>
+            <p:cNvSpPr txBox="1"/>
+            <p:nvPr/>
+          </p:nvSpPr>
+          <p:spPr>
+            <a:xfrm>
+              <a:off x="6772943" y="2574617"/>
+              <a:ext cx="276447" cy="326344"/>
+            </a:xfrm>
+            <a:prstGeom prst="rect">
+              <a:avLst/>
+            </a:prstGeom>
+            <a:noFill/>
+            <a:ln>
+              <a:noFill/>
+            </a:ln>
+          </p:spPr>
+          <p:txBody>
+            <a:bodyPr wrap="square" rtlCol="0">
+              <a:spAutoFit/>
+            </a:bodyPr>
+            <a:lstStyle/>
+            <a:p>
+              <a:r>
+                <a:rPr lang="de-DE" sz="2000" b="1" dirty="0">
+                  <a:solidFill>
+                    <a:schemeClr val="tx2"/>
+                  </a:solidFill>
+                </a:rPr>
+                <a:t>*</a:t>
+              </a:r>
+              <a:endParaRPr lang="en-US" sz="2000" b="1" dirty="0">
+                <a:solidFill>
+                  <a:schemeClr val="tx2"/>
+                </a:solidFill>
+              </a:endParaRPr>
+            </a:p>
+          </p:txBody>
+        </p:sp>
+      </p:grpSp>
+      <p:grpSp>
+        <p:nvGrpSpPr>
+          <p:cNvPr id="52" name="Gruppieren 51"/>
+          <p:cNvGrpSpPr/>
+          <p:nvPr/>
+        </p:nvGrpSpPr>
+        <p:grpSpPr>
+          <a:xfrm flipH="1">
+            <a:off x="2020586" y="4706384"/>
+            <a:ext cx="1586246" cy="760244"/>
+            <a:chOff x="5406832" y="2869288"/>
+            <a:chExt cx="1706981" cy="760244"/>
+          </a:xfrm>
+          <a:solidFill>
+            <a:schemeClr val="tx2"/>
+          </a:solidFill>
+        </p:grpSpPr>
+        <p:cxnSp>
+          <p:nvCxnSpPr>
+            <p:cNvPr id="53" name="Gerade Verbindung mit Pfeil 52"/>
+            <p:cNvCxnSpPr/>
+            <p:nvPr/>
+          </p:nvCxnSpPr>
+          <p:spPr>
+            <a:xfrm>
+              <a:off x="5406832" y="2869288"/>
+              <a:ext cx="1706981" cy="760244"/>
+            </a:xfrm>
+            <a:prstGeom prst="straightConnector1">
+              <a:avLst/>
+            </a:prstGeom>
+            <a:grpFill/>
+            <a:ln>
+              <a:solidFill>
+                <a:schemeClr val="tx2"/>
+              </a:solidFill>
+              <a:tailEnd type="arrow"/>
+            </a:ln>
+          </p:spPr>
+          <p:style>
+            <a:lnRef idx="2">
+              <a:schemeClr val="accent1"/>
+            </a:lnRef>
+            <a:fillRef idx="0">
+              <a:schemeClr val="accent1"/>
+            </a:fillRef>
+            <a:effectRef idx="1">
+              <a:schemeClr val="accent1"/>
+            </a:effectRef>
+            <a:fontRef idx="minor">
+              <a:schemeClr val="tx1"/>
+            </a:fontRef>
+          </p:style>
+        </p:cxnSp>
+        <p:sp>
+          <p:nvSpPr>
+            <p:cNvPr id="54" name="Textfeld 53"/>
+            <p:cNvSpPr txBox="1"/>
+            <p:nvPr/>
+          </p:nvSpPr>
+          <p:spPr>
+            <a:xfrm>
+              <a:off x="6772940" y="3171837"/>
+              <a:ext cx="276447" cy="400110"/>
+            </a:xfrm>
+            <a:prstGeom prst="rect">
+              <a:avLst/>
+            </a:prstGeom>
+            <a:noFill/>
+            <a:ln>
+              <a:noFill/>
+            </a:ln>
+          </p:spPr>
+          <p:txBody>
+            <a:bodyPr wrap="square" rtlCol="0">
+              <a:spAutoFit/>
+            </a:bodyPr>
+            <a:lstStyle/>
+            <a:p>
+              <a:r>
+                <a:rPr lang="de-DE" sz="2000" b="1" dirty="0">
+                  <a:solidFill>
+                    <a:schemeClr val="tx2"/>
+                  </a:solidFill>
+                </a:rPr>
+                <a:t>*</a:t>
+              </a:r>
+              <a:endParaRPr lang="en-US" sz="2000" b="1" dirty="0">
+                <a:solidFill>
+                  <a:schemeClr val="tx2"/>
+                </a:solidFill>
+              </a:endParaRPr>
+            </a:p>
+          </p:txBody>
+        </p:sp>
+      </p:grpSp>
+      <p:grpSp>
+        <p:nvGrpSpPr>
+          <p:cNvPr id="49" name="Gruppieren 48"/>
+          <p:cNvGrpSpPr/>
+          <p:nvPr/>
+        </p:nvGrpSpPr>
+        <p:grpSpPr>
+          <a:xfrm>
+            <a:off x="882508" y="3229288"/>
+            <a:ext cx="452718" cy="768556"/>
+            <a:chOff x="882508" y="3229288"/>
+            <a:chExt cx="452718" cy="768556"/>
+          </a:xfrm>
+        </p:grpSpPr>
+        <p:grpSp>
+          <p:nvGrpSpPr>
+            <p:cNvPr id="23" name="Gruppieren 22"/>
+            <p:cNvGrpSpPr/>
+            <p:nvPr/>
+          </p:nvGrpSpPr>
+          <p:grpSpPr>
+            <a:xfrm rot="16200000" flipH="1">
+              <a:off x="698286" y="3413512"/>
+              <a:ext cx="768554" cy="400110"/>
+              <a:chOff x="5406833" y="2574617"/>
+              <a:chExt cx="1706980" cy="326344"/>
+            </a:xfrm>
+            <a:solidFill>
+              <a:schemeClr val="tx2"/>
+            </a:solidFill>
+          </p:grpSpPr>
+          <p:cxnSp>
+            <p:nvCxnSpPr>
+              <p:cNvPr id="24" name="Gerade Verbindung mit Pfeil 23"/>
+              <p:cNvCxnSpPr/>
+              <p:nvPr/>
+            </p:nvCxnSpPr>
+            <p:spPr>
+              <a:xfrm>
+                <a:off x="5406833" y="2869288"/>
+                <a:ext cx="1706980" cy="0"/>
+              </a:xfrm>
+              <a:prstGeom prst="straightConnector1">
+                <a:avLst/>
+              </a:prstGeom>
+              <a:grpFill/>
+              <a:ln>
+                <a:solidFill>
+                  <a:schemeClr val="tx2"/>
+                </a:solidFill>
+                <a:tailEnd type="arrow"/>
+              </a:ln>
+            </p:spPr>
+            <p:style>
+              <a:lnRef idx="2">
                 <a:schemeClr val="accent1"/>
-              </a:solidFill>
+              </a:lnRef>
+              <a:fillRef idx="0">
+                <a:schemeClr val="accent1"/>
+              </a:fillRef>
+              <a:effectRef idx="1">
+                <a:schemeClr val="accent1"/>
+              </a:effectRef>
+              <a:fontRef idx="minor">
+                <a:schemeClr val="tx1"/>
+              </a:fontRef>
+            </p:style>
+          </p:cxnSp>
+          <p:sp>
+            <p:nvSpPr>
+              <p:cNvPr id="25" name="Textfeld 24"/>
+              <p:cNvSpPr txBox="1"/>
+              <p:nvPr/>
+            </p:nvSpPr>
+            <p:spPr>
+              <a:xfrm>
+                <a:off x="6772943" y="2574617"/>
+                <a:ext cx="276447" cy="326344"/>
+              </a:xfrm>
+              <a:prstGeom prst="rect">
+                <a:avLst/>
+              </a:prstGeom>
+              <a:noFill/>
+              <a:ln>
+                <a:noFill/>
+              </a:ln>
+            </p:spPr>
+            <p:txBody>
+              <a:bodyPr wrap="square" rtlCol="0">
+                <a:spAutoFit/>
+              </a:bodyPr>
+              <a:lstStyle/>
+              <a:p>
+                <a:r>
+                  <a:rPr lang="de-DE" sz="2000" b="1" dirty="0">
+                    <a:solidFill>
+                      <a:schemeClr val="tx2"/>
+                    </a:solidFill>
+                  </a:rPr>
+                  <a:t>*</a:t>
+                </a:r>
+                <a:endParaRPr lang="en-US" sz="2000" b="1" dirty="0">
+                  <a:solidFill>
+                    <a:schemeClr val="tx2"/>
+                  </a:solidFill>
+                </a:endParaRPr>
+              </a:p>
+            </p:txBody>
+          </p:sp>
+        </p:grpSp>
+        <p:sp>
+          <p:nvSpPr>
+            <p:cNvPr id="48" name="Raute 47"/>
+            <p:cNvSpPr/>
+            <p:nvPr/>
+          </p:nvSpPr>
+          <p:spPr>
+            <a:xfrm>
+              <a:off x="1152346" y="3229288"/>
+              <a:ext cx="182880" cy="342900"/>
+            </a:xfrm>
+            <a:prstGeom prst="diamond">
+              <a:avLst/>
+            </a:prstGeom>
+            <a:solidFill>
+              <a:schemeClr val="tx2"/>
+            </a:solidFill>
+            <a:ln>
+              <a:noFill/>
             </a:ln>
             <a:scene3d>
               <a:camera prst="orthographicFront"/>
@@ -10341,69 +14273,134 @@
       </p:grpSp>
       <p:grpSp>
         <p:nvGrpSpPr>
-          <p:cNvPr id="63" name="Gruppieren 62"/>
+          <p:cNvPr id="55" name="Gruppieren 54"/>
           <p:cNvGrpSpPr/>
           <p:nvPr/>
         </p:nvGrpSpPr>
         <p:grpSpPr>
           <a:xfrm>
-            <a:off x="1982571" y="4475975"/>
-            <a:ext cx="5130665" cy="1084857"/>
-            <a:chOff x="1982571" y="4475975"/>
-            <a:chExt cx="5130665" cy="1084857"/>
+            <a:off x="5406833" y="2553123"/>
+            <a:ext cx="1706980" cy="407326"/>
+            <a:chOff x="5406833" y="2553123"/>
+            <a:chExt cx="1706980" cy="407326"/>
           </a:xfrm>
         </p:grpSpPr>
-        <p:cxnSp>
-          <p:nvCxnSpPr>
-            <p:cNvPr id="50" name="Gerade Verbindung 49"/>
-            <p:cNvCxnSpPr>
-              <a:endCxn id="51" idx="3"/>
-            </p:cNvCxnSpPr>
+        <p:grpSp>
+          <p:nvGrpSpPr>
+            <p:cNvPr id="18" name="Gruppieren 17"/>
+            <p:cNvGrpSpPr/>
             <p:nvPr/>
-          </p:nvCxnSpPr>
-          <p:spPr>
-            <a:xfrm flipV="1">
-              <a:off x="1982571" y="4616647"/>
-              <a:ext cx="4929626" cy="944185"/>
+          </p:nvGrpSpPr>
+          <p:grpSpPr>
+            <a:xfrm>
+              <a:off x="5406833" y="2553123"/>
+              <a:ext cx="1706980" cy="400110"/>
+              <a:chOff x="5406833" y="2553123"/>
+              <a:chExt cx="1706980" cy="400110"/>
             </a:xfrm>
-            <a:prstGeom prst="line">
-              <a:avLst/>
-            </a:prstGeom>
-          </p:spPr>
-          <p:style>
-            <a:lnRef idx="2">
-              <a:schemeClr val="accent1"/>
-            </a:lnRef>
-            <a:fillRef idx="0">
-              <a:schemeClr val="accent1"/>
-            </a:fillRef>
-            <a:effectRef idx="1">
-              <a:schemeClr val="accent1"/>
-            </a:effectRef>
-            <a:fontRef idx="minor">
-              <a:schemeClr val="tx1"/>
-            </a:fontRef>
-          </p:style>
-        </p:cxnSp>
+            <a:noFill/>
+          </p:grpSpPr>
+          <p:cxnSp>
+            <p:nvCxnSpPr>
+              <p:cNvPr id="16" name="Gerade Verbindung mit Pfeil 15"/>
+              <p:cNvCxnSpPr>
+                <a:stCxn id="7" idx="3"/>
+                <a:endCxn id="10" idx="1"/>
+              </p:cNvCxnSpPr>
+              <p:nvPr/>
+            </p:nvCxnSpPr>
+            <p:spPr>
+              <a:xfrm>
+                <a:off x="5406833" y="2869288"/>
+                <a:ext cx="1706980" cy="0"/>
+              </a:xfrm>
+              <a:prstGeom prst="straightConnector1">
+                <a:avLst/>
+              </a:prstGeom>
+              <a:grpFill/>
+              <a:ln>
+                <a:solidFill>
+                  <a:schemeClr val="tx2"/>
+                </a:solidFill>
+                <a:tailEnd type="arrow"/>
+              </a:ln>
+            </p:spPr>
+            <p:style>
+              <a:lnRef idx="2">
+                <a:schemeClr val="accent1"/>
+              </a:lnRef>
+              <a:fillRef idx="0">
+                <a:schemeClr val="accent1"/>
+              </a:fillRef>
+              <a:effectRef idx="1">
+                <a:schemeClr val="accent1"/>
+              </a:effectRef>
+              <a:fontRef idx="minor">
+                <a:schemeClr val="tx1"/>
+              </a:fontRef>
+            </p:style>
+          </p:cxnSp>
+          <p:sp>
+            <p:nvSpPr>
+              <p:cNvPr id="17" name="Textfeld 16"/>
+              <p:cNvSpPr txBox="1"/>
+              <p:nvPr/>
+            </p:nvSpPr>
+            <p:spPr>
+              <a:xfrm>
+                <a:off x="6772940" y="2553123"/>
+                <a:ext cx="276447" cy="400110"/>
+              </a:xfrm>
+              <a:prstGeom prst="rect">
+                <a:avLst/>
+              </a:prstGeom>
+              <a:grpFill/>
+              <a:ln>
+                <a:noFill/>
+              </a:ln>
+            </p:spPr>
+            <p:txBody>
+              <a:bodyPr wrap="square" rtlCol="0">
+                <a:spAutoFit/>
+              </a:bodyPr>
+              <a:lstStyle/>
+              <a:p>
+                <a:r>
+                  <a:rPr lang="de-DE" sz="2000" b="1" dirty="0">
+                    <a:solidFill>
+                      <a:schemeClr val="tx2"/>
+                    </a:solidFill>
+                  </a:rPr>
+                  <a:t>*</a:t>
+                </a:r>
+                <a:endParaRPr lang="en-US" sz="2000" b="1" dirty="0">
+                  <a:solidFill>
+                    <a:schemeClr val="tx2"/>
+                  </a:solidFill>
+                </a:endParaRPr>
+              </a:p>
+            </p:txBody>
+          </p:sp>
+        </p:grpSp>
         <p:sp>
           <p:nvSpPr>
-            <p:cNvPr id="51" name="Gleichschenkliges Dreieck 50"/>
+            <p:cNvPr id="59" name="Raute 58"/>
             <p:cNvSpPr/>
             <p:nvPr/>
           </p:nvSpPr>
           <p:spPr>
-            <a:xfrm rot="4503194">
-              <a:off x="6896687" y="4488025"/>
-              <a:ext cx="228600" cy="204499"/>
+            <a:xfrm>
+              <a:off x="5406833" y="2776849"/>
+              <a:ext cx="342000" cy="183600"/>
             </a:xfrm>
-            <a:prstGeom prst="triangle">
+            <a:prstGeom prst="diamond">
               <a:avLst/>
             </a:prstGeom>
-            <a:noFill/>
-            <a:ln w="19050">
-              <a:solidFill>
-                <a:schemeClr val="accent1"/>
-              </a:solidFill>
+            <a:solidFill>
+              <a:schemeClr val="tx2"/>
+            </a:solidFill>
+            <a:ln>
+              <a:noFill/>
             </a:ln>
             <a:scene3d>
               <a:camera prst="orthographicFront"/>
@@ -10437,75 +14434,98 @@
       </p:grpSp>
       <p:grpSp>
         <p:nvGrpSpPr>
-          <p:cNvPr id="64" name="Gruppieren 63"/>
+          <p:cNvPr id="80" name="Gruppieren 79"/>
           <p:cNvGrpSpPr/>
           <p:nvPr/>
         </p:nvGrpSpPr>
         <p:grpSpPr>
           <a:xfrm>
-            <a:off x="5406833" y="4655654"/>
-            <a:ext cx="2076341" cy="1173646"/>
-            <a:chOff x="5406833" y="4655654"/>
-            <a:chExt cx="2076341" cy="1173646"/>
+            <a:off x="2033249" y="3230880"/>
+            <a:ext cx="5190511" cy="2664865"/>
+            <a:chOff x="2033249" y="3230880"/>
+            <a:chExt cx="5190511" cy="2664865"/>
           </a:xfrm>
         </p:grpSpPr>
-        <p:cxnSp>
-          <p:nvCxnSpPr>
-            <p:cNvPr id="56" name="Gerade Verbindung 55"/>
-            <p:cNvCxnSpPr>
-              <a:endCxn id="57" idx="3"/>
-            </p:cNvCxnSpPr>
-            <p:nvPr/>
-          </p:nvCxnSpPr>
-          <p:spPr>
-            <a:xfrm flipV="1">
-              <a:off x="5406833" y="4840131"/>
-              <a:ext cx="1899728" cy="989169"/>
-            </a:xfrm>
-            <a:prstGeom prst="line">
-              <a:avLst/>
-            </a:prstGeom>
-          </p:spPr>
-          <p:style>
-            <a:lnRef idx="2">
-              <a:schemeClr val="accent1"/>
-            </a:lnRef>
-            <a:fillRef idx="0">
-              <a:schemeClr val="accent1"/>
-            </a:fillRef>
-            <a:effectRef idx="1">
-              <a:schemeClr val="accent1"/>
-            </a:effectRef>
-            <a:fontRef idx="minor">
-              <a:schemeClr val="tx1"/>
-            </a:fontRef>
-          </p:style>
-        </p:cxnSp>
         <p:sp>
           <p:nvSpPr>
-            <p:cNvPr id="57" name="Gleichschenkliges Dreieck 56"/>
+            <p:cNvPr id="78" name="Freihandform 77"/>
             <p:cNvSpPr/>
             <p:nvPr/>
           </p:nvSpPr>
           <p:spPr>
-            <a:xfrm rot="2799545">
-              <a:off x="7266625" y="4667704"/>
-              <a:ext cx="228600" cy="204499"/>
+            <a:xfrm>
+              <a:off x="2033249" y="3230880"/>
+              <a:ext cx="5190511" cy="2379813"/>
             </a:xfrm>
-            <a:prstGeom prst="triangle">
+            <a:custGeom>
               <a:avLst/>
-            </a:prstGeom>
+              <a:gdLst>
+                <a:gd name="connsiteX0" fmla="*/ 5190511 w 5190511"/>
+                <a:gd name="connsiteY0" fmla="*/ 0 h 2379813"/>
+                <a:gd name="connsiteX1" fmla="*/ 4276111 w 5190511"/>
+                <a:gd name="connsiteY1" fmla="*/ 1303020 h 2379813"/>
+                <a:gd name="connsiteX2" fmla="*/ 3201691 w 5190511"/>
+                <a:gd name="connsiteY2" fmla="*/ 1767840 h 2379813"/>
+                <a:gd name="connsiteX3" fmla="*/ 1365271 w 5190511"/>
+                <a:gd name="connsiteY3" fmla="*/ 1882140 h 2379813"/>
+                <a:gd name="connsiteX4" fmla="*/ 1291 w 5190511"/>
+                <a:gd name="connsiteY4" fmla="*/ 2377440 h 2379813"/>
+              </a:gdLst>
+              <a:ahLst/>
+              <a:cxnLst>
+                <a:cxn ang="0">
+                  <a:pos x="connsiteX0" y="connsiteY0"/>
+                </a:cxn>
+                <a:cxn ang="0">
+                  <a:pos x="connsiteX1" y="connsiteY1"/>
+                </a:cxn>
+                <a:cxn ang="0">
+                  <a:pos x="connsiteX2" y="connsiteY2"/>
+                </a:cxn>
+                <a:cxn ang="0">
+                  <a:pos x="connsiteX3" y="connsiteY3"/>
+                </a:cxn>
+                <a:cxn ang="0">
+                  <a:pos x="connsiteX4" y="connsiteY4"/>
+                </a:cxn>
+              </a:cxnLst>
+              <a:rect l="l" t="t" r="r" b="b"/>
+              <a:pathLst>
+                <a:path w="5190511" h="2379813">
+                  <a:moveTo>
+                    <a:pt x="5190511" y="0"/>
+                  </a:moveTo>
+                  <a:cubicBezTo>
+                    <a:pt x="4899046" y="504190"/>
+                    <a:pt x="4607581" y="1008380"/>
+                    <a:pt x="4276111" y="1303020"/>
+                  </a:cubicBezTo>
+                  <a:cubicBezTo>
+                    <a:pt x="3944641" y="1597660"/>
+                    <a:pt x="3686831" y="1671320"/>
+                    <a:pt x="3201691" y="1767840"/>
+                  </a:cubicBezTo>
+                  <a:cubicBezTo>
+                    <a:pt x="2716551" y="1864360"/>
+                    <a:pt x="1898671" y="1780540"/>
+                    <a:pt x="1365271" y="1882140"/>
+                  </a:cubicBezTo>
+                  <a:cubicBezTo>
+                    <a:pt x="831871" y="1983740"/>
+                    <a:pt x="-38079" y="2415540"/>
+                    <a:pt x="1291" y="2377440"/>
+                  </a:cubicBezTo>
+                </a:path>
+              </a:pathLst>
+            </a:custGeom>
             <a:noFill/>
             <a:ln w="19050">
               <a:solidFill>
-                <a:schemeClr val="accent1"/>
+                <a:schemeClr val="tx2"/>
               </a:solidFill>
+              <a:headEnd type="none" w="med" len="med"/>
+              <a:tailEnd type="arrow" w="med" len="med"/>
             </a:ln>
-            <a:scene3d>
-              <a:camera prst="orthographicFront"/>
-              <a:lightRig rig="threePt" dir="tl"/>
-            </a:scene3d>
-            <a:sp3d/>
           </p:spPr>
           <p:style>
             <a:lnRef idx="1">
@@ -10527,6 +14547,47 @@
             <a:p>
               <a:pPr algn="ctr"/>
               <a:endParaRPr lang="en-US"/>
+            </a:p>
+          </p:txBody>
+        </p:sp>
+        <p:sp>
+          <p:nvSpPr>
+            <p:cNvPr id="79" name="Textfeld 78"/>
+            <p:cNvSpPr txBox="1"/>
+            <p:nvPr/>
+          </p:nvSpPr>
+          <p:spPr>
+            <a:xfrm flipH="1">
+              <a:off x="2156655" y="5495635"/>
+              <a:ext cx="256894" cy="400110"/>
+            </a:xfrm>
+            <a:prstGeom prst="rect">
+              <a:avLst/>
+            </a:prstGeom>
+            <a:noFill/>
+            <a:ln>
+              <a:noFill/>
+            </a:ln>
+          </p:spPr>
+          <p:txBody>
+            <a:bodyPr wrap="square" rtlCol="0">
+              <a:spAutoFit/>
+            </a:bodyPr>
+            <a:lstStyle/>
+            <a:p>
+              <a:r>
+                <a:rPr lang="de-DE" sz="2000" b="1" dirty="0">
+                  <a:solidFill>
+                    <a:schemeClr val="tx2"/>
+                  </a:solidFill>
+                </a:rPr>
+                <a:t>*</a:t>
+              </a:r>
+              <a:endParaRPr lang="en-US" sz="2000" b="1" dirty="0">
+                <a:solidFill>
+                  <a:schemeClr val="tx2"/>
+                </a:solidFill>
+              </a:endParaRPr>
             </a:p>
           </p:txBody>
         </p:sp>
@@ -10562,7 +14623,7 @@
                             </p:stCondLst>
                             <p:childTnLst>
                               <p:par>
-                                <p:cTn id="5" presetID="1" presetClass="entr" presetSubtype="0" fill="hold" grpId="0" nodeType="clickEffect">
+                                <p:cTn id="5" presetID="10" presetClass="entr" presetSubtype="0" fill="hold" grpId="0" nodeType="clickEffect">
                                   <p:stCondLst>
                                     <p:cond delay="0"/>
                                   </p:stCondLst>
@@ -10570,6 +14631,498 @@
                                     <p:set>
                                       <p:cBhvr>
                                         <p:cTn id="6" dur="1" fill="hold">
+                                          <p:stCondLst>
+                                            <p:cond delay="0"/>
+                                          </p:stCondLst>
+                                        </p:cTn>
+                                        <p:tgtEl>
+                                          <p:spTgt spid="7"/>
+                                        </p:tgtEl>
+                                        <p:attrNameLst>
+                                          <p:attrName>style.visibility</p:attrName>
+                                        </p:attrNameLst>
+                                      </p:cBhvr>
+                                      <p:to>
+                                        <p:strVal val="visible"/>
+                                      </p:to>
+                                    </p:set>
+                                    <p:animEffect transition="in" filter="fade">
+                                      <p:cBhvr>
+                                        <p:cTn id="7" dur="500"/>
+                                        <p:tgtEl>
+                                          <p:spTgt spid="7"/>
+                                        </p:tgtEl>
+                                      </p:cBhvr>
+                                    </p:animEffect>
+                                  </p:childTnLst>
+                                </p:cTn>
+                              </p:par>
+                            </p:childTnLst>
+                          </p:cTn>
+                        </p:par>
+                      </p:childTnLst>
+                    </p:cTn>
+                  </p:par>
+                  <p:par>
+                    <p:cTn id="8" fill="hold">
+                      <p:stCondLst>
+                        <p:cond delay="indefinite"/>
+                      </p:stCondLst>
+                      <p:childTnLst>
+                        <p:par>
+                          <p:cTn id="9" fill="hold">
+                            <p:stCondLst>
+                              <p:cond delay="0"/>
+                            </p:stCondLst>
+                            <p:childTnLst>
+                              <p:par>
+                                <p:cTn id="10" presetID="10" presetClass="entr" presetSubtype="0" fill="hold" nodeType="clickEffect">
+                                  <p:stCondLst>
+                                    <p:cond delay="0"/>
+                                  </p:stCondLst>
+                                  <p:childTnLst>
+                                    <p:set>
+                                      <p:cBhvr>
+                                        <p:cTn id="11" dur="1" fill="hold">
+                                          <p:stCondLst>
+                                            <p:cond delay="0"/>
+                                          </p:stCondLst>
+                                        </p:cTn>
+                                        <p:tgtEl>
+                                          <p:spTgt spid="55"/>
+                                        </p:tgtEl>
+                                        <p:attrNameLst>
+                                          <p:attrName>style.visibility</p:attrName>
+                                        </p:attrNameLst>
+                                      </p:cBhvr>
+                                      <p:to>
+                                        <p:strVal val="visible"/>
+                                      </p:to>
+                                    </p:set>
+                                    <p:animEffect transition="in" filter="fade">
+                                      <p:cBhvr>
+                                        <p:cTn id="12" dur="500"/>
+                                        <p:tgtEl>
+                                          <p:spTgt spid="55"/>
+                                        </p:tgtEl>
+                                      </p:cBhvr>
+                                    </p:animEffect>
+                                  </p:childTnLst>
+                                </p:cTn>
+                              </p:par>
+                              <p:par>
+                                <p:cTn id="13" presetID="10" presetClass="entr" presetSubtype="0" fill="hold" grpId="0" nodeType="withEffect">
+                                  <p:stCondLst>
+                                    <p:cond delay="0"/>
+                                  </p:stCondLst>
+                                  <p:childTnLst>
+                                    <p:set>
+                                      <p:cBhvr>
+                                        <p:cTn id="14" dur="1" fill="hold">
+                                          <p:stCondLst>
+                                            <p:cond delay="0"/>
+                                          </p:stCondLst>
+                                        </p:cTn>
+                                        <p:tgtEl>
+                                          <p:spTgt spid="10"/>
+                                        </p:tgtEl>
+                                        <p:attrNameLst>
+                                          <p:attrName>style.visibility</p:attrName>
+                                        </p:attrNameLst>
+                                      </p:cBhvr>
+                                      <p:to>
+                                        <p:strVal val="visible"/>
+                                      </p:to>
+                                    </p:set>
+                                    <p:animEffect transition="in" filter="fade">
+                                      <p:cBhvr>
+                                        <p:cTn id="15" dur="500"/>
+                                        <p:tgtEl>
+                                          <p:spTgt spid="10"/>
+                                        </p:tgtEl>
+                                      </p:cBhvr>
+                                    </p:animEffect>
+                                  </p:childTnLst>
+                                </p:cTn>
+                              </p:par>
+                            </p:childTnLst>
+                          </p:cTn>
+                        </p:par>
+                      </p:childTnLst>
+                    </p:cTn>
+                  </p:par>
+                  <p:par>
+                    <p:cTn id="16" fill="hold">
+                      <p:stCondLst>
+                        <p:cond delay="indefinite"/>
+                      </p:stCondLst>
+                      <p:childTnLst>
+                        <p:par>
+                          <p:cTn id="17" fill="hold">
+                            <p:stCondLst>
+                              <p:cond delay="0"/>
+                            </p:stCondLst>
+                            <p:childTnLst>
+                              <p:par>
+                                <p:cTn id="18" presetID="10" presetClass="entr" presetSubtype="0" fill="hold" nodeType="clickEffect">
+                                  <p:stCondLst>
+                                    <p:cond delay="0"/>
+                                  </p:stCondLst>
+                                  <p:childTnLst>
+                                    <p:set>
+                                      <p:cBhvr>
+                                        <p:cTn id="19" dur="1" fill="hold">
+                                          <p:stCondLst>
+                                            <p:cond delay="0"/>
+                                          </p:stCondLst>
+                                        </p:cTn>
+                                        <p:tgtEl>
+                                          <p:spTgt spid="30"/>
+                                        </p:tgtEl>
+                                        <p:attrNameLst>
+                                          <p:attrName>style.visibility</p:attrName>
+                                        </p:attrNameLst>
+                                      </p:cBhvr>
+                                      <p:to>
+                                        <p:strVal val="visible"/>
+                                      </p:to>
+                                    </p:set>
+                                    <p:animEffect transition="in" filter="fade">
+                                      <p:cBhvr>
+                                        <p:cTn id="20" dur="500"/>
+                                        <p:tgtEl>
+                                          <p:spTgt spid="30"/>
+                                        </p:tgtEl>
+                                      </p:cBhvr>
+                                    </p:animEffect>
+                                  </p:childTnLst>
+                                </p:cTn>
+                              </p:par>
+                              <p:par>
+                                <p:cTn id="21" presetID="10" presetClass="entr" presetSubtype="0" fill="hold" grpId="0" nodeType="withEffect">
+                                  <p:stCondLst>
+                                    <p:cond delay="0"/>
+                                  </p:stCondLst>
+                                  <p:childTnLst>
+                                    <p:set>
+                                      <p:cBhvr>
+                                        <p:cTn id="22" dur="1" fill="hold">
+                                          <p:stCondLst>
+                                            <p:cond delay="0"/>
+                                          </p:stCondLst>
+                                        </p:cTn>
+                                        <p:tgtEl>
+                                          <p:spTgt spid="29"/>
+                                        </p:tgtEl>
+                                        <p:attrNameLst>
+                                          <p:attrName>style.visibility</p:attrName>
+                                        </p:attrNameLst>
+                                      </p:cBhvr>
+                                      <p:to>
+                                        <p:strVal val="visible"/>
+                                      </p:to>
+                                    </p:set>
+                                    <p:animEffect transition="in" filter="fade">
+                                      <p:cBhvr>
+                                        <p:cTn id="23" dur="500"/>
+                                        <p:tgtEl>
+                                          <p:spTgt spid="29"/>
+                                        </p:tgtEl>
+                                      </p:cBhvr>
+                                    </p:animEffect>
+                                  </p:childTnLst>
+                                </p:cTn>
+                              </p:par>
+                            </p:childTnLst>
+                          </p:cTn>
+                        </p:par>
+                      </p:childTnLst>
+                    </p:cTn>
+                  </p:par>
+                  <p:par>
+                    <p:cTn id="24" fill="hold">
+                      <p:stCondLst>
+                        <p:cond delay="indefinite"/>
+                      </p:stCondLst>
+                      <p:childTnLst>
+                        <p:par>
+                          <p:cTn id="25" fill="hold">
+                            <p:stCondLst>
+                              <p:cond delay="0"/>
+                            </p:stCondLst>
+                            <p:childTnLst>
+                              <p:par>
+                                <p:cTn id="26" presetID="10" presetClass="entr" presetSubtype="0" fill="hold" grpId="0" nodeType="clickEffect">
+                                  <p:stCondLst>
+                                    <p:cond delay="0"/>
+                                  </p:stCondLst>
+                                  <p:childTnLst>
+                                    <p:set>
+                                      <p:cBhvr>
+                                        <p:cTn id="27" dur="1" fill="hold">
+                                          <p:stCondLst>
+                                            <p:cond delay="0"/>
+                                          </p:stCondLst>
+                                        </p:cTn>
+                                        <p:tgtEl>
+                                          <p:spTgt spid="14"/>
+                                        </p:tgtEl>
+                                        <p:attrNameLst>
+                                          <p:attrName>style.visibility</p:attrName>
+                                        </p:attrNameLst>
+                                      </p:cBhvr>
+                                      <p:to>
+                                        <p:strVal val="visible"/>
+                                      </p:to>
+                                    </p:set>
+                                    <p:animEffect transition="in" filter="fade">
+                                      <p:cBhvr>
+                                        <p:cTn id="28" dur="500"/>
+                                        <p:tgtEl>
+                                          <p:spTgt spid="14"/>
+                                        </p:tgtEl>
+                                      </p:cBhvr>
+                                    </p:animEffect>
+                                  </p:childTnLst>
+                                </p:cTn>
+                              </p:par>
+                              <p:par>
+                                <p:cTn id="29" presetID="10" presetClass="entr" presetSubtype="0" fill="hold" nodeType="withEffect">
+                                  <p:stCondLst>
+                                    <p:cond delay="0"/>
+                                  </p:stCondLst>
+                                  <p:childTnLst>
+                                    <p:set>
+                                      <p:cBhvr>
+                                        <p:cTn id="30" dur="1" fill="hold">
+                                          <p:stCondLst>
+                                            <p:cond delay="0"/>
+                                          </p:stCondLst>
+                                        </p:cTn>
+                                        <p:tgtEl>
+                                          <p:spTgt spid="63"/>
+                                        </p:tgtEl>
+                                        <p:attrNameLst>
+                                          <p:attrName>style.visibility</p:attrName>
+                                        </p:attrNameLst>
+                                      </p:cBhvr>
+                                      <p:to>
+                                        <p:strVal val="visible"/>
+                                      </p:to>
+                                    </p:set>
+                                    <p:animEffect transition="in" filter="fade">
+                                      <p:cBhvr>
+                                        <p:cTn id="31" dur="500"/>
+                                        <p:tgtEl>
+                                          <p:spTgt spid="63"/>
+                                        </p:tgtEl>
+                                      </p:cBhvr>
+                                    </p:animEffect>
+                                  </p:childTnLst>
+                                </p:cTn>
+                              </p:par>
+                              <p:par>
+                                <p:cTn id="32" presetID="10" presetClass="entr" presetSubtype="0" fill="hold" grpId="0" nodeType="withEffect">
+                                  <p:stCondLst>
+                                    <p:cond delay="0"/>
+                                  </p:stCondLst>
+                                  <p:childTnLst>
+                                    <p:set>
+                                      <p:cBhvr>
+                                        <p:cTn id="33" dur="1" fill="hold">
+                                          <p:stCondLst>
+                                            <p:cond delay="0"/>
+                                          </p:stCondLst>
+                                        </p:cTn>
+                                        <p:tgtEl>
+                                          <p:spTgt spid="12"/>
+                                        </p:tgtEl>
+                                        <p:attrNameLst>
+                                          <p:attrName>style.visibility</p:attrName>
+                                        </p:attrNameLst>
+                                      </p:cBhvr>
+                                      <p:to>
+                                        <p:strVal val="visible"/>
+                                      </p:to>
+                                    </p:set>
+                                    <p:animEffect transition="in" filter="fade">
+                                      <p:cBhvr>
+                                        <p:cTn id="34" dur="500"/>
+                                        <p:tgtEl>
+                                          <p:spTgt spid="12"/>
+                                        </p:tgtEl>
+                                      </p:cBhvr>
+                                    </p:animEffect>
+                                  </p:childTnLst>
+                                </p:cTn>
+                              </p:par>
+                              <p:par>
+                                <p:cTn id="35" presetID="10" presetClass="entr" presetSubtype="0" fill="hold" nodeType="withEffect">
+                                  <p:stCondLst>
+                                    <p:cond delay="0"/>
+                                  </p:stCondLst>
+                                  <p:childTnLst>
+                                    <p:set>
+                                      <p:cBhvr>
+                                        <p:cTn id="36" dur="1" fill="hold">
+                                          <p:stCondLst>
+                                            <p:cond delay="0"/>
+                                          </p:stCondLst>
+                                        </p:cTn>
+                                        <p:tgtEl>
+                                          <p:spTgt spid="64"/>
+                                        </p:tgtEl>
+                                        <p:attrNameLst>
+                                          <p:attrName>style.visibility</p:attrName>
+                                        </p:attrNameLst>
+                                      </p:cBhvr>
+                                      <p:to>
+                                        <p:strVal val="visible"/>
+                                      </p:to>
+                                    </p:set>
+                                    <p:animEffect transition="in" filter="fade">
+                                      <p:cBhvr>
+                                        <p:cTn id="37" dur="500"/>
+                                        <p:tgtEl>
+                                          <p:spTgt spid="64"/>
+                                        </p:tgtEl>
+                                      </p:cBhvr>
+                                    </p:animEffect>
+                                  </p:childTnLst>
+                                </p:cTn>
+                              </p:par>
+                              <p:par>
+                                <p:cTn id="38" presetID="10" presetClass="entr" presetSubtype="0" fill="hold" grpId="0" nodeType="withEffect">
+                                  <p:stCondLst>
+                                    <p:cond delay="0"/>
+                                  </p:stCondLst>
+                                  <p:childTnLst>
+                                    <p:set>
+                                      <p:cBhvr>
+                                        <p:cTn id="39" dur="1" fill="hold">
+                                          <p:stCondLst>
+                                            <p:cond delay="0"/>
+                                          </p:stCondLst>
+                                        </p:cTn>
+                                        <p:tgtEl>
+                                          <p:spTgt spid="13"/>
+                                        </p:tgtEl>
+                                        <p:attrNameLst>
+                                          <p:attrName>style.visibility</p:attrName>
+                                        </p:attrNameLst>
+                                      </p:cBhvr>
+                                      <p:to>
+                                        <p:strVal val="visible"/>
+                                      </p:to>
+                                    </p:set>
+                                    <p:animEffect transition="in" filter="fade">
+                                      <p:cBhvr>
+                                        <p:cTn id="40" dur="500"/>
+                                        <p:tgtEl>
+                                          <p:spTgt spid="13"/>
+                                        </p:tgtEl>
+                                      </p:cBhvr>
+                                    </p:animEffect>
+                                  </p:childTnLst>
+                                </p:cTn>
+                              </p:par>
+                              <p:par>
+                                <p:cTn id="41" presetID="10" presetClass="entr" presetSubtype="0" fill="hold" nodeType="withEffect">
+                                  <p:stCondLst>
+                                    <p:cond delay="0"/>
+                                  </p:stCondLst>
+                                  <p:childTnLst>
+                                    <p:set>
+                                      <p:cBhvr>
+                                        <p:cTn id="42" dur="1" fill="hold">
+                                          <p:stCondLst>
+                                            <p:cond delay="0"/>
+                                          </p:stCondLst>
+                                        </p:cTn>
+                                        <p:tgtEl>
+                                          <p:spTgt spid="42"/>
+                                        </p:tgtEl>
+                                        <p:attrNameLst>
+                                          <p:attrName>style.visibility</p:attrName>
+                                        </p:attrNameLst>
+                                      </p:cBhvr>
+                                      <p:to>
+                                        <p:strVal val="visible"/>
+                                      </p:to>
+                                    </p:set>
+                                    <p:animEffect transition="in" filter="fade">
+                                      <p:cBhvr>
+                                        <p:cTn id="43" dur="500"/>
+                                        <p:tgtEl>
+                                          <p:spTgt spid="42"/>
+                                        </p:tgtEl>
+                                      </p:cBhvr>
+                                    </p:animEffect>
+                                  </p:childTnLst>
+                                </p:cTn>
+                              </p:par>
+                            </p:childTnLst>
+                          </p:cTn>
+                        </p:par>
+                      </p:childTnLst>
+                    </p:cTn>
+                  </p:par>
+                  <p:par>
+                    <p:cTn id="44" fill="hold">
+                      <p:stCondLst>
+                        <p:cond delay="indefinite"/>
+                      </p:stCondLst>
+                      <p:childTnLst>
+                        <p:par>
+                          <p:cTn id="45" fill="hold">
+                            <p:stCondLst>
+                              <p:cond delay="0"/>
+                            </p:stCondLst>
+                            <p:childTnLst>
+                              <p:par>
+                                <p:cTn id="46" presetID="10" presetClass="entr" presetSubtype="0" fill="hold" nodeType="clickEffect">
+                                  <p:stCondLst>
+                                    <p:cond delay="0"/>
+                                  </p:stCondLst>
+                                  <p:childTnLst>
+                                    <p:set>
+                                      <p:cBhvr>
+                                        <p:cTn id="47" dur="1" fill="hold">
+                                          <p:stCondLst>
+                                            <p:cond delay="0"/>
+                                          </p:stCondLst>
+                                        </p:cTn>
+                                        <p:tgtEl>
+                                          <p:spTgt spid="19"/>
+                                        </p:tgtEl>
+                                        <p:attrNameLst>
+                                          <p:attrName>style.visibility</p:attrName>
+                                        </p:attrNameLst>
+                                      </p:cBhvr>
+                                      <p:to>
+                                        <p:strVal val="visible"/>
+                                      </p:to>
+                                    </p:set>
+                                    <p:animEffect transition="in" filter="fade">
+                                      <p:cBhvr>
+                                        <p:cTn id="48" dur="500"/>
+                                        <p:tgtEl>
+                                          <p:spTgt spid="19"/>
+                                        </p:tgtEl>
+                                      </p:cBhvr>
+                                    </p:animEffect>
+                                  </p:childTnLst>
+                                </p:cTn>
+                              </p:par>
+                              <p:par>
+                                <p:cTn id="49" presetID="10" presetClass="entr" presetSubtype="0" fill="hold" grpId="0" nodeType="withEffect">
+                                  <p:stCondLst>
+                                    <p:cond delay="0"/>
+                                  </p:stCondLst>
+                                  <p:childTnLst>
+                                    <p:set>
+                                      <p:cBhvr>
+                                        <p:cTn id="50" dur="1" fill="hold">
                                           <p:stCondLst>
                                             <p:cond delay="0"/>
                                           </p:stCondLst>
@@ -10585,33 +15138,14 @@
                                         <p:strVal val="visible"/>
                                       </p:to>
                                     </p:set>
-                                  </p:childTnLst>
-                                </p:cTn>
-                              </p:par>
-                              <p:par>
-                                <p:cTn id="7" presetID="1" presetClass="entr" presetSubtype="0" fill="hold" nodeType="withEffect">
-                                  <p:stCondLst>
-                                    <p:cond delay="0"/>
-                                  </p:stCondLst>
-                                  <p:childTnLst>
-                                    <p:set>
+                                    <p:animEffect transition="in" filter="fade">
                                       <p:cBhvr>
-                                        <p:cTn id="8" dur="1" fill="hold">
-                                          <p:stCondLst>
-                                            <p:cond delay="0"/>
-                                          </p:stCondLst>
-                                        </p:cTn>
+                                        <p:cTn id="51" dur="500"/>
                                         <p:tgtEl>
-                                          <p:spTgt spid="19"/>
+                                          <p:spTgt spid="9"/>
                                         </p:tgtEl>
-                                        <p:attrNameLst>
-                                          <p:attrName>style.visibility</p:attrName>
-                                        </p:attrNameLst>
                                       </p:cBhvr>
-                                      <p:to>
-                                        <p:strVal val="visible"/>
-                                      </p:to>
-                                    </p:set>
+                                    </p:animEffect>
                                   </p:childTnLst>
                                 </p:cTn>
                               </p:par>
@@ -10622,32 +15156,32 @@
                     </p:cTn>
                   </p:par>
                   <p:par>
-                    <p:cTn id="9" fill="hold">
+                    <p:cTn id="52" fill="hold">
                       <p:stCondLst>
                         <p:cond delay="indefinite"/>
                       </p:stCondLst>
                       <p:childTnLst>
                         <p:par>
-                          <p:cTn id="10" fill="hold">
+                          <p:cTn id="53" fill="hold">
                             <p:stCondLst>
                               <p:cond delay="0"/>
                             </p:stCondLst>
                             <p:childTnLst>
                               <p:par>
-                                <p:cTn id="11" presetID="1" presetClass="entr" presetSubtype="0" fill="hold" nodeType="clickEffect">
+                                <p:cTn id="54" presetID="10" presetClass="entr" presetSubtype="0" fill="hold" nodeType="clickEffect">
                                   <p:stCondLst>
                                     <p:cond delay="0"/>
                                   </p:stCondLst>
                                   <p:childTnLst>
                                     <p:set>
                                       <p:cBhvr>
-                                        <p:cTn id="12" dur="1" fill="hold">
+                                        <p:cTn id="55" dur="1" fill="hold">
                                           <p:stCondLst>
                                             <p:cond delay="0"/>
                                           </p:stCondLst>
                                         </p:cTn>
                                         <p:tgtEl>
-                                          <p:spTgt spid="23"/>
+                                          <p:spTgt spid="49"/>
                                         </p:tgtEl>
                                         <p:attrNameLst>
                                           <p:attrName>style.visibility</p:attrName>
@@ -10657,18 +15191,26 @@
                                         <p:strVal val="visible"/>
                                       </p:to>
                                     </p:set>
+                                    <p:animEffect transition="in" filter="fade">
+                                      <p:cBhvr>
+                                        <p:cTn id="56" dur="500"/>
+                                        <p:tgtEl>
+                                          <p:spTgt spid="49"/>
+                                        </p:tgtEl>
+                                      </p:cBhvr>
+                                    </p:animEffect>
                                   </p:childTnLst>
                                 </p:cTn>
                               </p:par>
                               <p:par>
-                                <p:cTn id="13" presetID="1" presetClass="entr" presetSubtype="0" fill="hold" grpId="0" nodeType="withEffect">
+                                <p:cTn id="57" presetID="10" presetClass="entr" presetSubtype="0" fill="hold" grpId="0" nodeType="withEffect">
                                   <p:stCondLst>
                                     <p:cond delay="0"/>
                                   </p:stCondLst>
                                   <p:childTnLst>
                                     <p:set>
                                       <p:cBhvr>
-                                        <p:cTn id="14" dur="1" fill="hold">
+                                        <p:cTn id="58" dur="1" fill="hold">
                                           <p:stCondLst>
                                             <p:cond delay="0"/>
                                           </p:stCondLst>
@@ -10684,6 +15226,14 @@
                                         <p:strVal val="visible"/>
                                       </p:to>
                                     </p:set>
+                                    <p:animEffect transition="in" filter="fade">
+                                      <p:cBhvr>
+                                        <p:cTn id="59" dur="500"/>
+                                        <p:tgtEl>
+                                          <p:spTgt spid="22"/>
+                                        </p:tgtEl>
+                                      </p:cBhvr>
+                                    </p:animEffect>
                                   </p:childTnLst>
                                 </p:cTn>
                               </p:par>
@@ -10694,386 +15244,26 @@
                     </p:cTn>
                   </p:par>
                   <p:par>
-                    <p:cTn id="15" fill="hold">
+                    <p:cTn id="60" fill="hold">
                       <p:stCondLst>
                         <p:cond delay="indefinite"/>
                       </p:stCondLst>
                       <p:childTnLst>
                         <p:par>
-                          <p:cTn id="16" fill="hold">
+                          <p:cTn id="61" fill="hold">
                             <p:stCondLst>
                               <p:cond delay="0"/>
                             </p:stCondLst>
                             <p:childTnLst>
                               <p:par>
-                                <p:cTn id="17" presetID="1" presetClass="entr" presetSubtype="0" fill="hold" nodeType="clickEffect">
+                                <p:cTn id="62" presetID="10" presetClass="entr" presetSubtype="0" fill="hold" nodeType="clickEffect">
                                   <p:stCondLst>
                                     <p:cond delay="0"/>
                                   </p:stCondLst>
                                   <p:childTnLst>
                                     <p:set>
                                       <p:cBhvr>
-                                        <p:cTn id="18" dur="1" fill="hold">
-                                          <p:stCondLst>
-                                            <p:cond delay="0"/>
-                                          </p:stCondLst>
-                                        </p:cTn>
-                                        <p:tgtEl>
-                                          <p:spTgt spid="18"/>
-                                        </p:tgtEl>
-                                        <p:attrNameLst>
-                                          <p:attrName>style.visibility</p:attrName>
-                                        </p:attrNameLst>
-                                      </p:cBhvr>
-                                      <p:to>
-                                        <p:strVal val="visible"/>
-                                      </p:to>
-                                    </p:set>
-                                  </p:childTnLst>
-                                </p:cTn>
-                              </p:par>
-                              <p:par>
-                                <p:cTn id="19" presetID="1" presetClass="entr" presetSubtype="0" fill="hold" grpId="0" nodeType="withEffect">
-                                  <p:stCondLst>
-                                    <p:cond delay="0"/>
-                                  </p:stCondLst>
-                                  <p:childTnLst>
-                                    <p:set>
-                                      <p:cBhvr>
-                                        <p:cTn id="20" dur="1" fill="hold">
-                                          <p:stCondLst>
-                                            <p:cond delay="0"/>
-                                          </p:stCondLst>
-                                        </p:cTn>
-                                        <p:tgtEl>
-                                          <p:spTgt spid="10"/>
-                                        </p:tgtEl>
-                                        <p:attrNameLst>
-                                          <p:attrName>style.visibility</p:attrName>
-                                        </p:attrNameLst>
-                                      </p:cBhvr>
-                                      <p:to>
-                                        <p:strVal val="visible"/>
-                                      </p:to>
-                                    </p:set>
-                                  </p:childTnLst>
-                                </p:cTn>
-                              </p:par>
-                            </p:childTnLst>
-                          </p:cTn>
-                        </p:par>
-                      </p:childTnLst>
-                    </p:cTn>
-                  </p:par>
-                  <p:par>
-                    <p:cTn id="21" fill="hold">
-                      <p:stCondLst>
-                        <p:cond delay="indefinite"/>
-                      </p:stCondLst>
-                      <p:childTnLst>
-                        <p:par>
-                          <p:cTn id="22" fill="hold">
-                            <p:stCondLst>
-                              <p:cond delay="0"/>
-                            </p:stCondLst>
-                            <p:childTnLst>
-                              <p:par>
-                                <p:cTn id="23" presetID="1" presetClass="entr" presetSubtype="0" fill="hold" nodeType="clickEffect">
-                                  <p:stCondLst>
-                                    <p:cond delay="0"/>
-                                  </p:stCondLst>
-                                  <p:childTnLst>
-                                    <p:set>
-                                      <p:cBhvr>
-                                        <p:cTn id="24" dur="1" fill="hold">
-                                          <p:stCondLst>
-                                            <p:cond delay="0"/>
-                                          </p:stCondLst>
-                                        </p:cTn>
-                                        <p:tgtEl>
-                                          <p:spTgt spid="30"/>
-                                        </p:tgtEl>
-                                        <p:attrNameLst>
-                                          <p:attrName>style.visibility</p:attrName>
-                                        </p:attrNameLst>
-                                      </p:cBhvr>
-                                      <p:to>
-                                        <p:strVal val="visible"/>
-                                      </p:to>
-                                    </p:set>
-                                  </p:childTnLst>
-                                </p:cTn>
-                              </p:par>
-                              <p:par>
-                                <p:cTn id="25" presetID="1" presetClass="entr" presetSubtype="0" fill="hold" grpId="0" nodeType="withEffect">
-                                  <p:stCondLst>
-                                    <p:cond delay="0"/>
-                                  </p:stCondLst>
-                                  <p:childTnLst>
-                                    <p:set>
-                                      <p:cBhvr>
-                                        <p:cTn id="26" dur="1" fill="hold">
-                                          <p:stCondLst>
-                                            <p:cond delay="0"/>
-                                          </p:stCondLst>
-                                        </p:cTn>
-                                        <p:tgtEl>
-                                          <p:spTgt spid="29"/>
-                                        </p:tgtEl>
-                                        <p:attrNameLst>
-                                          <p:attrName>style.visibility</p:attrName>
-                                        </p:attrNameLst>
-                                      </p:cBhvr>
-                                      <p:to>
-                                        <p:strVal val="visible"/>
-                                      </p:to>
-                                    </p:set>
-                                  </p:childTnLst>
-                                </p:cTn>
-                              </p:par>
-                            </p:childTnLst>
-                          </p:cTn>
-                        </p:par>
-                      </p:childTnLst>
-                    </p:cTn>
-                  </p:par>
-                  <p:par>
-                    <p:cTn id="27" fill="hold">
-                      <p:stCondLst>
-                        <p:cond delay="indefinite"/>
-                      </p:stCondLst>
-                      <p:childTnLst>
-                        <p:par>
-                          <p:cTn id="28" fill="hold">
-                            <p:stCondLst>
-                              <p:cond delay="0"/>
-                            </p:stCondLst>
-                            <p:childTnLst>
-                              <p:par>
-                                <p:cTn id="29" presetID="1" presetClass="entr" presetSubtype="0" fill="hold" grpId="0" nodeType="clickEffect">
-                                  <p:stCondLst>
-                                    <p:cond delay="0"/>
-                                  </p:stCondLst>
-                                  <p:childTnLst>
-                                    <p:set>
-                                      <p:cBhvr>
-                                        <p:cTn id="30" dur="1" fill="hold">
-                                          <p:stCondLst>
-                                            <p:cond delay="0"/>
-                                          </p:stCondLst>
-                                        </p:cTn>
-                                        <p:tgtEl>
-                                          <p:spTgt spid="14"/>
-                                        </p:tgtEl>
-                                        <p:attrNameLst>
-                                          <p:attrName>style.visibility</p:attrName>
-                                        </p:attrNameLst>
-                                      </p:cBhvr>
-                                      <p:to>
-                                        <p:strVal val="visible"/>
-                                      </p:to>
-                                    </p:set>
-                                  </p:childTnLst>
-                                </p:cTn>
-                              </p:par>
-                              <p:par>
-                                <p:cTn id="31" presetID="1" presetClass="entr" presetSubtype="0" fill="hold" nodeType="withEffect">
-                                  <p:stCondLst>
-                                    <p:cond delay="0"/>
-                                  </p:stCondLst>
-                                  <p:childTnLst>
-                                    <p:set>
-                                      <p:cBhvr>
-                                        <p:cTn id="32" dur="1" fill="hold">
-                                          <p:stCondLst>
-                                            <p:cond delay="0"/>
-                                          </p:stCondLst>
-                                        </p:cTn>
-                                        <p:tgtEl>
-                                          <p:spTgt spid="63"/>
-                                        </p:tgtEl>
-                                        <p:attrNameLst>
-                                          <p:attrName>style.visibility</p:attrName>
-                                        </p:attrNameLst>
-                                      </p:cBhvr>
-                                      <p:to>
-                                        <p:strVal val="visible"/>
-                                      </p:to>
-                                    </p:set>
-                                  </p:childTnLst>
-                                </p:cTn>
-                              </p:par>
-                            </p:childTnLst>
-                          </p:cTn>
-                        </p:par>
-                      </p:childTnLst>
-                    </p:cTn>
-                  </p:par>
-                  <p:par>
-                    <p:cTn id="33" fill="hold">
-                      <p:stCondLst>
-                        <p:cond delay="indefinite"/>
-                      </p:stCondLst>
-                      <p:childTnLst>
-                        <p:par>
-                          <p:cTn id="34" fill="hold">
-                            <p:stCondLst>
-                              <p:cond delay="0"/>
-                            </p:stCondLst>
-                            <p:childTnLst>
-                              <p:par>
-                                <p:cTn id="35" presetID="1" presetClass="entr" presetSubtype="0" fill="hold" grpId="0" nodeType="clickEffect">
-                                  <p:stCondLst>
-                                    <p:cond delay="0"/>
-                                  </p:stCondLst>
-                                  <p:childTnLst>
-                                    <p:set>
-                                      <p:cBhvr>
-                                        <p:cTn id="36" dur="1" fill="hold">
-                                          <p:stCondLst>
-                                            <p:cond delay="0"/>
-                                          </p:stCondLst>
-                                        </p:cTn>
-                                        <p:tgtEl>
-                                          <p:spTgt spid="12"/>
-                                        </p:tgtEl>
-                                        <p:attrNameLst>
-                                          <p:attrName>style.visibility</p:attrName>
-                                        </p:attrNameLst>
-                                      </p:cBhvr>
-                                      <p:to>
-                                        <p:strVal val="visible"/>
-                                      </p:to>
-                                    </p:set>
-                                  </p:childTnLst>
-                                </p:cTn>
-                              </p:par>
-                              <p:par>
-                                <p:cTn id="37" presetID="1" presetClass="entr" presetSubtype="0" fill="hold" nodeType="withEffect">
-                                  <p:stCondLst>
-                                    <p:cond delay="0"/>
-                                  </p:stCondLst>
-                                  <p:childTnLst>
-                                    <p:set>
-                                      <p:cBhvr>
-                                        <p:cTn id="38" dur="1" fill="hold">
-                                          <p:stCondLst>
-                                            <p:cond delay="0"/>
-                                          </p:stCondLst>
-                                        </p:cTn>
-                                        <p:tgtEl>
-                                          <p:spTgt spid="64"/>
-                                        </p:tgtEl>
-                                        <p:attrNameLst>
-                                          <p:attrName>style.visibility</p:attrName>
-                                        </p:attrNameLst>
-                                      </p:cBhvr>
-                                      <p:to>
-                                        <p:strVal val="visible"/>
-                                      </p:to>
-                                    </p:set>
-                                  </p:childTnLst>
-                                </p:cTn>
-                              </p:par>
-                            </p:childTnLst>
-                          </p:cTn>
-                        </p:par>
-                      </p:childTnLst>
-                    </p:cTn>
-                  </p:par>
-                  <p:par>
-                    <p:cTn id="39" fill="hold">
-                      <p:stCondLst>
-                        <p:cond delay="indefinite"/>
-                      </p:stCondLst>
-                      <p:childTnLst>
-                        <p:par>
-                          <p:cTn id="40" fill="hold">
-                            <p:stCondLst>
-                              <p:cond delay="0"/>
-                            </p:stCondLst>
-                            <p:childTnLst>
-                              <p:par>
-                                <p:cTn id="41" presetID="1" presetClass="entr" presetSubtype="0" fill="hold" grpId="0" nodeType="clickEffect">
-                                  <p:stCondLst>
-                                    <p:cond delay="0"/>
-                                  </p:stCondLst>
-                                  <p:childTnLst>
-                                    <p:set>
-                                      <p:cBhvr>
-                                        <p:cTn id="42" dur="1" fill="hold">
-                                          <p:stCondLst>
-                                            <p:cond delay="0"/>
-                                          </p:stCondLst>
-                                        </p:cTn>
-                                        <p:tgtEl>
-                                          <p:spTgt spid="13"/>
-                                        </p:tgtEl>
-                                        <p:attrNameLst>
-                                          <p:attrName>style.visibility</p:attrName>
-                                        </p:attrNameLst>
-                                      </p:cBhvr>
-                                      <p:to>
-                                        <p:strVal val="visible"/>
-                                      </p:to>
-                                    </p:set>
-                                  </p:childTnLst>
-                                </p:cTn>
-                              </p:par>
-                              <p:par>
-                                <p:cTn id="43" presetID="1" presetClass="entr" presetSubtype="0" fill="hold" nodeType="withEffect">
-                                  <p:stCondLst>
-                                    <p:cond delay="0"/>
-                                  </p:stCondLst>
-                                  <p:childTnLst>
-                                    <p:set>
-                                      <p:cBhvr>
-                                        <p:cTn id="44" dur="1" fill="hold">
-                                          <p:stCondLst>
-                                            <p:cond delay="0"/>
-                                          </p:stCondLst>
-                                        </p:cTn>
-                                        <p:tgtEl>
-                                          <p:spTgt spid="42"/>
-                                        </p:tgtEl>
-                                        <p:attrNameLst>
-                                          <p:attrName>style.visibility</p:attrName>
-                                        </p:attrNameLst>
-                                      </p:cBhvr>
-                                      <p:to>
-                                        <p:strVal val="visible"/>
-                                      </p:to>
-                                    </p:set>
-                                  </p:childTnLst>
-                                </p:cTn>
-                              </p:par>
-                            </p:childTnLst>
-                          </p:cTn>
-                        </p:par>
-                      </p:childTnLst>
-                    </p:cTn>
-                  </p:par>
-                  <p:par>
-                    <p:cTn id="45" fill="hold">
-                      <p:stCondLst>
-                        <p:cond delay="indefinite"/>
-                      </p:stCondLst>
-                      <p:childTnLst>
-                        <p:par>
-                          <p:cTn id="46" fill="hold">
-                            <p:stCondLst>
-                              <p:cond delay="0"/>
-                            </p:stCondLst>
-                            <p:childTnLst>
-                              <p:par>
-                                <p:cTn id="47" presetID="1" presetClass="entr" presetSubtype="0" fill="hold" nodeType="clickEffect">
-                                  <p:stCondLst>
-                                    <p:cond delay="0"/>
-                                  </p:stCondLst>
-                                  <p:childTnLst>
-                                    <p:set>
-                                      <p:cBhvr>
-                                        <p:cTn id="48" dur="1" fill="hold">
+                                        <p:cTn id="63" dur="1" fill="hold">
                                           <p:stCondLst>
                                             <p:cond delay="0"/>
                                           </p:stCondLst>
@@ -11089,18 +15279,26 @@
                                         <p:strVal val="visible"/>
                                       </p:to>
                                     </p:set>
+                                    <p:animEffect transition="in" filter="fade">
+                                      <p:cBhvr>
+                                        <p:cTn id="64" dur="500"/>
+                                        <p:tgtEl>
+                                          <p:spTgt spid="26"/>
+                                        </p:tgtEl>
+                                      </p:cBhvr>
+                                    </p:animEffect>
                                   </p:childTnLst>
                                 </p:cTn>
                               </p:par>
                               <p:par>
-                                <p:cTn id="49" presetID="1" presetClass="entr" presetSubtype="0" fill="hold" grpId="0" nodeType="withEffect">
+                                <p:cTn id="65" presetID="10" presetClass="entr" presetSubtype="0" fill="hold" grpId="0" nodeType="withEffect">
                                   <p:stCondLst>
                                     <p:cond delay="0"/>
                                   </p:stCondLst>
                                   <p:childTnLst>
                                     <p:set>
                                       <p:cBhvr>
-                                        <p:cTn id="50" dur="1" fill="hold">
+                                        <p:cTn id="66" dur="1" fill="hold">
                                           <p:stCondLst>
                                             <p:cond delay="0"/>
                                           </p:stCondLst>
@@ -11116,6 +15314,172 @@
                                         <p:strVal val="visible"/>
                                       </p:to>
                                     </p:set>
+                                    <p:animEffect transition="in" filter="fade">
+                                      <p:cBhvr>
+                                        <p:cTn id="67" dur="500"/>
+                                        <p:tgtEl>
+                                          <p:spTgt spid="11"/>
+                                        </p:tgtEl>
+                                      </p:cBhvr>
+                                    </p:animEffect>
+                                  </p:childTnLst>
+                                </p:cTn>
+                              </p:par>
+                            </p:childTnLst>
+                          </p:cTn>
+                        </p:par>
+                      </p:childTnLst>
+                    </p:cTn>
+                  </p:par>
+                  <p:par>
+                    <p:cTn id="68" fill="hold">
+                      <p:stCondLst>
+                        <p:cond delay="indefinite"/>
+                      </p:stCondLst>
+                      <p:childTnLst>
+                        <p:par>
+                          <p:cTn id="69" fill="hold">
+                            <p:stCondLst>
+                              <p:cond delay="0"/>
+                            </p:stCondLst>
+                            <p:childTnLst>
+                              <p:par>
+                                <p:cTn id="70" presetID="10" presetClass="entr" presetSubtype="0" fill="hold" nodeType="clickEffect">
+                                  <p:stCondLst>
+                                    <p:cond delay="0"/>
+                                  </p:stCondLst>
+                                  <p:childTnLst>
+                                    <p:set>
+                                      <p:cBhvr>
+                                        <p:cTn id="71" dur="1" fill="hold">
+                                          <p:stCondLst>
+                                            <p:cond delay="0"/>
+                                          </p:stCondLst>
+                                        </p:cTn>
+                                        <p:tgtEl>
+                                          <p:spTgt spid="52"/>
+                                        </p:tgtEl>
+                                        <p:attrNameLst>
+                                          <p:attrName>style.visibility</p:attrName>
+                                        </p:attrNameLst>
+                                      </p:cBhvr>
+                                      <p:to>
+                                        <p:strVal val="visible"/>
+                                      </p:to>
+                                    </p:set>
+                                    <p:animEffect transition="in" filter="fade">
+                                      <p:cBhvr>
+                                        <p:cTn id="72" dur="500"/>
+                                        <p:tgtEl>
+                                          <p:spTgt spid="52"/>
+                                        </p:tgtEl>
+                                      </p:cBhvr>
+                                    </p:animEffect>
+                                  </p:childTnLst>
+                                </p:cTn>
+                              </p:par>
+                              <p:par>
+                                <p:cTn id="73" presetID="10" presetClass="entr" presetSubtype="0" fill="hold" nodeType="withEffect">
+                                  <p:stCondLst>
+                                    <p:cond delay="0"/>
+                                  </p:stCondLst>
+                                  <p:childTnLst>
+                                    <p:set>
+                                      <p:cBhvr>
+                                        <p:cTn id="74" dur="1" fill="hold">
+                                          <p:stCondLst>
+                                            <p:cond delay="0"/>
+                                          </p:stCondLst>
+                                        </p:cTn>
+                                        <p:tgtEl>
+                                          <p:spTgt spid="80"/>
+                                        </p:tgtEl>
+                                        <p:attrNameLst>
+                                          <p:attrName>style.visibility</p:attrName>
+                                        </p:attrNameLst>
+                                      </p:cBhvr>
+                                      <p:to>
+                                        <p:strVal val="visible"/>
+                                      </p:to>
+                                    </p:set>
+                                    <p:animEffect transition="in" filter="fade">
+                                      <p:cBhvr>
+                                        <p:cTn id="75" dur="500"/>
+                                        <p:tgtEl>
+                                          <p:spTgt spid="80"/>
+                                        </p:tgtEl>
+                                      </p:cBhvr>
+                                    </p:animEffect>
+                                  </p:childTnLst>
+                                </p:cTn>
+                              </p:par>
+                              <p:par>
+                                <p:cTn id="76" presetID="10" presetClass="entr" presetSubtype="0" fill="hold" nodeType="withEffect">
+                                  <p:stCondLst>
+                                    <p:cond delay="0"/>
+                                  </p:stCondLst>
+                                  <p:childTnLst>
+                                    <p:set>
+                                      <p:cBhvr>
+                                        <p:cTn id="77" dur="1" fill="hold">
+                                          <p:stCondLst>
+                                            <p:cond delay="0"/>
+                                          </p:stCondLst>
+                                        </p:cTn>
+                                        <p:tgtEl>
+                                          <p:spTgt spid="44"/>
+                                        </p:tgtEl>
+                                        <p:attrNameLst>
+                                          <p:attrName>style.visibility</p:attrName>
+                                        </p:attrNameLst>
+                                      </p:cBhvr>
+                                      <p:to>
+                                        <p:strVal val="visible"/>
+                                      </p:to>
+                                    </p:set>
+                                    <p:animEffect transition="in" filter="fade">
+                                      <p:cBhvr>
+                                        <p:cTn id="78" dur="500"/>
+                                        <p:tgtEl>
+                                          <p:spTgt spid="44"/>
+                                        </p:tgtEl>
+                                      </p:cBhvr>
+                                    </p:animEffect>
+                                  </p:childTnLst>
+                                </p:cTn>
+                              </p:par>
+                              <p:par>
+                                <p:cTn id="79" presetID="10" presetClass="entr" presetSubtype="0" fill="hold" grpId="0" nodeType="withEffect">
+                                  <p:stCondLst>
+                                    <p:cond delay="0"/>
+                                  </p:stCondLst>
+                                  <p:childTnLst>
+                                    <p:set>
+                                      <p:cBhvr>
+                                        <p:cTn id="80" dur="1" fill="hold">
+                                          <p:stCondLst>
+                                            <p:cond delay="0"/>
+                                          </p:stCondLst>
+                                        </p:cTn>
+                                        <p:tgtEl>
+                                          <p:spTgt spid="43"/>
+                                        </p:tgtEl>
+                                        <p:attrNameLst>
+                                          <p:attrName>style.visibility</p:attrName>
+                                        </p:attrNameLst>
+                                      </p:cBhvr>
+                                      <p:to>
+                                        <p:strVal val="visible"/>
+                                      </p:to>
+                                    </p:set>
+                                    <p:animEffect transition="in" filter="fade">
+                                      <p:cBhvr>
+                                        <p:cTn id="81" dur="500"/>
+                                        <p:tgtEl>
+                                          <p:spTgt spid="43"/>
+                                        </p:tgtEl>
+                                      </p:cBhvr>
+                                    </p:animEffect>
                                   </p:childTnLst>
                                 </p:cTn>
                               </p:par>
@@ -11147,6 +15511,7 @@
       </p:par>
     </p:tnLst>
     <p:bldLst>
+      <p:bldP spid="7" grpId="0" animBg="1"/>
       <p:bldP spid="9" grpId="0" animBg="1"/>
       <p:bldP spid="10" grpId="0" animBg="1"/>
       <p:bldP spid="11" grpId="0" animBg="1"/>
@@ -11155,6 +15520,7 @@
       <p:bldP spid="14" grpId="0" animBg="1"/>
       <p:bldP spid="22" grpId="0" animBg="1"/>
       <p:bldP spid="29" grpId="0" animBg="1"/>
+      <p:bldP spid="43" grpId="0" animBg="1"/>
     </p:bldLst>
   </p:timing>
 </p:sld>
@@ -11193,29 +15559,21 @@
           <a:lstStyle/>
           <a:p>
             <a:r>
-              <a:rPr lang="de-DE" dirty="0" smtClean="0">
-                <a:solidFill>
-                  <a:srgbClr val="E4C402"/>
-                </a:solidFill>
-              </a:rPr>
-              <a:t>Vielen Dank für Eure Aufmerksamkeit!</a:t>
-            </a:r>
-            <a:endParaRPr lang="de-DE" dirty="0">
-              <a:solidFill>
-                <a:srgbClr val="E4C402"/>
-              </a:solidFill>
-            </a:endParaRPr>
-          </a:p>
-        </p:txBody>
-      </p:sp>
-      <p:sp>
-        <p:nvSpPr>
-          <p:cNvPr id="3" name="Datumsplatzhalter 2"/>
+              <a:rPr lang="de-DE" dirty="0" smtClean="0"/>
+              <a:t>Implementierung</a:t>
+            </a:r>
+            <a:endParaRPr lang="en-US" dirty="0"/>
+          </a:p>
+        </p:txBody>
+      </p:sp>
+      <p:sp>
+        <p:nvSpPr>
+          <p:cNvPr id="3" name="Inhaltsplatzhalter 2"/>
           <p:cNvSpPr>
             <a:spLocks noGrp="1"/>
           </p:cNvSpPr>
           <p:nvPr>
-            <p:ph type="dt" sz="half" idx="10"/>
+            <p:ph idx="1"/>
           </p:nvPr>
         </p:nvSpPr>
         <p:spPr/>
@@ -11224,6 +15582,56 @@
           <a:lstStyle/>
           <a:p>
             <a:r>
+              <a:rPr lang="de-DE" dirty="0" smtClean="0"/>
+              <a:t>generische Klassen</a:t>
+            </a:r>
+          </a:p>
+          <a:p>
+            <a:r>
+              <a:rPr lang="de-DE" dirty="0"/>
+              <a:t>Datenhaltung</a:t>
+            </a:r>
+          </a:p>
+          <a:p>
+            <a:pPr lvl="1"/>
+            <a:r>
+              <a:rPr lang="de-DE" dirty="0" err="1"/>
+              <a:t>Vector</a:t>
+            </a:r>
+            <a:endParaRPr lang="de-DE" dirty="0"/>
+          </a:p>
+          <a:p>
+            <a:pPr lvl="1"/>
+            <a:r>
+              <a:rPr lang="de-DE" dirty="0" err="1" smtClean="0"/>
+              <a:t>HashMap</a:t>
+            </a:r>
+            <a:endParaRPr lang="de-DE" dirty="0" smtClean="0"/>
+          </a:p>
+          <a:p>
+            <a:r>
+              <a:rPr lang="de-DE" dirty="0" smtClean="0"/>
+              <a:t>Ausgabe: Tabellenform</a:t>
+            </a:r>
+          </a:p>
+        </p:txBody>
+      </p:sp>
+      <p:sp>
+        <p:nvSpPr>
+          <p:cNvPr id="4" name="Datumsplatzhalter 3"/>
+          <p:cNvSpPr>
+            <a:spLocks noGrp="1"/>
+          </p:cNvSpPr>
+          <p:nvPr>
+            <p:ph type="dt" sz="half" idx="10"/>
+          </p:nvPr>
+        </p:nvSpPr>
+        <p:spPr/>
+        <p:txBody>
+          <a:bodyPr/>
+          <a:lstStyle/>
+          <a:p>
+            <a:r>
               <a:rPr lang="de-DE" smtClean="0"/>
               <a:t>04.11.11</a:t>
             </a:r>
@@ -11233,7 +15641,7 @@
       </p:sp>
       <p:sp>
         <p:nvSpPr>
-          <p:cNvPr id="4" name="Fußzeilenplatzhalter 3"/>
+          <p:cNvPr id="5" name="Fußzeilenplatzhalter 4"/>
           <p:cNvSpPr>
             <a:spLocks noGrp="1"/>
           </p:cNvSpPr>
@@ -11256,7 +15664,7 @@
       </p:sp>
       <p:sp>
         <p:nvSpPr>
-          <p:cNvPr id="5" name="Foliennummernplatzhalter 4"/>
+          <p:cNvPr id="6" name="Foliennummernplatzhalter 5"/>
           <p:cNvSpPr>
             <a:spLocks noGrp="1"/>
           </p:cNvSpPr>
@@ -11277,16 +15685,66 @@
           </a:p>
         </p:txBody>
       </p:sp>
+      <p:pic>
+        <p:nvPicPr>
+          <p:cNvPr id="7" name="Grafik 6"/>
+          <p:cNvPicPr>
+            <a:picLocks noChangeAspect="1"/>
+          </p:cNvPicPr>
+          <p:nvPr/>
+        </p:nvPicPr>
+        <p:blipFill>
+          <a:blip r:embed="rId3">
+            <a:extLst>
+              <a:ext uri="{28A0092B-C50C-407E-A947-70E740481C1C}">
+                <a14:useLocalDpi xmlns:a14="http://schemas.microsoft.com/office/drawing/2010/main" val="0"/>
+              </a:ext>
+            </a:extLst>
+          </a:blip>
+          <a:stretch>
+            <a:fillRect/>
+          </a:stretch>
+        </p:blipFill>
+        <p:spPr>
+          <a:xfrm>
+            <a:off x="4939326" y="2424112"/>
+            <a:ext cx="3281535" cy="2711384"/>
+          </a:xfrm>
+          <a:prstGeom prst="roundRect">
+            <a:avLst>
+              <a:gd name="adj" fmla="val 8594"/>
+            </a:avLst>
+          </a:prstGeom>
+          <a:solidFill>
+            <a:srgbClr val="FFFFFF">
+              <a:shade val="85000"/>
+            </a:srgbClr>
+          </a:solidFill>
+          <a:ln>
+            <a:noFill/>
+          </a:ln>
+          <a:effectLst>
+            <a:reflection blurRad="12700" stA="38000" endPos="28000" dist="5000" dir="5400000" sy="-100000" algn="bl" rotWithShape="0"/>
+          </a:effectLst>
+        </p:spPr>
+      </p:pic>
     </p:spTree>
     <p:extLst>
       <p:ext uri="{BB962C8B-B14F-4D97-AF65-F5344CB8AC3E}">
-        <p14:creationId xmlns:p14="http://schemas.microsoft.com/office/powerpoint/2010/main" val="2161015239"/>
+        <p14:creationId xmlns:p14="http://schemas.microsoft.com/office/powerpoint/2010/main" val="3125960721"/>
       </p:ext>
     </p:extLst>
   </p:cSld>
   <p:clrMapOvr>
     <a:masterClrMapping/>
   </p:clrMapOvr>
+  <p:timing>
+    <p:tnLst>
+      <p:par>
+        <p:cTn id="1" dur="indefinite" restart="never" nodeType="tmRoot"/>
+      </p:par>
+    </p:tnLst>
+  </p:timing>
 </p:sld>
 </file>
 
